--- a/training-spark/1_Spark.pptx
+++ b/training-spark/1_Spark.pptx
@@ -6,10 +6,10 @@
     <p:sldMasterId id="2147483659" r:id="rId2"/>
   </p:sldMasterIdLst>
   <p:notesMasterIdLst>
-    <p:notesMasterId r:id="rId11"/>
+    <p:notesMasterId r:id="rId15"/>
   </p:notesMasterIdLst>
   <p:handoutMasterIdLst>
-    <p:handoutMasterId r:id="rId12"/>
+    <p:handoutMasterId r:id="rId16"/>
   </p:handoutMasterIdLst>
   <p:sldIdLst>
     <p:sldId id="257" r:id="rId3"/>
@@ -18,8 +18,12 @@
     <p:sldId id="264" r:id="rId6"/>
     <p:sldId id="261" r:id="rId7"/>
     <p:sldId id="259" r:id="rId8"/>
-    <p:sldId id="260" r:id="rId9"/>
-    <p:sldId id="263" r:id="rId10"/>
+    <p:sldId id="265" r:id="rId9"/>
+    <p:sldId id="266" r:id="rId10"/>
+    <p:sldId id="267" r:id="rId11"/>
+    <p:sldId id="268" r:id="rId12"/>
+    <p:sldId id="269" r:id="rId13"/>
+    <p:sldId id="263" r:id="rId14"/>
   </p:sldIdLst>
   <p:sldSz cx="13004800" cy="9753600"/>
   <p:notesSz cx="6858000" cy="9144000"/>
@@ -437,7 +441,7 @@
           <a:p>
             <a:fld id="{154C1C9F-968B-45D4-9FBD-EA39F2175159}" type="datetimeFigureOut">
               <a:rPr lang="en-US" smtClean="0"/>
-              <a:t>7/14/2022</a:t>
+              <a:t>7/16/2022</a:t>
             </a:fld>
             <a:endParaRPr lang="en-US"/>
           </a:p>
@@ -878,6 +882,107 @@
 </p:notes>
 </file>
 
+<file path=ppt/notesSlides/notesSlide3.xml><?xml version="1.0" encoding="utf-8"?>
+<p:notes xmlns:a="http://schemas.openxmlformats.org/drawingml/2006/main" xmlns:r="http://schemas.openxmlformats.org/officeDocument/2006/relationships" xmlns:p="http://schemas.openxmlformats.org/presentationml/2006/main">
+  <p:cSld>
+    <p:spTree>
+      <p:nvGrpSpPr>
+        <p:cNvPr id="1" name=""/>
+        <p:cNvGrpSpPr/>
+        <p:nvPr/>
+      </p:nvGrpSpPr>
+      <p:grpSpPr>
+        <a:xfrm>
+          <a:off x="0" y="0"/>
+          <a:ext cx="0" cy="0"/>
+          <a:chOff x="0" y="0"/>
+          <a:chExt cx="0" cy="0"/>
+        </a:xfrm>
+      </p:grpSpPr>
+      <p:sp>
+        <p:nvSpPr>
+          <p:cNvPr id="2" name="Slide Image Placeholder 1"/>
+          <p:cNvSpPr>
+            <a:spLocks noGrp="1" noRot="1" noChangeAspect="1"/>
+          </p:cNvSpPr>
+          <p:nvPr>
+            <p:ph type="sldImg"/>
+          </p:nvPr>
+        </p:nvSpPr>
+        <p:spPr/>
+      </p:sp>
+      <p:sp>
+        <p:nvSpPr>
+          <p:cNvPr id="3" name="Notes Placeholder 2"/>
+          <p:cNvSpPr>
+            <a:spLocks noGrp="1"/>
+          </p:cNvSpPr>
+          <p:nvPr>
+            <p:ph type="body" idx="1"/>
+          </p:nvPr>
+        </p:nvSpPr>
+        <p:spPr/>
+        <p:txBody>
+          <a:bodyPr/>
+          <a:lstStyle/>
+          <a:p>
+            <a:r>
+              <a:rPr lang="en-US" dirty="0"/>
+              <a:t>Each application gets its own executor processes, which stay up for the duration of the whole application and run tasks in multiple threads.</a:t>
+            </a:r>
+          </a:p>
+          <a:p>
+            <a:endParaRPr lang="en-US" dirty="0"/>
+          </a:p>
+          <a:p>
+            <a:pPr marL="0" marR="0" lvl="0" indent="0" defTabSz="457200" eaLnBrk="1" fontAlgn="auto" latinLnBrk="0" hangingPunct="1">
+              <a:lnSpc>
+                <a:spcPct val="117999"/>
+              </a:lnSpc>
+              <a:spcBef>
+                <a:spcPts val="0"/>
+              </a:spcBef>
+              <a:spcAft>
+                <a:spcPts val="0"/>
+              </a:spcAft>
+              <a:buClrTx/>
+              <a:buSzTx/>
+              <a:buFontTx/>
+              <a:buNone/>
+              <a:tabLst/>
+              <a:defRPr/>
+            </a:pPr>
+            <a:r>
+              <a:rPr lang="en-US" dirty="0"/>
+              <a:t>This has the benefit of isolating applications from each other, on both the scheduling side (each driver schedules its own tasks) and executor side (tasks from different applications run in different JVMs). However, it also means that data cannot be shared across different Spark applications (instances of </a:t>
+            </a:r>
+            <a:r>
+              <a:rPr lang="en-US" dirty="0" err="1"/>
+              <a:t>SparkContext</a:t>
+            </a:r>
+            <a:r>
+              <a:rPr lang="en-US" dirty="0"/>
+              <a:t>) without writing it to an external storage system.</a:t>
+            </a:r>
+          </a:p>
+          <a:p>
+            <a:endParaRPr lang="en-US" dirty="0"/>
+          </a:p>
+        </p:txBody>
+      </p:sp>
+    </p:spTree>
+    <p:extLst>
+      <p:ext uri="{BB962C8B-B14F-4D97-AF65-F5344CB8AC3E}">
+        <p14:creationId xmlns:p14="http://schemas.microsoft.com/office/powerpoint/2010/main" val="4076460491"/>
+      </p:ext>
+    </p:extLst>
+  </p:cSld>
+  <p:clrMapOvr>
+    <a:masterClrMapping/>
+  </p:clrMapOvr>
+</p:notes>
+</file>
+
 <file path=ppt/slideLayouts/slideLayout1.xml><?xml version="1.0" encoding="utf-8"?>
 <p:sldLayout xmlns:a="http://schemas.openxmlformats.org/drawingml/2006/main" xmlns:r="http://schemas.openxmlformats.org/officeDocument/2006/relationships" xmlns:p="http://schemas.openxmlformats.org/presentationml/2006/main" preserve="1" userDrawn="1">
   <p:cSld name="Slide_Titolo introduttivo">
@@ -1621,7 +1726,7 @@
           <a:p>
             <a:fld id="{0F1B7D9C-4F60-C246-8CA4-396C0346DE33}" type="datetimeFigureOut">
               <a:rPr lang="it-IT" smtClean="0"/>
-              <a:t>14/07/2022</a:t>
+              <a:t>16/07/2022</a:t>
             </a:fld>
             <a:endParaRPr lang="it-IT"/>
           </a:p>
@@ -2276,7 +2381,7 @@
           <a:p>
             <a:fld id="{A2FF5F4A-4507-894B-98D1-9441DD15C475}" type="datetimeFigureOut">
               <a:rPr lang="it-IT" smtClean="0"/>
-              <a:t>14/07/2022</a:t>
+              <a:t>16/07/2022</a:t>
             </a:fld>
             <a:endParaRPr lang="it-IT" dirty="0"/>
           </a:p>
@@ -2818,6 +2923,828 @@
 </p:sld>
 </file>
 
+<file path=ppt/slides/slide10.xml><?xml version="1.0" encoding="utf-8"?>
+<p:sld xmlns:a="http://schemas.openxmlformats.org/drawingml/2006/main" xmlns:r="http://schemas.openxmlformats.org/officeDocument/2006/relationships" xmlns:p="http://schemas.openxmlformats.org/presentationml/2006/main">
+  <p:cSld>
+    <p:spTree>
+      <p:nvGrpSpPr>
+        <p:cNvPr id="1" name=""/>
+        <p:cNvGrpSpPr/>
+        <p:nvPr/>
+      </p:nvGrpSpPr>
+      <p:grpSpPr>
+        <a:xfrm>
+          <a:off x="0" y="0"/>
+          <a:ext cx="0" cy="0"/>
+          <a:chOff x="0" y="0"/>
+          <a:chExt cx="0" cy="0"/>
+        </a:xfrm>
+      </p:grpSpPr>
+      <p:sp>
+        <p:nvSpPr>
+          <p:cNvPr id="2" name="Text Placeholder 1">
+            <a:extLst>
+              <a:ext uri="{FF2B5EF4-FFF2-40B4-BE49-F238E27FC236}">
+                <a16:creationId xmlns:a16="http://schemas.microsoft.com/office/drawing/2014/main" id="{F29E16DD-BF30-BD89-4FF6-8C9E304CAC9D}"/>
+              </a:ext>
+            </a:extLst>
+          </p:cNvPr>
+          <p:cNvSpPr>
+            <a:spLocks noGrp="1"/>
+          </p:cNvSpPr>
+          <p:nvPr>
+            <p:ph type="body" sz="quarter" idx="15"/>
+          </p:nvPr>
+        </p:nvSpPr>
+        <p:spPr/>
+        <p:txBody>
+          <a:bodyPr/>
+          <a:lstStyle/>
+          <a:p>
+            <a:endParaRPr lang="en-US"/>
+          </a:p>
+        </p:txBody>
+      </p:sp>
+      <p:sp>
+        <p:nvSpPr>
+          <p:cNvPr id="3" name="Text Placeholder 2">
+            <a:extLst>
+              <a:ext uri="{FF2B5EF4-FFF2-40B4-BE49-F238E27FC236}">
+                <a16:creationId xmlns:a16="http://schemas.microsoft.com/office/drawing/2014/main" id="{53247260-3BCF-E841-5693-E916D73ABED2}"/>
+              </a:ext>
+            </a:extLst>
+          </p:cNvPr>
+          <p:cNvSpPr>
+            <a:spLocks noGrp="1"/>
+          </p:cNvSpPr>
+          <p:nvPr>
+            <p:ph type="body" sz="quarter" idx="17"/>
+          </p:nvPr>
+        </p:nvSpPr>
+        <p:spPr/>
+        <p:txBody>
+          <a:bodyPr/>
+          <a:lstStyle/>
+          <a:p>
+            <a:endParaRPr lang="en-US"/>
+          </a:p>
+        </p:txBody>
+      </p:sp>
+      <p:sp>
+        <p:nvSpPr>
+          <p:cNvPr id="4" name="Text Placeholder 3">
+            <a:extLst>
+              <a:ext uri="{FF2B5EF4-FFF2-40B4-BE49-F238E27FC236}">
+                <a16:creationId xmlns:a16="http://schemas.microsoft.com/office/drawing/2014/main" id="{CA2A1045-817D-A69B-05F7-94943C8EAF8A}"/>
+              </a:ext>
+            </a:extLst>
+          </p:cNvPr>
+          <p:cNvSpPr>
+            <a:spLocks noGrp="1"/>
+          </p:cNvSpPr>
+          <p:nvPr>
+            <p:ph type="body" sz="quarter" idx="16"/>
+          </p:nvPr>
+        </p:nvSpPr>
+        <p:spPr/>
+        <p:txBody>
+          <a:bodyPr/>
+          <a:lstStyle/>
+          <a:p>
+            <a:endParaRPr lang="en-US"/>
+          </a:p>
+        </p:txBody>
+      </p:sp>
+      <p:sp>
+        <p:nvSpPr>
+          <p:cNvPr id="5" name="Title 4">
+            <a:extLst>
+              <a:ext uri="{FF2B5EF4-FFF2-40B4-BE49-F238E27FC236}">
+                <a16:creationId xmlns:a16="http://schemas.microsoft.com/office/drawing/2014/main" id="{99EB84DA-AEAD-0BC4-7656-5D49752E6712}"/>
+              </a:ext>
+            </a:extLst>
+          </p:cNvPr>
+          <p:cNvSpPr>
+            <a:spLocks noGrp="1"/>
+          </p:cNvSpPr>
+          <p:nvPr>
+            <p:ph type="title"/>
+          </p:nvPr>
+        </p:nvSpPr>
+        <p:spPr/>
+        <p:txBody>
+          <a:bodyPr/>
+          <a:lstStyle/>
+          <a:p>
+            <a:r>
+              <a:rPr lang="en-US" dirty="0"/>
+              <a:t>Tasks and</a:t>
+            </a:r>
+          </a:p>
+        </p:txBody>
+      </p:sp>
+      <p:sp>
+        <p:nvSpPr>
+          <p:cNvPr id="6" name="Content Placeholder 5">
+            <a:extLst>
+              <a:ext uri="{FF2B5EF4-FFF2-40B4-BE49-F238E27FC236}">
+                <a16:creationId xmlns:a16="http://schemas.microsoft.com/office/drawing/2014/main" id="{0FE97F48-8517-4C80-D32A-D0AC264F2E09}"/>
+              </a:ext>
+            </a:extLst>
+          </p:cNvPr>
+          <p:cNvSpPr>
+            <a:spLocks noGrp="1"/>
+          </p:cNvSpPr>
+          <p:nvPr>
+            <p:ph idx="1"/>
+          </p:nvPr>
+        </p:nvSpPr>
+        <p:spPr/>
+        <p:txBody>
+          <a:bodyPr/>
+          <a:lstStyle/>
+          <a:p>
+            <a:pPr marL="0" indent="0">
+              <a:buNone/>
+            </a:pPr>
+            <a:r>
+              <a:rPr lang="en-US" dirty="0"/>
+              <a:t>Each stage is comprised of Spark tasks (a unit of execution), which are then federated across each Spark executor; each task maps to a single core and works on a single partition of data.</a:t>
+            </a:r>
+          </a:p>
+        </p:txBody>
+      </p:sp>
+      <p:pic>
+        <p:nvPicPr>
+          <p:cNvPr id="8" name="Picture 7">
+            <a:extLst>
+              <a:ext uri="{FF2B5EF4-FFF2-40B4-BE49-F238E27FC236}">
+                <a16:creationId xmlns:a16="http://schemas.microsoft.com/office/drawing/2014/main" id="{89C86868-A910-AF34-CDC4-DBC4CF34F24F}"/>
+              </a:ext>
+            </a:extLst>
+          </p:cNvPr>
+          <p:cNvPicPr>
+            <a:picLocks noChangeAspect="1"/>
+          </p:cNvPicPr>
+          <p:nvPr/>
+        </p:nvPicPr>
+        <p:blipFill rotWithShape="1">
+          <a:blip r:embed="rId2"/>
+          <a:srcRect l="1" r="-1"/>
+          <a:stretch/>
+        </p:blipFill>
+        <p:spPr>
+          <a:xfrm>
+            <a:off x="0" y="4082095"/>
+            <a:ext cx="13004800" cy="3718468"/>
+          </a:xfrm>
+          <a:prstGeom prst="rect">
+            <a:avLst/>
+          </a:prstGeom>
+        </p:spPr>
+      </p:pic>
+      <p:sp>
+        <p:nvSpPr>
+          <p:cNvPr id="9" name="TextBox 8">
+            <a:extLst>
+              <a:ext uri="{FF2B5EF4-FFF2-40B4-BE49-F238E27FC236}">
+                <a16:creationId xmlns:a16="http://schemas.microsoft.com/office/drawing/2014/main" id="{3E9BCE19-1EC4-D977-5F4B-809DAE0D5661}"/>
+              </a:ext>
+            </a:extLst>
+          </p:cNvPr>
+          <p:cNvSpPr txBox="1"/>
+          <p:nvPr/>
+        </p:nvSpPr>
+        <p:spPr>
+          <a:xfrm>
+            <a:off x="51961" y="9412245"/>
+            <a:ext cx="2673309" cy="246221"/>
+          </a:xfrm>
+          <a:prstGeom prst="rect">
+            <a:avLst/>
+          </a:prstGeom>
+          <a:noFill/>
+        </p:spPr>
+        <p:txBody>
+          <a:bodyPr wrap="square" rtlCol="0">
+            <a:spAutoFit/>
+          </a:bodyPr>
+          <a:lstStyle/>
+          <a:p>
+            <a:pPr algn="l"/>
+            <a:r>
+              <a:rPr lang="en-US" sz="1000" b="0" dirty="0"/>
+              <a:t>Ref: Learning Spark, </a:t>
+            </a:r>
+            <a:r>
+              <a:rPr lang="en-US" sz="1000" b="0" dirty="0" err="1"/>
+              <a:t>Damji</a:t>
+            </a:r>
+            <a:r>
+              <a:rPr lang="en-US" sz="1000" b="0" dirty="0"/>
+              <a:t> et al</a:t>
+            </a:r>
+          </a:p>
+        </p:txBody>
+      </p:sp>
+    </p:spTree>
+    <p:extLst>
+      <p:ext uri="{BB962C8B-B14F-4D97-AF65-F5344CB8AC3E}">
+        <p14:creationId xmlns:p14="http://schemas.microsoft.com/office/powerpoint/2010/main" val="573699630"/>
+      </p:ext>
+    </p:extLst>
+  </p:cSld>
+  <p:clrMapOvr>
+    <a:masterClrMapping/>
+  </p:clrMapOvr>
+</p:sld>
+</file>
+
+<file path=ppt/slides/slide11.xml><?xml version="1.0" encoding="utf-8"?>
+<p:sld xmlns:a="http://schemas.openxmlformats.org/drawingml/2006/main" xmlns:r="http://schemas.openxmlformats.org/officeDocument/2006/relationships" xmlns:p="http://schemas.openxmlformats.org/presentationml/2006/main">
+  <p:cSld>
+    <p:spTree>
+      <p:nvGrpSpPr>
+        <p:cNvPr id="1" name=""/>
+        <p:cNvGrpSpPr/>
+        <p:nvPr/>
+      </p:nvGrpSpPr>
+      <p:grpSpPr>
+        <a:xfrm>
+          <a:off x="0" y="0"/>
+          <a:ext cx="0" cy="0"/>
+          <a:chOff x="0" y="0"/>
+          <a:chExt cx="0" cy="0"/>
+        </a:xfrm>
+      </p:grpSpPr>
+      <p:sp>
+        <p:nvSpPr>
+          <p:cNvPr id="2" name="Text Placeholder 1">
+            <a:extLst>
+              <a:ext uri="{FF2B5EF4-FFF2-40B4-BE49-F238E27FC236}">
+                <a16:creationId xmlns:a16="http://schemas.microsoft.com/office/drawing/2014/main" id="{8062580D-A863-E125-1190-2579A6D22DCE}"/>
+              </a:ext>
+            </a:extLst>
+          </p:cNvPr>
+          <p:cNvSpPr>
+            <a:spLocks noGrp="1"/>
+          </p:cNvSpPr>
+          <p:nvPr>
+            <p:ph type="body" sz="quarter" idx="15"/>
+          </p:nvPr>
+        </p:nvSpPr>
+        <p:spPr/>
+        <p:txBody>
+          <a:bodyPr/>
+          <a:lstStyle/>
+          <a:p>
+            <a:endParaRPr lang="en-US"/>
+          </a:p>
+        </p:txBody>
+      </p:sp>
+      <p:sp>
+        <p:nvSpPr>
+          <p:cNvPr id="3" name="Text Placeholder 2">
+            <a:extLst>
+              <a:ext uri="{FF2B5EF4-FFF2-40B4-BE49-F238E27FC236}">
+                <a16:creationId xmlns:a16="http://schemas.microsoft.com/office/drawing/2014/main" id="{89A9328A-F638-E2AA-83FE-D421DDB79A6F}"/>
+              </a:ext>
+            </a:extLst>
+          </p:cNvPr>
+          <p:cNvSpPr>
+            <a:spLocks noGrp="1"/>
+          </p:cNvSpPr>
+          <p:nvPr>
+            <p:ph type="body" sz="quarter" idx="17"/>
+          </p:nvPr>
+        </p:nvSpPr>
+        <p:spPr/>
+        <p:txBody>
+          <a:bodyPr/>
+          <a:lstStyle/>
+          <a:p>
+            <a:endParaRPr lang="en-US"/>
+          </a:p>
+        </p:txBody>
+      </p:sp>
+      <p:sp>
+        <p:nvSpPr>
+          <p:cNvPr id="4" name="Text Placeholder 3">
+            <a:extLst>
+              <a:ext uri="{FF2B5EF4-FFF2-40B4-BE49-F238E27FC236}">
+                <a16:creationId xmlns:a16="http://schemas.microsoft.com/office/drawing/2014/main" id="{6059488A-60A6-9C97-AD81-929BEC06B2E5}"/>
+              </a:ext>
+            </a:extLst>
+          </p:cNvPr>
+          <p:cNvSpPr>
+            <a:spLocks noGrp="1"/>
+          </p:cNvSpPr>
+          <p:nvPr>
+            <p:ph type="body" sz="quarter" idx="16"/>
+          </p:nvPr>
+        </p:nvSpPr>
+        <p:spPr/>
+        <p:txBody>
+          <a:bodyPr/>
+          <a:lstStyle/>
+          <a:p>
+            <a:endParaRPr lang="en-US"/>
+          </a:p>
+        </p:txBody>
+      </p:sp>
+      <p:sp>
+        <p:nvSpPr>
+          <p:cNvPr id="5" name="Title 4">
+            <a:extLst>
+              <a:ext uri="{FF2B5EF4-FFF2-40B4-BE49-F238E27FC236}">
+                <a16:creationId xmlns:a16="http://schemas.microsoft.com/office/drawing/2014/main" id="{B9900C7E-85E2-A13C-CE0C-68D1670164C2}"/>
+              </a:ext>
+            </a:extLst>
+          </p:cNvPr>
+          <p:cNvSpPr>
+            <a:spLocks noGrp="1"/>
+          </p:cNvSpPr>
+          <p:nvPr>
+            <p:ph type="title"/>
+          </p:nvPr>
+        </p:nvSpPr>
+        <p:spPr/>
+        <p:txBody>
+          <a:bodyPr/>
+          <a:lstStyle/>
+          <a:p>
+            <a:r>
+              <a:rPr lang="en-US" dirty="0"/>
+              <a:t>Looking at the Stages</a:t>
+            </a:r>
+          </a:p>
+        </p:txBody>
+      </p:sp>
+      <p:sp>
+        <p:nvSpPr>
+          <p:cNvPr id="6" name="Content Placeholder 5">
+            <a:extLst>
+              <a:ext uri="{FF2B5EF4-FFF2-40B4-BE49-F238E27FC236}">
+                <a16:creationId xmlns:a16="http://schemas.microsoft.com/office/drawing/2014/main" id="{82CE2ACA-F471-1A6B-EEB5-05DE0EC00C01}"/>
+              </a:ext>
+            </a:extLst>
+          </p:cNvPr>
+          <p:cNvSpPr>
+            <a:spLocks noGrp="1"/>
+          </p:cNvSpPr>
+          <p:nvPr>
+            <p:ph idx="1"/>
+          </p:nvPr>
+        </p:nvSpPr>
+        <p:spPr/>
+        <p:txBody>
+          <a:bodyPr/>
+          <a:lstStyle/>
+          <a:p>
+            <a:r>
+              <a:rPr lang="en-US" dirty="0">
+                <a:highlight>
+                  <a:srgbClr val="FFFF00"/>
+                </a:highlight>
+                <a:hlinkClick r:id="rId2"/>
+              </a:rPr>
+              <a:t>https://www.protechtraining.com/blog/post/tuning-apache-spark-jobs-the-easy-way-web-ui-stage-detail-view-911</a:t>
+            </a:r>
+            <a:endParaRPr lang="en-US" dirty="0">
+              <a:highlight>
+                <a:srgbClr val="FFFF00"/>
+              </a:highlight>
+            </a:endParaRPr>
+          </a:p>
+          <a:p>
+            <a:r>
+              <a:rPr lang="en-US" dirty="0">
+                <a:highlight>
+                  <a:srgbClr val="FFFF00"/>
+                </a:highlight>
+              </a:rPr>
+              <a:t>????</a:t>
+            </a:r>
+          </a:p>
+        </p:txBody>
+      </p:sp>
+    </p:spTree>
+    <p:extLst>
+      <p:ext uri="{BB962C8B-B14F-4D97-AF65-F5344CB8AC3E}">
+        <p14:creationId xmlns:p14="http://schemas.microsoft.com/office/powerpoint/2010/main" val="2611348108"/>
+      </p:ext>
+    </p:extLst>
+  </p:cSld>
+  <p:clrMapOvr>
+    <a:masterClrMapping/>
+  </p:clrMapOvr>
+</p:sld>
+</file>
+
+<file path=ppt/slides/slide12.xml><?xml version="1.0" encoding="utf-8"?>
+<p:sld xmlns:a="http://schemas.openxmlformats.org/drawingml/2006/main" xmlns:r="http://schemas.openxmlformats.org/officeDocument/2006/relationships" xmlns:p="http://schemas.openxmlformats.org/presentationml/2006/main">
+  <p:cSld>
+    <p:spTree>
+      <p:nvGrpSpPr>
+        <p:cNvPr id="1" name=""/>
+        <p:cNvGrpSpPr/>
+        <p:nvPr/>
+      </p:nvGrpSpPr>
+      <p:grpSpPr>
+        <a:xfrm>
+          <a:off x="0" y="0"/>
+          <a:ext cx="0" cy="0"/>
+          <a:chOff x="0" y="0"/>
+          <a:chExt cx="0" cy="0"/>
+        </a:xfrm>
+      </p:grpSpPr>
+      <p:sp>
+        <p:nvSpPr>
+          <p:cNvPr id="2" name="Text Placeholder 1">
+            <a:extLst>
+              <a:ext uri="{FF2B5EF4-FFF2-40B4-BE49-F238E27FC236}">
+                <a16:creationId xmlns:a16="http://schemas.microsoft.com/office/drawing/2014/main" id="{77BE6730-C453-78AF-BFFC-C4CBF002870B}"/>
+              </a:ext>
+            </a:extLst>
+          </p:cNvPr>
+          <p:cNvSpPr>
+            <a:spLocks noGrp="1"/>
+          </p:cNvSpPr>
+          <p:nvPr>
+            <p:ph type="body" sz="quarter" idx="15"/>
+          </p:nvPr>
+        </p:nvSpPr>
+        <p:spPr/>
+        <p:txBody>
+          <a:bodyPr/>
+          <a:lstStyle/>
+          <a:p>
+            <a:endParaRPr lang="en-US"/>
+          </a:p>
+        </p:txBody>
+      </p:sp>
+      <p:sp>
+        <p:nvSpPr>
+          <p:cNvPr id="3" name="Text Placeholder 2">
+            <a:extLst>
+              <a:ext uri="{FF2B5EF4-FFF2-40B4-BE49-F238E27FC236}">
+                <a16:creationId xmlns:a16="http://schemas.microsoft.com/office/drawing/2014/main" id="{C20E2107-1A40-1234-2620-0414A75DC1D0}"/>
+              </a:ext>
+            </a:extLst>
+          </p:cNvPr>
+          <p:cNvSpPr>
+            <a:spLocks noGrp="1"/>
+          </p:cNvSpPr>
+          <p:nvPr>
+            <p:ph type="body" sz="quarter" idx="17"/>
+          </p:nvPr>
+        </p:nvSpPr>
+        <p:spPr/>
+        <p:txBody>
+          <a:bodyPr/>
+          <a:lstStyle/>
+          <a:p>
+            <a:endParaRPr lang="en-US"/>
+          </a:p>
+        </p:txBody>
+      </p:sp>
+      <p:sp>
+        <p:nvSpPr>
+          <p:cNvPr id="4" name="Text Placeholder 3">
+            <a:extLst>
+              <a:ext uri="{FF2B5EF4-FFF2-40B4-BE49-F238E27FC236}">
+                <a16:creationId xmlns:a16="http://schemas.microsoft.com/office/drawing/2014/main" id="{9FE819F6-E0A6-7C58-BE90-059D26D52AB8}"/>
+              </a:ext>
+            </a:extLst>
+          </p:cNvPr>
+          <p:cNvSpPr>
+            <a:spLocks noGrp="1"/>
+          </p:cNvSpPr>
+          <p:nvPr>
+            <p:ph type="body" sz="quarter" idx="16"/>
+          </p:nvPr>
+        </p:nvSpPr>
+        <p:spPr/>
+        <p:txBody>
+          <a:bodyPr/>
+          <a:lstStyle/>
+          <a:p>
+            <a:endParaRPr lang="en-US"/>
+          </a:p>
+        </p:txBody>
+      </p:sp>
+      <p:sp>
+        <p:nvSpPr>
+          <p:cNvPr id="5" name="Title 4">
+            <a:extLst>
+              <a:ext uri="{FF2B5EF4-FFF2-40B4-BE49-F238E27FC236}">
+                <a16:creationId xmlns:a16="http://schemas.microsoft.com/office/drawing/2014/main" id="{920350B5-D9C9-CB49-D452-CA19A07B0B22}"/>
+              </a:ext>
+            </a:extLst>
+          </p:cNvPr>
+          <p:cNvSpPr>
+            <a:spLocks noGrp="1"/>
+          </p:cNvSpPr>
+          <p:nvPr>
+            <p:ph type="title"/>
+          </p:nvPr>
+        </p:nvSpPr>
+        <p:spPr/>
+        <p:txBody>
+          <a:bodyPr/>
+          <a:lstStyle/>
+          <a:p>
+            <a:r>
+              <a:rPr lang="en-US" dirty="0" err="1"/>
+              <a:t>Dataframes</a:t>
+            </a:r>
+            <a:r>
+              <a:rPr lang="en-US" dirty="0"/>
+              <a:t> behind the scene</a:t>
+            </a:r>
+          </a:p>
+        </p:txBody>
+      </p:sp>
+      <p:sp>
+        <p:nvSpPr>
+          <p:cNvPr id="6" name="Content Placeholder 5">
+            <a:extLst>
+              <a:ext uri="{FF2B5EF4-FFF2-40B4-BE49-F238E27FC236}">
+                <a16:creationId xmlns:a16="http://schemas.microsoft.com/office/drawing/2014/main" id="{02A47CE1-7014-8961-A712-C0F1A2B9FADD}"/>
+              </a:ext>
+            </a:extLst>
+          </p:cNvPr>
+          <p:cNvSpPr>
+            <a:spLocks noGrp="1"/>
+          </p:cNvSpPr>
+          <p:nvPr>
+            <p:ph idx="1"/>
+          </p:nvPr>
+        </p:nvSpPr>
+        <p:spPr>
+          <a:xfrm>
+            <a:off x="893763" y="8293666"/>
+            <a:ext cx="11217275" cy="491559"/>
+          </a:xfrm>
+        </p:spPr>
+        <p:txBody>
+          <a:bodyPr anchor="ctr">
+            <a:normAutofit/>
+          </a:bodyPr>
+          <a:lstStyle/>
+          <a:p>
+            <a:pPr marL="0" indent="0">
+              <a:buNone/>
+            </a:pPr>
+            <a:r>
+              <a:rPr lang="en-US" sz="1800" dirty="0"/>
+              <a:t>Ref: </a:t>
+            </a:r>
+            <a:r>
+              <a:rPr lang="en-US" sz="1800" dirty="0">
+                <a:hlinkClick r:id="rId2"/>
+              </a:rPr>
+              <a:t>Spark APIs</a:t>
+            </a:r>
+            <a:endParaRPr lang="en-US" sz="1800" dirty="0"/>
+          </a:p>
+        </p:txBody>
+      </p:sp>
+      <p:pic>
+        <p:nvPicPr>
+          <p:cNvPr id="8" name="Picture 7">
+            <a:extLst>
+              <a:ext uri="{FF2B5EF4-FFF2-40B4-BE49-F238E27FC236}">
+                <a16:creationId xmlns:a16="http://schemas.microsoft.com/office/drawing/2014/main" id="{E8BE5E09-535A-BBAC-0612-CCD098AD4560}"/>
+              </a:ext>
+            </a:extLst>
+          </p:cNvPr>
+          <p:cNvPicPr>
+            <a:picLocks noChangeAspect="1"/>
+          </p:cNvPicPr>
+          <p:nvPr/>
+        </p:nvPicPr>
+        <p:blipFill>
+          <a:blip r:embed="rId3"/>
+          <a:stretch>
+            <a:fillRect/>
+          </a:stretch>
+        </p:blipFill>
+        <p:spPr>
+          <a:xfrm>
+            <a:off x="0" y="3245973"/>
+            <a:ext cx="13004800" cy="3261654"/>
+          </a:xfrm>
+          <a:prstGeom prst="rect">
+            <a:avLst/>
+          </a:prstGeom>
+        </p:spPr>
+      </p:pic>
+      <p:sp>
+        <p:nvSpPr>
+          <p:cNvPr id="7" name="Speech Bubble: Rectangle 6">
+            <a:extLst>
+              <a:ext uri="{FF2B5EF4-FFF2-40B4-BE49-F238E27FC236}">
+                <a16:creationId xmlns:a16="http://schemas.microsoft.com/office/drawing/2014/main" id="{119FA4AA-68FD-4006-F1BD-E52E4FCF9925}"/>
+              </a:ext>
+            </a:extLst>
+          </p:cNvPr>
+          <p:cNvSpPr/>
+          <p:nvPr/>
+        </p:nvSpPr>
+        <p:spPr>
+          <a:xfrm>
+            <a:off x="6325744" y="5744001"/>
+            <a:ext cx="1453487" cy="570081"/>
+          </a:xfrm>
+          <a:prstGeom prst="wedgeRectCallout">
+            <a:avLst>
+              <a:gd name="adj1" fmla="val -45246"/>
+              <a:gd name="adj2" fmla="val -98310"/>
+            </a:avLst>
+          </a:prstGeom>
+          <a:solidFill>
+            <a:schemeClr val="bg1"/>
+          </a:solidFill>
+        </p:spPr>
+        <p:style>
+          <a:lnRef idx="2">
+            <a:schemeClr val="accent1">
+              <a:shade val="50000"/>
+            </a:schemeClr>
+          </a:lnRef>
+          <a:fillRef idx="1">
+            <a:schemeClr val="accent1"/>
+          </a:fillRef>
+          <a:effectRef idx="0">
+            <a:schemeClr val="accent1"/>
+          </a:effectRef>
+          <a:fontRef idx="minor">
+            <a:schemeClr val="lt1"/>
+          </a:fontRef>
+        </p:style>
+        <p:txBody>
+          <a:bodyPr rtlCol="0" anchor="ctr"/>
+          <a:lstStyle/>
+          <a:p>
+            <a:pPr algn="ctr"/>
+            <a:r>
+              <a:rPr lang="en-US" b="0" dirty="0" err="1">
+                <a:solidFill>
+                  <a:schemeClr val="tx1"/>
+                </a:solidFill>
+                <a:latin typeface="Avenir Black"/>
+              </a:rPr>
+              <a:t>Eg</a:t>
+            </a:r>
+            <a:r>
+              <a:rPr lang="en-US" b="0" dirty="0">
+                <a:solidFill>
+                  <a:schemeClr val="tx1"/>
+                </a:solidFill>
+                <a:latin typeface="Avenir Black"/>
+              </a:rPr>
+              <a:t> filters first</a:t>
+            </a:r>
+          </a:p>
+        </p:txBody>
+      </p:sp>
+      <p:sp>
+        <p:nvSpPr>
+          <p:cNvPr id="9" name="Speech Bubble: Rectangle 8">
+            <a:extLst>
+              <a:ext uri="{FF2B5EF4-FFF2-40B4-BE49-F238E27FC236}">
+                <a16:creationId xmlns:a16="http://schemas.microsoft.com/office/drawing/2014/main" id="{5C01638E-4767-D9FB-D25C-2D59BA4BA3CE}"/>
+              </a:ext>
+            </a:extLst>
+          </p:cNvPr>
+          <p:cNvSpPr/>
+          <p:nvPr/>
+        </p:nvSpPr>
+        <p:spPr>
+          <a:xfrm>
+            <a:off x="9059630" y="3013042"/>
+            <a:ext cx="1758720" cy="570081"/>
+          </a:xfrm>
+          <a:prstGeom prst="wedgeRectCallout">
+            <a:avLst>
+              <a:gd name="adj1" fmla="val -37265"/>
+              <a:gd name="adj2" fmla="val 93210"/>
+            </a:avLst>
+          </a:prstGeom>
+          <a:solidFill>
+            <a:schemeClr val="bg1"/>
+          </a:solidFill>
+        </p:spPr>
+        <p:style>
+          <a:lnRef idx="2">
+            <a:schemeClr val="accent1">
+              <a:shade val="50000"/>
+            </a:schemeClr>
+          </a:lnRef>
+          <a:fillRef idx="1">
+            <a:schemeClr val="accent1"/>
+          </a:fillRef>
+          <a:effectRef idx="0">
+            <a:schemeClr val="accent1"/>
+          </a:effectRef>
+          <a:fontRef idx="minor">
+            <a:schemeClr val="lt1"/>
+          </a:fontRef>
+        </p:style>
+        <p:txBody>
+          <a:bodyPr rtlCol="0" anchor="ctr"/>
+          <a:lstStyle/>
+          <a:p>
+            <a:pPr algn="ctr"/>
+            <a:r>
+              <a:rPr lang="en-US" b="0" dirty="0">
+                <a:solidFill>
+                  <a:schemeClr val="tx1"/>
+                </a:solidFill>
+                <a:latin typeface="Avenir Black"/>
+              </a:rPr>
+              <a:t>Most efficient?</a:t>
+            </a:r>
+          </a:p>
+        </p:txBody>
+      </p:sp>
+      <p:sp>
+        <p:nvSpPr>
+          <p:cNvPr id="10" name="TextBox 9">
+            <a:extLst>
+              <a:ext uri="{FF2B5EF4-FFF2-40B4-BE49-F238E27FC236}">
+                <a16:creationId xmlns:a16="http://schemas.microsoft.com/office/drawing/2014/main" id="{C0ABBF26-9148-3B52-24A5-690DC5776026}"/>
+              </a:ext>
+            </a:extLst>
+          </p:cNvPr>
+          <p:cNvSpPr txBox="1"/>
+          <p:nvPr/>
+        </p:nvSpPr>
+        <p:spPr>
+          <a:xfrm flipH="1">
+            <a:off x="2925397" y="2306472"/>
+            <a:ext cx="4533104" cy="369332"/>
+          </a:xfrm>
+          <a:prstGeom prst="rect">
+            <a:avLst/>
+          </a:prstGeom>
+          <a:noFill/>
+        </p:spPr>
+        <p:txBody>
+          <a:bodyPr wrap="square" rtlCol="0">
+            <a:spAutoFit/>
+          </a:bodyPr>
+          <a:lstStyle/>
+          <a:p>
+            <a:r>
+              <a:rPr lang="en-US" dirty="0" err="1">
+                <a:highlight>
+                  <a:srgbClr val="FFFF00"/>
+                </a:highlight>
+              </a:rPr>
+              <a:t>Spostare</a:t>
+            </a:r>
+            <a:r>
+              <a:rPr lang="en-US" dirty="0">
+                <a:highlight>
+                  <a:srgbClr val="FFFF00"/>
+                </a:highlight>
+              </a:rPr>
+              <a:t> in </a:t>
+            </a:r>
+            <a:r>
+              <a:rPr lang="en-US" dirty="0" err="1">
+                <a:highlight>
+                  <a:srgbClr val="FFFF00"/>
+                </a:highlight>
+              </a:rPr>
+              <a:t>altro</a:t>
+            </a:r>
+            <a:r>
+              <a:rPr lang="en-US" dirty="0">
+                <a:highlight>
+                  <a:srgbClr val="FFFF00"/>
+                </a:highlight>
+              </a:rPr>
+              <a:t> set di slide?</a:t>
+            </a:r>
+          </a:p>
+        </p:txBody>
+      </p:sp>
+    </p:spTree>
+    <p:extLst>
+      <p:ext uri="{BB962C8B-B14F-4D97-AF65-F5344CB8AC3E}">
+        <p14:creationId xmlns:p14="http://schemas.microsoft.com/office/powerpoint/2010/main" val="2596552061"/>
+      </p:ext>
+    </p:extLst>
+  </p:cSld>
+  <p:clrMapOvr>
+    <a:masterClrMapping/>
+  </p:clrMapOvr>
+</p:sld>
+</file>
+
 <file path=ppt/slides/slide2.xml><?xml version="1.0" encoding="utf-8"?>
 <p:sld xmlns:a="http://schemas.openxmlformats.org/drawingml/2006/main" xmlns:r="http://schemas.openxmlformats.org/officeDocument/2006/relationships" xmlns:p="http://schemas.openxmlformats.org/presentationml/2006/main">
   <p:cSld>
@@ -2961,32 +3888,21 @@
           <a:p>
             <a:r>
               <a:rPr lang="en-US" dirty="0"/>
-              <a:t>Application</a:t>
-            </a:r>
-          </a:p>
-          <a:p>
+              <a:t>Clusters, nodes, executors</a:t>
+            </a:r>
+          </a:p>
+          <a:p>
+            <a:r>
+              <a:rPr lang="en-US" dirty="0"/>
+              <a:t>Application, Driver, </a:t>
+            </a:r>
             <a:r>
               <a:rPr lang="en-US" dirty="0" err="1"/>
               <a:t>SparkSession</a:t>
             </a:r>
-            <a:endParaRPr lang="en-US" dirty="0"/>
-          </a:p>
-          <a:p>
             <a:r>
               <a:rPr lang="en-US" dirty="0"/>
-              <a:t>Job</a:t>
-            </a:r>
-          </a:p>
-          <a:p>
-            <a:r>
-              <a:rPr lang="en-US" dirty="0"/>
-              <a:t>Stage</a:t>
-            </a:r>
-          </a:p>
-          <a:p>
-            <a:r>
-              <a:rPr lang="en-US" dirty="0"/>
-              <a:t>Task</a:t>
+              <a:t>, Job, Stage, Task</a:t>
             </a:r>
           </a:p>
         </p:txBody>
@@ -3662,7 +4578,7 @@
         </p:blipFill>
         <p:spPr>
           <a:xfrm>
-            <a:off x="4145667" y="330521"/>
+            <a:off x="4145667" y="255458"/>
             <a:ext cx="7589297" cy="4456632"/>
           </a:xfrm>
           <a:prstGeom prst="rect">
@@ -4050,7 +4966,7 @@
           <p:cNvPr id="2" name="Text Placeholder 1">
             <a:extLst>
               <a:ext uri="{FF2B5EF4-FFF2-40B4-BE49-F238E27FC236}">
-                <a16:creationId xmlns:a16="http://schemas.microsoft.com/office/drawing/2014/main" id="{DF23A3A6-27E3-D481-AFE5-545F9D45C5F8}"/>
+                <a16:creationId xmlns:a16="http://schemas.microsoft.com/office/drawing/2014/main" id="{96F76C5C-28AA-F534-024E-14A4214D08FB}"/>
               </a:ext>
             </a:extLst>
           </p:cNvPr>
@@ -4075,7 +4991,7 @@
           <p:cNvPr id="3" name="Text Placeholder 2">
             <a:extLst>
               <a:ext uri="{FF2B5EF4-FFF2-40B4-BE49-F238E27FC236}">
-                <a16:creationId xmlns:a16="http://schemas.microsoft.com/office/drawing/2014/main" id="{CF6AED50-69CF-1654-42B4-A67A9602D1A6}"/>
+                <a16:creationId xmlns:a16="http://schemas.microsoft.com/office/drawing/2014/main" id="{7AFA8F68-2E5D-DB5B-9F57-84AAAE8DEEFF}"/>
               </a:ext>
             </a:extLst>
           </p:cNvPr>
@@ -4100,7 +5016,7 @@
           <p:cNvPr id="4" name="Text Placeholder 3">
             <a:extLst>
               <a:ext uri="{FF2B5EF4-FFF2-40B4-BE49-F238E27FC236}">
-                <a16:creationId xmlns:a16="http://schemas.microsoft.com/office/drawing/2014/main" id="{B10C2239-60BE-DB50-BFAA-EF17B16CDB89}"/>
+                <a16:creationId xmlns:a16="http://schemas.microsoft.com/office/drawing/2014/main" id="{B63FAB5B-C5FF-D564-5B61-8C829B813320}"/>
               </a:ext>
             </a:extLst>
           </p:cNvPr>
@@ -4125,7 +5041,7 @@
           <p:cNvPr id="5" name="Title 4">
             <a:extLst>
               <a:ext uri="{FF2B5EF4-FFF2-40B4-BE49-F238E27FC236}">
-                <a16:creationId xmlns:a16="http://schemas.microsoft.com/office/drawing/2014/main" id="{100C9747-D1DC-DA24-55E0-FDC36BD446AA}"/>
+                <a16:creationId xmlns:a16="http://schemas.microsoft.com/office/drawing/2014/main" id="{D465338D-E88D-C0ED-8C60-015D63F1A727}"/>
               </a:ext>
             </a:extLst>
           </p:cNvPr>
@@ -4143,108 +5059,309 @@
           <a:p>
             <a:r>
               <a:rPr lang="en-US" dirty="0"/>
-              <a:t>Spark Driver</a:t>
-            </a:r>
-          </a:p>
-        </p:txBody>
-      </p:sp>
-      <p:sp>
-        <p:nvSpPr>
-          <p:cNvPr id="6" name="Content Placeholder 5">
-            <a:extLst>
-              <a:ext uri="{FF2B5EF4-FFF2-40B4-BE49-F238E27FC236}">
-                <a16:creationId xmlns:a16="http://schemas.microsoft.com/office/drawing/2014/main" id="{9701087B-8123-26B0-C6E1-6B8E1B6A7E8C}"/>
-              </a:ext>
-            </a:extLst>
-          </p:cNvPr>
-          <p:cNvSpPr>
-            <a:spLocks noGrp="1"/>
-          </p:cNvSpPr>
-          <p:nvPr>
-            <p:ph idx="1"/>
-          </p:nvPr>
-        </p:nvSpPr>
-        <p:spPr/>
-        <p:txBody>
-          <a:bodyPr/>
-          <a:lstStyle/>
-          <a:p>
-            <a:r>
-              <a:rPr lang="en-US" dirty="0">
-                <a:hlinkClick r:id="rId2"/>
-              </a:rPr>
-              <a:t>https://blog.knoldus.com/understanding-the-working-of-spark-driver-and-executor/</a:t>
-            </a:r>
-            <a:r>
-              <a:rPr lang="en-US" dirty="0"/>
-              <a:t> </a:t>
-            </a:r>
-          </a:p>
-          <a:p>
-            <a:r>
-              <a:rPr lang="en-US" dirty="0">
-                <a:hlinkClick r:id="rId3"/>
-              </a:rPr>
-              <a:t>https://spark.apache.org/docs/latest/cluster-overview.html</a:t>
-            </a:r>
-            <a:r>
-              <a:rPr lang="en-US" dirty="0"/>
-              <a:t> </a:t>
-            </a:r>
-          </a:p>
-        </p:txBody>
-      </p:sp>
-      <p:pic>
-        <p:nvPicPr>
-          <p:cNvPr id="1026" name="Picture 2">
-            <a:extLst>
-              <a:ext uri="{FF2B5EF4-FFF2-40B4-BE49-F238E27FC236}">
-                <a16:creationId xmlns:a16="http://schemas.microsoft.com/office/drawing/2014/main" id="{06BD8CD8-B173-F227-63CE-D19A97846868}"/>
-              </a:ext>
-            </a:extLst>
-          </p:cNvPr>
-          <p:cNvPicPr>
-            <a:picLocks noChangeAspect="1" noChangeArrowheads="1"/>
-          </p:cNvPicPr>
+              <a:t>Applications and Processes</a:t>
+            </a:r>
+          </a:p>
+        </p:txBody>
+      </p:sp>
+      <p:sp>
+        <p:nvSpPr>
+          <p:cNvPr id="8" name="TextBox 7">
+            <a:extLst>
+              <a:ext uri="{FF2B5EF4-FFF2-40B4-BE49-F238E27FC236}">
+                <a16:creationId xmlns:a16="http://schemas.microsoft.com/office/drawing/2014/main" id="{4014B9F8-1748-F97F-23EB-A297DFC21389}"/>
+              </a:ext>
+            </a:extLst>
+          </p:cNvPr>
+          <p:cNvSpPr txBox="1"/>
           <p:nvPr/>
-        </p:nvPicPr>
-        <p:blipFill>
-          <a:blip r:embed="rId4">
-            <a:extLst>
-              <a:ext uri="{28A0092B-C50C-407E-A947-70E740481C1C}">
-                <a14:useLocalDpi xmlns:a14="http://schemas.microsoft.com/office/drawing/2010/main" val="0"/>
-              </a:ext>
-            </a:extLst>
-          </a:blip>
-          <a:srcRect/>
-          <a:stretch>
-            <a:fillRect/>
-          </a:stretch>
-        </p:blipFill>
-        <p:spPr bwMode="auto">
+        </p:nvSpPr>
+        <p:spPr>
           <a:xfrm>
-            <a:off x="3663950" y="4572560"/>
-            <a:ext cx="5676900" cy="2724150"/>
+            <a:off x="419662" y="8455765"/>
+            <a:ext cx="6503158" cy="276999"/>
           </a:xfrm>
           <a:prstGeom prst="rect">
             <a:avLst/>
           </a:prstGeom>
           <a:noFill/>
-          <a:extLst>
-            <a:ext uri="{909E8E84-426E-40DD-AFC4-6F175D3DCCD1}">
-              <a14:hiddenFill xmlns:a14="http://schemas.microsoft.com/office/drawing/2010/main">
-                <a:solidFill>
-                  <a:srgbClr val="FFFFFF"/>
-                </a:solidFill>
-              </a14:hiddenFill>
-            </a:ext>
-          </a:extLst>
         </p:spPr>
-      </p:pic>
+        <p:txBody>
+          <a:bodyPr wrap="square">
+            <a:spAutoFit/>
+          </a:bodyPr>
+          <a:lstStyle/>
+          <a:p>
+            <a:pPr algn="l"/>
+            <a:r>
+              <a:rPr lang="en-US" sz="1200" b="0" dirty="0">
+                <a:latin typeface="Avenir Black"/>
+              </a:rPr>
+              <a:t>Ref: </a:t>
+            </a:r>
+            <a:r>
+              <a:rPr lang="en-US" sz="1200" b="0" dirty="0">
+                <a:latin typeface="Avenir Black"/>
+                <a:hlinkClick r:id="rId3"/>
+              </a:rPr>
+              <a:t>Cluster Overview</a:t>
+            </a:r>
+            <a:endParaRPr lang="en-US" sz="1200" b="0" dirty="0">
+              <a:latin typeface="Avenir Black"/>
+            </a:endParaRPr>
+          </a:p>
+        </p:txBody>
+      </p:sp>
+      <p:grpSp>
+        <p:nvGrpSpPr>
+          <p:cNvPr id="13" name="Group 12">
+            <a:extLst>
+              <a:ext uri="{FF2B5EF4-FFF2-40B4-BE49-F238E27FC236}">
+                <a16:creationId xmlns:a16="http://schemas.microsoft.com/office/drawing/2014/main" id="{8214DA3D-4639-598B-3783-9C973681C870}"/>
+              </a:ext>
+            </a:extLst>
+          </p:cNvPr>
+          <p:cNvGrpSpPr/>
+          <p:nvPr/>
+        </p:nvGrpSpPr>
+        <p:grpSpPr>
+          <a:xfrm>
+            <a:off x="3210796" y="2405063"/>
+            <a:ext cx="4657139" cy="2873480"/>
+            <a:chOff x="2903721" y="1321471"/>
+            <a:chExt cx="7589297" cy="4682638"/>
+          </a:xfrm>
+        </p:grpSpPr>
+        <p:pic>
+          <p:nvPicPr>
+            <p:cNvPr id="9" name="Picture 8">
+              <a:extLst>
+                <a:ext uri="{FF2B5EF4-FFF2-40B4-BE49-F238E27FC236}">
+                  <a16:creationId xmlns:a16="http://schemas.microsoft.com/office/drawing/2014/main" id="{0371ABC0-174C-DC46-5EDB-5617C4F4FE83}"/>
+                </a:ext>
+              </a:extLst>
+            </p:cNvPr>
+            <p:cNvPicPr>
+              <a:picLocks noChangeAspect="1"/>
+            </p:cNvPicPr>
+            <p:nvPr/>
+          </p:nvPicPr>
+          <p:blipFill>
+            <a:blip r:embed="rId4"/>
+            <a:stretch>
+              <a:fillRect/>
+            </a:stretch>
+          </p:blipFill>
+          <p:spPr>
+            <a:xfrm>
+              <a:off x="2903721" y="1321471"/>
+              <a:ext cx="7589297" cy="4456632"/>
+            </a:xfrm>
+            <a:prstGeom prst="rect">
+              <a:avLst/>
+            </a:prstGeom>
+          </p:spPr>
+        </p:pic>
+        <p:sp>
+          <p:nvSpPr>
+            <p:cNvPr id="10" name="Rectangle 9">
+              <a:extLst>
+                <a:ext uri="{FF2B5EF4-FFF2-40B4-BE49-F238E27FC236}">
+                  <a16:creationId xmlns:a16="http://schemas.microsoft.com/office/drawing/2014/main" id="{8BC6A5A3-3A66-C6D4-4EED-56366A68FC04}"/>
+                </a:ext>
+              </a:extLst>
+            </p:cNvPr>
+            <p:cNvSpPr/>
+            <p:nvPr/>
+          </p:nvSpPr>
+          <p:spPr>
+            <a:xfrm>
+              <a:off x="3548418" y="4707572"/>
+              <a:ext cx="1549021" cy="1296537"/>
+            </a:xfrm>
+            <a:prstGeom prst="rect">
+              <a:avLst/>
+            </a:prstGeom>
+          </p:spPr>
+          <p:style>
+            <a:lnRef idx="2">
+              <a:schemeClr val="accent1">
+                <a:shade val="50000"/>
+              </a:schemeClr>
+            </a:lnRef>
+            <a:fillRef idx="1">
+              <a:schemeClr val="accent1"/>
+            </a:fillRef>
+            <a:effectRef idx="0">
+              <a:schemeClr val="accent1"/>
+            </a:effectRef>
+            <a:fontRef idx="minor">
+              <a:schemeClr val="lt1"/>
+            </a:fontRef>
+          </p:style>
+          <p:txBody>
+            <a:bodyPr rtlCol="0" anchor="ctr"/>
+            <a:lstStyle/>
+            <a:p>
+              <a:pPr algn="ctr"/>
+              <a:r>
+                <a:rPr lang="en-US" dirty="0"/>
+                <a:t>Application 2</a:t>
+              </a:r>
+            </a:p>
+          </p:txBody>
+        </p:sp>
+        <p:sp>
+          <p:nvSpPr>
+            <p:cNvPr id="11" name="Rectangle 10">
+              <a:extLst>
+                <a:ext uri="{FF2B5EF4-FFF2-40B4-BE49-F238E27FC236}">
+                  <a16:creationId xmlns:a16="http://schemas.microsoft.com/office/drawing/2014/main" id="{6F2A5EBE-63A9-DEF6-19EE-A772F181EF5C}"/>
+                </a:ext>
+              </a:extLst>
+            </p:cNvPr>
+            <p:cNvSpPr/>
+            <p:nvPr/>
+          </p:nvSpPr>
+          <p:spPr>
+            <a:xfrm>
+              <a:off x="7306317" y="3579527"/>
+              <a:ext cx="1280183" cy="604844"/>
+            </a:xfrm>
+            <a:prstGeom prst="rect">
+              <a:avLst/>
+            </a:prstGeom>
+          </p:spPr>
+          <p:style>
+            <a:lnRef idx="2">
+              <a:schemeClr val="accent1">
+                <a:shade val="50000"/>
+              </a:schemeClr>
+            </a:lnRef>
+            <a:fillRef idx="1">
+              <a:schemeClr val="accent1"/>
+            </a:fillRef>
+            <a:effectRef idx="0">
+              <a:schemeClr val="accent1"/>
+            </a:effectRef>
+            <a:fontRef idx="minor">
+              <a:schemeClr val="lt1"/>
+            </a:fontRef>
+          </p:style>
+          <p:txBody>
+            <a:bodyPr rtlCol="0" anchor="ctr"/>
+            <a:lstStyle/>
+            <a:p>
+              <a:pPr algn="ctr"/>
+              <a:r>
+                <a:rPr lang="en-US" dirty="0"/>
+                <a:t>Executor 2</a:t>
+              </a:r>
+            </a:p>
+          </p:txBody>
+        </p:sp>
+      </p:grpSp>
+      <p:sp>
+        <p:nvSpPr>
+          <p:cNvPr id="6" name="Content Placeholder 5">
+            <a:extLst>
+              <a:ext uri="{FF2B5EF4-FFF2-40B4-BE49-F238E27FC236}">
+                <a16:creationId xmlns:a16="http://schemas.microsoft.com/office/drawing/2014/main" id="{48A40678-4E05-767E-BE52-874A840467BF}"/>
+              </a:ext>
+            </a:extLst>
+          </p:cNvPr>
+          <p:cNvSpPr>
+            <a:spLocks noGrp="1"/>
+          </p:cNvSpPr>
+          <p:nvPr>
+            <p:ph idx="1"/>
+          </p:nvPr>
+        </p:nvSpPr>
+        <p:spPr>
+          <a:xfrm>
+            <a:off x="893763" y="5717040"/>
+            <a:ext cx="11402869" cy="2718795"/>
+          </a:xfrm>
+        </p:spPr>
+        <p:txBody>
+          <a:bodyPr>
+            <a:normAutofit/>
+          </a:bodyPr>
+          <a:lstStyle/>
+          <a:p>
+            <a:pPr marL="0" indent="0">
+              <a:buNone/>
+            </a:pPr>
+            <a:r>
+              <a:rPr lang="en-US" dirty="0"/>
+              <a:t>Each application gets its own executor processes</a:t>
+            </a:r>
+          </a:p>
+          <a:p>
+            <a:pPr marL="0" indent="0">
+              <a:buNone/>
+            </a:pPr>
+            <a:endParaRPr lang="en-US" dirty="0"/>
+          </a:p>
+          <a:p>
+            <a:pPr marL="0" indent="0">
+              <a:buNone/>
+            </a:pPr>
+            <a:r>
+              <a:rPr lang="en-US" dirty="0"/>
+              <a:t>Why? Isolating applications from each other, on both the scheduling side (each driver schedules its own tasks) and executor side (tasks from different applications run in different JVMs)</a:t>
+            </a:r>
+          </a:p>
+        </p:txBody>
+      </p:sp>
+      <p:sp>
+        <p:nvSpPr>
+          <p:cNvPr id="14" name="TextBox 13">
+            <a:extLst>
+              <a:ext uri="{FF2B5EF4-FFF2-40B4-BE49-F238E27FC236}">
+                <a16:creationId xmlns:a16="http://schemas.microsoft.com/office/drawing/2014/main" id="{1255DCEA-D707-4527-40B0-4EDBD5355DE2}"/>
+              </a:ext>
+            </a:extLst>
+          </p:cNvPr>
+          <p:cNvSpPr txBox="1"/>
+          <p:nvPr/>
+        </p:nvSpPr>
+        <p:spPr>
+          <a:xfrm>
+            <a:off x="6516806" y="3262860"/>
+            <a:ext cx="1351129" cy="369332"/>
+          </a:xfrm>
+          <a:prstGeom prst="rect">
+            <a:avLst/>
+          </a:prstGeom>
+          <a:noFill/>
+        </p:spPr>
+        <p:txBody>
+          <a:bodyPr wrap="square" rtlCol="0">
+            <a:spAutoFit/>
+          </a:bodyPr>
+          <a:lstStyle/>
+          <a:p>
+            <a:r>
+              <a:rPr lang="en-US" dirty="0" err="1">
+                <a:highlight>
+                  <a:srgbClr val="FFFF00"/>
+                </a:highlight>
+              </a:rPr>
+              <a:t>rifare</a:t>
+            </a:r>
+            <a:endParaRPr lang="en-US" dirty="0">
+              <a:highlight>
+                <a:srgbClr val="FFFF00"/>
+              </a:highlight>
+            </a:endParaRPr>
+          </a:p>
+        </p:txBody>
+      </p:sp>
     </p:spTree>
     <p:extLst>
       <p:ext uri="{BB962C8B-B14F-4D97-AF65-F5344CB8AC3E}">
-        <p14:creationId xmlns:p14="http://schemas.microsoft.com/office/powerpoint/2010/main" val="2063389975"/>
+        <p14:creationId xmlns:p14="http://schemas.microsoft.com/office/powerpoint/2010/main" val="1792458473"/>
       </p:ext>
     </p:extLst>
   </p:cSld>
@@ -4276,7 +5393,7 @@
           <p:cNvPr id="2" name="Text Placeholder 1">
             <a:extLst>
               <a:ext uri="{FF2B5EF4-FFF2-40B4-BE49-F238E27FC236}">
-                <a16:creationId xmlns:a16="http://schemas.microsoft.com/office/drawing/2014/main" id="{77BE6730-C453-78AF-BFFC-C4CBF002870B}"/>
+                <a16:creationId xmlns:a16="http://schemas.microsoft.com/office/drawing/2014/main" id="{F29E16DD-BF30-BD89-4FF6-8C9E304CAC9D}"/>
               </a:ext>
             </a:extLst>
           </p:cNvPr>
@@ -4301,7 +5418,7 @@
           <p:cNvPr id="3" name="Text Placeholder 2">
             <a:extLst>
               <a:ext uri="{FF2B5EF4-FFF2-40B4-BE49-F238E27FC236}">
-                <a16:creationId xmlns:a16="http://schemas.microsoft.com/office/drawing/2014/main" id="{C20E2107-1A40-1234-2620-0414A75DC1D0}"/>
+                <a16:creationId xmlns:a16="http://schemas.microsoft.com/office/drawing/2014/main" id="{53247260-3BCF-E841-5693-E916D73ABED2}"/>
               </a:ext>
             </a:extLst>
           </p:cNvPr>
@@ -4326,7 +5443,7 @@
           <p:cNvPr id="4" name="Text Placeholder 3">
             <a:extLst>
               <a:ext uri="{FF2B5EF4-FFF2-40B4-BE49-F238E27FC236}">
-                <a16:creationId xmlns:a16="http://schemas.microsoft.com/office/drawing/2014/main" id="{9FE819F6-E0A6-7C58-BE90-059D26D52AB8}"/>
+                <a16:creationId xmlns:a16="http://schemas.microsoft.com/office/drawing/2014/main" id="{CA2A1045-817D-A69B-05F7-94943C8EAF8A}"/>
               </a:ext>
             </a:extLst>
           </p:cNvPr>
@@ -4351,7 +5468,7 @@
           <p:cNvPr id="5" name="Title 4">
             <a:extLst>
               <a:ext uri="{FF2B5EF4-FFF2-40B4-BE49-F238E27FC236}">
-                <a16:creationId xmlns:a16="http://schemas.microsoft.com/office/drawing/2014/main" id="{920350B5-D9C9-CB49-D452-CA19A07B0B22}"/>
+                <a16:creationId xmlns:a16="http://schemas.microsoft.com/office/drawing/2014/main" id="{99EB84DA-AEAD-0BC4-7656-5D49752E6712}"/>
               </a:ext>
             </a:extLst>
           </p:cNvPr>
@@ -4368,12 +5485,8 @@
           <a:lstStyle/>
           <a:p>
             <a:r>
-              <a:rPr lang="en-US" dirty="0" err="1"/>
-              <a:t>Dataframes</a:t>
-            </a:r>
-            <a:r>
               <a:rPr lang="en-US" dirty="0"/>
-              <a:t> behind the scene</a:t>
+              <a:t>From Driver to Jobs</a:t>
             </a:r>
           </a:p>
         </p:txBody>
@@ -4383,7 +5496,7 @@
           <p:cNvPr id="6" name="Content Placeholder 5">
             <a:extLst>
               <a:ext uri="{FF2B5EF4-FFF2-40B4-BE49-F238E27FC236}">
-                <a16:creationId xmlns:a16="http://schemas.microsoft.com/office/drawing/2014/main" id="{02A47CE1-7014-8961-A712-C0F1A2B9FADD}"/>
+                <a16:creationId xmlns:a16="http://schemas.microsoft.com/office/drawing/2014/main" id="{0FE97F48-8517-4C80-D32A-D0AC264F2E09}"/>
               </a:ext>
             </a:extLst>
           </p:cNvPr>
@@ -4394,32 +5507,18 @@
             <p:ph idx="1"/>
           </p:nvPr>
         </p:nvSpPr>
-        <p:spPr>
-          <a:xfrm>
-            <a:off x="893763" y="8293666"/>
-            <a:ext cx="11217275" cy="491559"/>
-          </a:xfrm>
-        </p:spPr>
-        <p:txBody>
-          <a:bodyPr anchor="ctr">
-            <a:normAutofit/>
-          </a:bodyPr>
+        <p:spPr/>
+        <p:txBody>
+          <a:bodyPr/>
           <a:lstStyle/>
           <a:p>
             <a:pPr marL="0" indent="0">
               <a:buNone/>
             </a:pPr>
             <a:r>
-              <a:rPr lang="en-US" sz="1800" dirty="0"/>
-              <a:t>Ref: </a:t>
-            </a:r>
-            <a:r>
-              <a:rPr lang="en-US" sz="1800" dirty="0">
-                <a:hlinkClick r:id="rId2"/>
-              </a:rPr>
-              <a:t>Spark APIs</a:t>
-            </a:r>
-            <a:endParaRPr lang="en-US" sz="1800" dirty="0"/>
+              <a:rPr lang="en-US" dirty="0"/>
+              <a:t>Driver converts your Spark application into one or more Spark jobs</a:t>
+            </a:r>
           </a:p>
         </p:txBody>
       </p:sp>
@@ -4428,7 +5527,7 @@
           <p:cNvPr id="8" name="Picture 7">
             <a:extLst>
               <a:ext uri="{FF2B5EF4-FFF2-40B4-BE49-F238E27FC236}">
-                <a16:creationId xmlns:a16="http://schemas.microsoft.com/office/drawing/2014/main" id="{E8BE5E09-535A-BBAC-0612-CCD098AD4560}"/>
+                <a16:creationId xmlns:a16="http://schemas.microsoft.com/office/drawing/2014/main" id="{89C86868-A910-AF34-CDC4-DBC4CF34F24F}"/>
               </a:ext>
             </a:extLst>
           </p:cNvPr>
@@ -4437,16 +5536,117 @@
           </p:cNvPicPr>
           <p:nvPr/>
         </p:nvPicPr>
-        <p:blipFill>
-          <a:blip r:embed="rId3"/>
-          <a:stretch>
-            <a:fillRect/>
-          </a:stretch>
+        <p:blipFill rotWithShape="1">
+          <a:blip r:embed="rId2"/>
+          <a:srcRect r="57760"/>
+          <a:stretch/>
         </p:blipFill>
         <p:spPr>
           <a:xfrm>
-            <a:off x="0" y="3245973"/>
-            <a:ext cx="13004800" cy="3261654"/>
+            <a:off x="0" y="4082095"/>
+            <a:ext cx="5493224" cy="3718468"/>
+          </a:xfrm>
+          <a:prstGeom prst="rect">
+            <a:avLst/>
+          </a:prstGeom>
+        </p:spPr>
+      </p:pic>
+      <p:sp>
+        <p:nvSpPr>
+          <p:cNvPr id="9" name="TextBox 8">
+            <a:extLst>
+              <a:ext uri="{FF2B5EF4-FFF2-40B4-BE49-F238E27FC236}">
+                <a16:creationId xmlns:a16="http://schemas.microsoft.com/office/drawing/2014/main" id="{021B36D9-DEE9-5EDA-7CC5-AF4E84DD62D9}"/>
+              </a:ext>
+            </a:extLst>
+          </p:cNvPr>
+          <p:cNvSpPr txBox="1"/>
+          <p:nvPr/>
+        </p:nvSpPr>
+        <p:spPr>
+          <a:xfrm>
+            <a:off x="51961" y="9412245"/>
+            <a:ext cx="2673309" cy="246221"/>
+          </a:xfrm>
+          <a:prstGeom prst="rect">
+            <a:avLst/>
+          </a:prstGeom>
+          <a:noFill/>
+        </p:spPr>
+        <p:txBody>
+          <a:bodyPr wrap="square" rtlCol="0">
+            <a:spAutoFit/>
+          </a:bodyPr>
+          <a:lstStyle/>
+          <a:p>
+            <a:pPr algn="l"/>
+            <a:r>
+              <a:rPr lang="en-US" sz="1000" b="0" dirty="0"/>
+              <a:t>Ref: Learning Spark, </a:t>
+            </a:r>
+            <a:r>
+              <a:rPr lang="en-US" sz="1000" b="0" dirty="0" err="1"/>
+              <a:t>Damji</a:t>
+            </a:r>
+            <a:r>
+              <a:rPr lang="en-US" sz="1000" b="0" dirty="0"/>
+              <a:t> et al</a:t>
+            </a:r>
+          </a:p>
+        </p:txBody>
+      </p:sp>
+      <p:pic>
+        <p:nvPicPr>
+          <p:cNvPr id="12" name="Picture 11">
+            <a:extLst>
+              <a:ext uri="{FF2B5EF4-FFF2-40B4-BE49-F238E27FC236}">
+                <a16:creationId xmlns:a16="http://schemas.microsoft.com/office/drawing/2014/main" id="{7486C3E5-D1A8-AF91-9EB4-608928B92995}"/>
+              </a:ext>
+            </a:extLst>
+          </p:cNvPr>
+          <p:cNvPicPr>
+            <a:picLocks noChangeAspect="1"/>
+          </p:cNvPicPr>
+          <p:nvPr/>
+        </p:nvPicPr>
+        <p:blipFill rotWithShape="1">
+          <a:blip r:embed="rId3"/>
+          <a:srcRect b="42384"/>
+          <a:stretch/>
+        </p:blipFill>
+        <p:spPr>
+          <a:xfrm>
+            <a:off x="5835536" y="4599624"/>
+            <a:ext cx="4677428" cy="554351"/>
+          </a:xfrm>
+          <a:prstGeom prst="rect">
+            <a:avLst/>
+          </a:prstGeom>
+        </p:spPr>
+      </p:pic>
+      <p:pic>
+        <p:nvPicPr>
+          <p:cNvPr id="13" name="Picture 12">
+            <a:extLst>
+              <a:ext uri="{FF2B5EF4-FFF2-40B4-BE49-F238E27FC236}">
+                <a16:creationId xmlns:a16="http://schemas.microsoft.com/office/drawing/2014/main" id="{C80EF27E-1B3B-6220-71B5-A3947CA41DAB}"/>
+              </a:ext>
+            </a:extLst>
+          </p:cNvPr>
+          <p:cNvPicPr>
+            <a:picLocks noChangeAspect="1"/>
+          </p:cNvPicPr>
+          <p:nvPr/>
+        </p:nvPicPr>
+        <p:blipFill rotWithShape="1">
+          <a:blip r:embed="rId3"/>
+          <a:srcRect t="50288"/>
+          <a:stretch/>
+        </p:blipFill>
+        <p:spPr>
+          <a:xfrm>
+            <a:off x="5835536" y="5643342"/>
+            <a:ext cx="4677428" cy="478309"/>
           </a:xfrm>
           <a:prstGeom prst="rect">
             <a:avLst/>
@@ -4456,7 +5656,259 @@
     </p:spTree>
     <p:extLst>
       <p:ext uri="{BB962C8B-B14F-4D97-AF65-F5344CB8AC3E}">
-        <p14:creationId xmlns:p14="http://schemas.microsoft.com/office/powerpoint/2010/main" val="2596552061"/>
+        <p14:creationId xmlns:p14="http://schemas.microsoft.com/office/powerpoint/2010/main" val="379067628"/>
+      </p:ext>
+    </p:extLst>
+  </p:cSld>
+  <p:clrMapOvr>
+    <a:masterClrMapping/>
+  </p:clrMapOvr>
+</p:sld>
+</file>
+
+<file path=ppt/slides/slide9.xml><?xml version="1.0" encoding="utf-8"?>
+<p:sld xmlns:a="http://schemas.openxmlformats.org/drawingml/2006/main" xmlns:r="http://schemas.openxmlformats.org/officeDocument/2006/relationships" xmlns:p="http://schemas.openxmlformats.org/presentationml/2006/main">
+  <p:cSld>
+    <p:spTree>
+      <p:nvGrpSpPr>
+        <p:cNvPr id="1" name=""/>
+        <p:cNvGrpSpPr/>
+        <p:nvPr/>
+      </p:nvGrpSpPr>
+      <p:grpSpPr>
+        <a:xfrm>
+          <a:off x="0" y="0"/>
+          <a:ext cx="0" cy="0"/>
+          <a:chOff x="0" y="0"/>
+          <a:chExt cx="0" cy="0"/>
+        </a:xfrm>
+      </p:grpSpPr>
+      <p:sp>
+        <p:nvSpPr>
+          <p:cNvPr id="2" name="Text Placeholder 1">
+            <a:extLst>
+              <a:ext uri="{FF2B5EF4-FFF2-40B4-BE49-F238E27FC236}">
+                <a16:creationId xmlns:a16="http://schemas.microsoft.com/office/drawing/2014/main" id="{F29E16DD-BF30-BD89-4FF6-8C9E304CAC9D}"/>
+              </a:ext>
+            </a:extLst>
+          </p:cNvPr>
+          <p:cNvSpPr>
+            <a:spLocks noGrp="1"/>
+          </p:cNvSpPr>
+          <p:nvPr>
+            <p:ph type="body" sz="quarter" idx="15"/>
+          </p:nvPr>
+        </p:nvSpPr>
+        <p:spPr/>
+        <p:txBody>
+          <a:bodyPr/>
+          <a:lstStyle/>
+          <a:p>
+            <a:endParaRPr lang="en-US"/>
+          </a:p>
+        </p:txBody>
+      </p:sp>
+      <p:sp>
+        <p:nvSpPr>
+          <p:cNvPr id="3" name="Text Placeholder 2">
+            <a:extLst>
+              <a:ext uri="{FF2B5EF4-FFF2-40B4-BE49-F238E27FC236}">
+                <a16:creationId xmlns:a16="http://schemas.microsoft.com/office/drawing/2014/main" id="{53247260-3BCF-E841-5693-E916D73ABED2}"/>
+              </a:ext>
+            </a:extLst>
+          </p:cNvPr>
+          <p:cNvSpPr>
+            <a:spLocks noGrp="1"/>
+          </p:cNvSpPr>
+          <p:nvPr>
+            <p:ph type="body" sz="quarter" idx="17"/>
+          </p:nvPr>
+        </p:nvSpPr>
+        <p:spPr/>
+        <p:txBody>
+          <a:bodyPr/>
+          <a:lstStyle/>
+          <a:p>
+            <a:endParaRPr lang="en-US"/>
+          </a:p>
+        </p:txBody>
+      </p:sp>
+      <p:sp>
+        <p:nvSpPr>
+          <p:cNvPr id="4" name="Text Placeholder 3">
+            <a:extLst>
+              <a:ext uri="{FF2B5EF4-FFF2-40B4-BE49-F238E27FC236}">
+                <a16:creationId xmlns:a16="http://schemas.microsoft.com/office/drawing/2014/main" id="{CA2A1045-817D-A69B-05F7-94943C8EAF8A}"/>
+              </a:ext>
+            </a:extLst>
+          </p:cNvPr>
+          <p:cNvSpPr>
+            <a:spLocks noGrp="1"/>
+          </p:cNvSpPr>
+          <p:nvPr>
+            <p:ph type="body" sz="quarter" idx="16"/>
+          </p:nvPr>
+        </p:nvSpPr>
+        <p:spPr/>
+        <p:txBody>
+          <a:bodyPr/>
+          <a:lstStyle/>
+          <a:p>
+            <a:endParaRPr lang="en-US"/>
+          </a:p>
+        </p:txBody>
+      </p:sp>
+      <p:sp>
+        <p:nvSpPr>
+          <p:cNvPr id="5" name="Title 4">
+            <a:extLst>
+              <a:ext uri="{FF2B5EF4-FFF2-40B4-BE49-F238E27FC236}">
+                <a16:creationId xmlns:a16="http://schemas.microsoft.com/office/drawing/2014/main" id="{99EB84DA-AEAD-0BC4-7656-5D49752E6712}"/>
+              </a:ext>
+            </a:extLst>
+          </p:cNvPr>
+          <p:cNvSpPr>
+            <a:spLocks noGrp="1"/>
+          </p:cNvSpPr>
+          <p:nvPr>
+            <p:ph type="title"/>
+          </p:nvPr>
+        </p:nvSpPr>
+        <p:spPr/>
+        <p:txBody>
+          <a:bodyPr/>
+          <a:lstStyle/>
+          <a:p>
+            <a:r>
+              <a:rPr lang="en-US" dirty="0"/>
+              <a:t>Jobs and Stages</a:t>
+            </a:r>
+          </a:p>
+        </p:txBody>
+      </p:sp>
+      <p:sp>
+        <p:nvSpPr>
+          <p:cNvPr id="6" name="Content Placeholder 5">
+            <a:extLst>
+              <a:ext uri="{FF2B5EF4-FFF2-40B4-BE49-F238E27FC236}">
+                <a16:creationId xmlns:a16="http://schemas.microsoft.com/office/drawing/2014/main" id="{0FE97F48-8517-4C80-D32A-D0AC264F2E09}"/>
+              </a:ext>
+            </a:extLst>
+          </p:cNvPr>
+          <p:cNvSpPr>
+            <a:spLocks noGrp="1"/>
+          </p:cNvSpPr>
+          <p:nvPr>
+            <p:ph idx="1"/>
+          </p:nvPr>
+        </p:nvSpPr>
+        <p:spPr/>
+        <p:txBody>
+          <a:bodyPr/>
+          <a:lstStyle/>
+          <a:p>
+            <a:pPr marL="0" indent="0">
+              <a:buNone/>
+            </a:pPr>
+            <a:r>
+              <a:rPr lang="en-US" dirty="0"/>
+              <a:t>Stages are created based on what operations can be performed serially or in parallel. Not all Spark operations can happen in a single stage, so they may be divided into multiple stages.</a:t>
+            </a:r>
+          </a:p>
+          <a:p>
+            <a:pPr marL="0" indent="0">
+              <a:buNone/>
+            </a:pPr>
+            <a:endParaRPr lang="en-US" dirty="0"/>
+          </a:p>
+          <a:p>
+            <a:pPr marL="0" indent="0">
+              <a:buNone/>
+            </a:pPr>
+            <a:r>
+              <a:rPr lang="en-US" dirty="0"/>
+              <a:t>(Page 28). </a:t>
+            </a:r>
+          </a:p>
+        </p:txBody>
+      </p:sp>
+      <p:pic>
+        <p:nvPicPr>
+          <p:cNvPr id="8" name="Picture 7">
+            <a:extLst>
+              <a:ext uri="{FF2B5EF4-FFF2-40B4-BE49-F238E27FC236}">
+                <a16:creationId xmlns:a16="http://schemas.microsoft.com/office/drawing/2014/main" id="{89C86868-A910-AF34-CDC4-DBC4CF34F24F}"/>
+              </a:ext>
+            </a:extLst>
+          </p:cNvPr>
+          <p:cNvPicPr>
+            <a:picLocks noChangeAspect="1"/>
+          </p:cNvPicPr>
+          <p:nvPr/>
+        </p:nvPicPr>
+        <p:blipFill rotWithShape="1">
+          <a:blip r:embed="rId2"/>
+          <a:srcRect l="1" r="22813"/>
+          <a:stretch/>
+        </p:blipFill>
+        <p:spPr>
+          <a:xfrm>
+            <a:off x="0" y="4082095"/>
+            <a:ext cx="10037928" cy="3718468"/>
+          </a:xfrm>
+          <a:prstGeom prst="rect">
+            <a:avLst/>
+          </a:prstGeom>
+        </p:spPr>
+      </p:pic>
+      <p:sp>
+        <p:nvSpPr>
+          <p:cNvPr id="9" name="TextBox 8">
+            <a:extLst>
+              <a:ext uri="{FF2B5EF4-FFF2-40B4-BE49-F238E27FC236}">
+                <a16:creationId xmlns:a16="http://schemas.microsoft.com/office/drawing/2014/main" id="{A0AF29AA-8D3D-6B73-115A-F3BEDA0BC7E1}"/>
+              </a:ext>
+            </a:extLst>
+          </p:cNvPr>
+          <p:cNvSpPr txBox="1"/>
+          <p:nvPr/>
+        </p:nvSpPr>
+        <p:spPr>
+          <a:xfrm>
+            <a:off x="51961" y="9412245"/>
+            <a:ext cx="2673309" cy="246221"/>
+          </a:xfrm>
+          <a:prstGeom prst="rect">
+            <a:avLst/>
+          </a:prstGeom>
+          <a:noFill/>
+        </p:spPr>
+        <p:txBody>
+          <a:bodyPr wrap="square" rtlCol="0">
+            <a:spAutoFit/>
+          </a:bodyPr>
+          <a:lstStyle/>
+          <a:p>
+            <a:pPr algn="l"/>
+            <a:r>
+              <a:rPr lang="en-US" sz="1000" b="0" dirty="0"/>
+              <a:t>Ref: Learning Spark, </a:t>
+            </a:r>
+            <a:r>
+              <a:rPr lang="en-US" sz="1000" b="0" dirty="0" err="1"/>
+              <a:t>Damji</a:t>
+            </a:r>
+            <a:r>
+              <a:rPr lang="en-US" sz="1000" b="0" dirty="0"/>
+              <a:t> et al</a:t>
+            </a:r>
+          </a:p>
+        </p:txBody>
+      </p:sp>
+    </p:spTree>
+    <p:extLst>
+      <p:ext uri="{BB962C8B-B14F-4D97-AF65-F5344CB8AC3E}">
+        <p14:creationId xmlns:p14="http://schemas.microsoft.com/office/powerpoint/2010/main" val="3499451927"/>
       </p:ext>
     </p:extLst>
   </p:cSld>

--- a/training-spark/1_Spark.pptx
+++ b/training-spark/1_Spark.pptx
@@ -441,7 +441,7 @@
           <a:p>
             <a:fld id="{154C1C9F-968B-45D4-9FBD-EA39F2175159}" type="datetimeFigureOut">
               <a:rPr lang="en-US" smtClean="0"/>
-              <a:t>7/16/2022</a:t>
+              <a:t>7/28/2022</a:t>
             </a:fld>
             <a:endParaRPr lang="en-US"/>
           </a:p>
@@ -1726,7 +1726,7 @@
           <a:p>
             <a:fld id="{0F1B7D9C-4F60-C246-8CA4-396C0346DE33}" type="datetimeFigureOut">
               <a:rPr lang="it-IT" smtClean="0"/>
-              <a:t>16/07/2022</a:t>
+              <a:t>28/07/2022</a:t>
             </a:fld>
             <a:endParaRPr lang="it-IT"/>
           </a:p>
@@ -2381,7 +2381,7 @@
           <a:p>
             <a:fld id="{A2FF5F4A-4507-894B-98D1-9441DD15C475}" type="datetimeFigureOut">
               <a:rPr lang="it-IT" smtClean="0"/>
-              <a:t>16/07/2022</a:t>
+              <a:t>28/07/2022</a:t>
             </a:fld>
             <a:endParaRPr lang="it-IT" dirty="0"/>
           </a:p>
@@ -3038,7 +3038,7 @@
           <a:p>
             <a:r>
               <a:rPr lang="en-US" dirty="0"/>
-              <a:t>Tasks and</a:t>
+              <a:t>Stages and Tasks</a:t>
             </a:r>
           </a:p>
         </p:txBody>
@@ -3280,51 +3280,156 @@
           </a:p>
         </p:txBody>
       </p:sp>
-      <p:sp>
-        <p:nvSpPr>
-          <p:cNvPr id="6" name="Content Placeholder 5">
-            <a:extLst>
-              <a:ext uri="{FF2B5EF4-FFF2-40B4-BE49-F238E27FC236}">
-                <a16:creationId xmlns:a16="http://schemas.microsoft.com/office/drawing/2014/main" id="{82CE2ACA-F471-1A6B-EEB5-05DE0EC00C01}"/>
-              </a:ext>
-            </a:extLst>
-          </p:cNvPr>
-          <p:cNvSpPr>
-            <a:spLocks noGrp="1"/>
-          </p:cNvSpPr>
-          <p:nvPr>
-            <p:ph idx="1"/>
-          </p:nvPr>
-        </p:nvSpPr>
-        <p:spPr/>
-        <p:txBody>
-          <a:bodyPr/>
+      <p:pic>
+        <p:nvPicPr>
+          <p:cNvPr id="8" name="Picture 7">
+            <a:extLst>
+              <a:ext uri="{FF2B5EF4-FFF2-40B4-BE49-F238E27FC236}">
+                <a16:creationId xmlns:a16="http://schemas.microsoft.com/office/drawing/2014/main" id="{B6985BC8-12E7-4058-94CC-46361C1D5EB8}"/>
+              </a:ext>
+            </a:extLst>
+          </p:cNvPr>
+          <p:cNvPicPr>
+            <a:picLocks noChangeAspect="1"/>
+          </p:cNvPicPr>
+          <p:nvPr/>
+        </p:nvPicPr>
+        <p:blipFill>
+          <a:blip r:embed="rId2"/>
+          <a:stretch>
+            <a:fillRect/>
+          </a:stretch>
+        </p:blipFill>
+        <p:spPr>
+          <a:xfrm>
+            <a:off x="614149" y="2132282"/>
+            <a:ext cx="6590352" cy="4136525"/>
+          </a:xfrm>
+          <a:prstGeom prst="rect">
+            <a:avLst/>
+          </a:prstGeom>
+        </p:spPr>
+      </p:pic>
+      <p:pic>
+        <p:nvPicPr>
+          <p:cNvPr id="10" name="Picture 9">
+            <a:extLst>
+              <a:ext uri="{FF2B5EF4-FFF2-40B4-BE49-F238E27FC236}">
+                <a16:creationId xmlns:a16="http://schemas.microsoft.com/office/drawing/2014/main" id="{589CA34C-7F46-5C75-50FD-D13233D7C7F7}"/>
+              </a:ext>
+            </a:extLst>
+          </p:cNvPr>
+          <p:cNvPicPr>
+            <a:picLocks noChangeAspect="1"/>
+          </p:cNvPicPr>
+          <p:nvPr/>
+        </p:nvPicPr>
+        <p:blipFill>
+          <a:blip r:embed="rId3"/>
+          <a:stretch>
+            <a:fillRect/>
+          </a:stretch>
+        </p:blipFill>
+        <p:spPr>
+          <a:xfrm>
+            <a:off x="7103658" y="3273429"/>
+            <a:ext cx="5621361" cy="2526805"/>
+          </a:xfrm>
+          <a:prstGeom prst="rect">
+            <a:avLst/>
+          </a:prstGeom>
+        </p:spPr>
+      </p:pic>
+      <p:sp>
+        <p:nvSpPr>
+          <p:cNvPr id="12" name="TextBox 11">
+            <a:extLst>
+              <a:ext uri="{FF2B5EF4-FFF2-40B4-BE49-F238E27FC236}">
+                <a16:creationId xmlns:a16="http://schemas.microsoft.com/office/drawing/2014/main" id="{C1F5B651-A5C7-5A5B-72D2-CB66A360F5F8}"/>
+              </a:ext>
+            </a:extLst>
+          </p:cNvPr>
+          <p:cNvSpPr txBox="1"/>
+          <p:nvPr/>
+        </p:nvSpPr>
+        <p:spPr>
+          <a:xfrm>
+            <a:off x="464024" y="6347935"/>
+            <a:ext cx="12187451" cy="1384995"/>
+          </a:xfrm>
+          <a:prstGeom prst="rect">
+            <a:avLst/>
+          </a:prstGeom>
+          <a:noFill/>
+        </p:spPr>
+        <p:txBody>
+          <a:bodyPr wrap="square">
+            <a:spAutoFit/>
+          </a:bodyPr>
           <a:lstStyle/>
           <a:p>
-            <a:r>
-              <a:rPr lang="en-US" dirty="0">
-                <a:highlight>
-                  <a:srgbClr val="FFFF00"/>
-                </a:highlight>
-                <a:hlinkClick r:id="rId2"/>
+            <a:pPr algn="l"/>
+            <a:r>
+              <a:rPr lang="en-US" sz="2800" b="0" i="0" dirty="0">
+                <a:solidFill>
+                  <a:srgbClr val="343A40"/>
+                </a:solidFill>
+                <a:effectLst/>
+                <a:latin typeface="Avenir Black"/>
               </a:rPr>
-              <a:t>https://www.protechtraining.com/blog/post/tuning-apache-spark-jobs-the-easy-way-web-ui-stage-detail-view-911</a:t>
-            </a:r>
-            <a:endParaRPr lang="en-US" dirty="0">
-              <a:highlight>
-                <a:srgbClr val="FFFF00"/>
-              </a:highlight>
+              <a:t>Spark's stages represent segments of work that run from data input (or data read from a previous shuffle) through a set of operations called tasks — one task per data partition — all the way to a data output or a write into a subsequent shuffle.</a:t>
+            </a:r>
+            <a:endParaRPr lang="en-US" sz="2800" dirty="0">
+              <a:latin typeface="Avenir Black"/>
             </a:endParaRPr>
           </a:p>
-          <a:p>
-            <a:r>
-              <a:rPr lang="en-US" dirty="0">
-                <a:highlight>
-                  <a:srgbClr val="FFFF00"/>
-                </a:highlight>
+        </p:txBody>
+      </p:sp>
+      <p:sp>
+        <p:nvSpPr>
+          <p:cNvPr id="13" name="TextBox 12">
+            <a:extLst>
+              <a:ext uri="{FF2B5EF4-FFF2-40B4-BE49-F238E27FC236}">
+                <a16:creationId xmlns:a16="http://schemas.microsoft.com/office/drawing/2014/main" id="{6DA86AA9-803C-F07A-F0CE-7CCD19C03BD5}"/>
+              </a:ext>
+            </a:extLst>
+          </p:cNvPr>
+          <p:cNvSpPr txBox="1"/>
+          <p:nvPr/>
+        </p:nvSpPr>
+        <p:spPr>
+          <a:xfrm>
+            <a:off x="309104" y="8311216"/>
+            <a:ext cx="4508556" cy="338554"/>
+          </a:xfrm>
+          <a:prstGeom prst="rect">
+            <a:avLst/>
+          </a:prstGeom>
+          <a:noFill/>
+        </p:spPr>
+        <p:txBody>
+          <a:bodyPr wrap="square">
+            <a:spAutoFit/>
+          </a:bodyPr>
+          <a:lstStyle/>
+          <a:p>
+            <a:pPr algn="l"/>
+            <a:r>
+              <a:rPr lang="en-US" sz="1600" b="0" dirty="0">
+                <a:latin typeface="Avenir Black"/>
               </a:rPr>
-              <a:t>????</a:t>
-            </a:r>
+              <a:t>Ref: </a:t>
+            </a:r>
+            <a:r>
+              <a:rPr lang="en-US" sz="1600" b="0" dirty="0">
+                <a:latin typeface="Avenir Black"/>
+                <a:hlinkClick r:id="rId4"/>
+              </a:rPr>
+              <a:t>Spark Jobs the Easy Way: Web UI Stage View</a:t>
+            </a:r>
+            <a:endParaRPr lang="en-US" sz="1600" b="0" dirty="0">
+              <a:latin typeface="Avenir Black"/>
+            </a:endParaRPr>
           </a:p>
         </p:txBody>
       </p:sp>
@@ -3342,7 +3447,7 @@
 </file>
 
 <file path=ppt/slides/slide12.xml><?xml version="1.0" encoding="utf-8"?>
-<p:sld xmlns:a="http://schemas.openxmlformats.org/drawingml/2006/main" xmlns:r="http://schemas.openxmlformats.org/officeDocument/2006/relationships" xmlns:p="http://schemas.openxmlformats.org/presentationml/2006/main">
+<p:sld xmlns:a="http://schemas.openxmlformats.org/drawingml/2006/main" xmlns:r="http://schemas.openxmlformats.org/officeDocument/2006/relationships" xmlns:p="http://schemas.openxmlformats.org/presentationml/2006/main" show="0">
   <p:cSld>
     <p:spTree>
       <p:nvGrpSpPr>

--- a/training-spark/1_Spark.pptx
+++ b/training-spark/1_Spark.pptx
@@ -6,10 +6,10 @@
     <p:sldMasterId id="2147483659" r:id="rId2"/>
   </p:sldMasterIdLst>
   <p:notesMasterIdLst>
-    <p:notesMasterId r:id="rId15"/>
+    <p:notesMasterId r:id="rId14"/>
   </p:notesMasterIdLst>
   <p:handoutMasterIdLst>
-    <p:handoutMasterId r:id="rId16"/>
+    <p:handoutMasterId r:id="rId15"/>
   </p:handoutMasterIdLst>
   <p:sldIdLst>
     <p:sldId id="257" r:id="rId3"/>
@@ -23,7 +23,6 @@
     <p:sldId id="267" r:id="rId11"/>
     <p:sldId id="268" r:id="rId12"/>
     <p:sldId id="269" r:id="rId13"/>
-    <p:sldId id="263" r:id="rId14"/>
   </p:sldIdLst>
   <p:sldSz cx="13004800" cy="9753600"/>
   <p:notesSz cx="6858000" cy="9144000"/>
@@ -441,7 +440,7 @@
           <a:p>
             <a:fld id="{154C1C9F-968B-45D4-9FBD-EA39F2175159}" type="datetimeFigureOut">
               <a:rPr lang="en-US" smtClean="0"/>
-              <a:t>7/28/2022</a:t>
+              <a:t>2022-09-03</a:t>
             </a:fld>
             <a:endParaRPr lang="en-US"/>
           </a:p>
@@ -824,6 +823,90 @@
           <a:bodyPr/>
           <a:lstStyle/>
           <a:p>
+            <a:pPr marL="0" marR="0" lvl="0" indent="0" defTabSz="457200" eaLnBrk="1" fontAlgn="auto" latinLnBrk="0" hangingPunct="1">
+              <a:lnSpc>
+                <a:spcPct val="117999"/>
+              </a:lnSpc>
+              <a:spcBef>
+                <a:spcPts val="0"/>
+              </a:spcBef>
+              <a:spcAft>
+                <a:spcPts val="0"/>
+              </a:spcAft>
+              <a:buClrTx/>
+              <a:buSzTx/>
+              <a:buFontTx/>
+              <a:buNone/>
+              <a:tabLst/>
+              <a:defRPr/>
+            </a:pPr>
+            <a:r>
+              <a:rPr lang="en-US" dirty="0"/>
+              <a:t>Example as in video</a:t>
+            </a:r>
+          </a:p>
+          <a:p>
+            <a:endParaRPr lang="en-US" dirty="0"/>
+          </a:p>
+        </p:txBody>
+      </p:sp>
+    </p:spTree>
+    <p:extLst>
+      <p:ext uri="{BB962C8B-B14F-4D97-AF65-F5344CB8AC3E}">
+        <p14:creationId xmlns:p14="http://schemas.microsoft.com/office/powerpoint/2010/main" val="367131362"/>
+      </p:ext>
+    </p:extLst>
+  </p:cSld>
+  <p:clrMapOvr>
+    <a:masterClrMapping/>
+  </p:clrMapOvr>
+</p:notes>
+</file>
+
+<file path=ppt/notesSlides/notesSlide3.xml><?xml version="1.0" encoding="utf-8"?>
+<p:notes xmlns:a="http://schemas.openxmlformats.org/drawingml/2006/main" xmlns:r="http://schemas.openxmlformats.org/officeDocument/2006/relationships" xmlns:p="http://schemas.openxmlformats.org/presentationml/2006/main">
+  <p:cSld>
+    <p:spTree>
+      <p:nvGrpSpPr>
+        <p:cNvPr id="1" name=""/>
+        <p:cNvGrpSpPr/>
+        <p:nvPr/>
+      </p:nvGrpSpPr>
+      <p:grpSpPr>
+        <a:xfrm>
+          <a:off x="0" y="0"/>
+          <a:ext cx="0" cy="0"/>
+          <a:chOff x="0" y="0"/>
+          <a:chExt cx="0" cy="0"/>
+        </a:xfrm>
+      </p:grpSpPr>
+      <p:sp>
+        <p:nvSpPr>
+          <p:cNvPr id="2" name="Slide Image Placeholder 1"/>
+          <p:cNvSpPr>
+            <a:spLocks noGrp="1" noRot="1" noChangeAspect="1"/>
+          </p:cNvSpPr>
+          <p:nvPr>
+            <p:ph type="sldImg"/>
+          </p:nvPr>
+        </p:nvSpPr>
+        <p:spPr/>
+      </p:sp>
+      <p:sp>
+        <p:nvSpPr>
+          <p:cNvPr id="3" name="Notes Placeholder 2"/>
+          <p:cNvSpPr>
+            <a:spLocks noGrp="1"/>
+          </p:cNvSpPr>
+          <p:nvPr>
+            <p:ph type="body" idx="1"/>
+          </p:nvPr>
+        </p:nvSpPr>
+        <p:spPr/>
+        <p:txBody>
+          <a:bodyPr/>
+          <a:lstStyle/>
+          <a:p>
             <a:pPr marL="0" indent="0">
               <a:buNone/>
             </a:pPr>
@@ -882,7 +965,7 @@
 </p:notes>
 </file>
 
-<file path=ppt/notesSlides/notesSlide3.xml><?xml version="1.0" encoding="utf-8"?>
+<file path=ppt/notesSlides/notesSlide4.xml><?xml version="1.0" encoding="utf-8"?>
 <p:notes xmlns:a="http://schemas.openxmlformats.org/drawingml/2006/main" xmlns:r="http://schemas.openxmlformats.org/officeDocument/2006/relationships" xmlns:p="http://schemas.openxmlformats.org/presentationml/2006/main">
   <p:cSld>
     <p:spTree>
@@ -1726,7 +1809,7 @@
           <a:p>
             <a:fld id="{0F1B7D9C-4F60-C246-8CA4-396C0346DE33}" type="datetimeFigureOut">
               <a:rPr lang="it-IT" smtClean="0"/>
-              <a:t>28/07/2022</a:t>
+              <a:t>03/09/2022</a:t>
             </a:fld>
             <a:endParaRPr lang="it-IT"/>
           </a:p>
@@ -2381,7 +2464,7 @@
           <a:p>
             <a:fld id="{A2FF5F4A-4507-894B-98D1-9441DD15C475}" type="datetimeFigureOut">
               <a:rPr lang="it-IT" smtClean="0"/>
-              <a:t>28/07/2022</a:t>
+              <a:t>03/09/2022</a:t>
             </a:fld>
             <a:endParaRPr lang="it-IT" dirty="0"/>
           </a:p>
@@ -3446,410 +3529,6 @@
 </p:sld>
 </file>
 
-<file path=ppt/slides/slide12.xml><?xml version="1.0" encoding="utf-8"?>
-<p:sld xmlns:a="http://schemas.openxmlformats.org/drawingml/2006/main" xmlns:r="http://schemas.openxmlformats.org/officeDocument/2006/relationships" xmlns:p="http://schemas.openxmlformats.org/presentationml/2006/main" show="0">
-  <p:cSld>
-    <p:spTree>
-      <p:nvGrpSpPr>
-        <p:cNvPr id="1" name=""/>
-        <p:cNvGrpSpPr/>
-        <p:nvPr/>
-      </p:nvGrpSpPr>
-      <p:grpSpPr>
-        <a:xfrm>
-          <a:off x="0" y="0"/>
-          <a:ext cx="0" cy="0"/>
-          <a:chOff x="0" y="0"/>
-          <a:chExt cx="0" cy="0"/>
-        </a:xfrm>
-      </p:grpSpPr>
-      <p:sp>
-        <p:nvSpPr>
-          <p:cNvPr id="2" name="Text Placeholder 1">
-            <a:extLst>
-              <a:ext uri="{FF2B5EF4-FFF2-40B4-BE49-F238E27FC236}">
-                <a16:creationId xmlns:a16="http://schemas.microsoft.com/office/drawing/2014/main" id="{77BE6730-C453-78AF-BFFC-C4CBF002870B}"/>
-              </a:ext>
-            </a:extLst>
-          </p:cNvPr>
-          <p:cNvSpPr>
-            <a:spLocks noGrp="1"/>
-          </p:cNvSpPr>
-          <p:nvPr>
-            <p:ph type="body" sz="quarter" idx="15"/>
-          </p:nvPr>
-        </p:nvSpPr>
-        <p:spPr/>
-        <p:txBody>
-          <a:bodyPr/>
-          <a:lstStyle/>
-          <a:p>
-            <a:endParaRPr lang="en-US"/>
-          </a:p>
-        </p:txBody>
-      </p:sp>
-      <p:sp>
-        <p:nvSpPr>
-          <p:cNvPr id="3" name="Text Placeholder 2">
-            <a:extLst>
-              <a:ext uri="{FF2B5EF4-FFF2-40B4-BE49-F238E27FC236}">
-                <a16:creationId xmlns:a16="http://schemas.microsoft.com/office/drawing/2014/main" id="{C20E2107-1A40-1234-2620-0414A75DC1D0}"/>
-              </a:ext>
-            </a:extLst>
-          </p:cNvPr>
-          <p:cNvSpPr>
-            <a:spLocks noGrp="1"/>
-          </p:cNvSpPr>
-          <p:nvPr>
-            <p:ph type="body" sz="quarter" idx="17"/>
-          </p:nvPr>
-        </p:nvSpPr>
-        <p:spPr/>
-        <p:txBody>
-          <a:bodyPr/>
-          <a:lstStyle/>
-          <a:p>
-            <a:endParaRPr lang="en-US"/>
-          </a:p>
-        </p:txBody>
-      </p:sp>
-      <p:sp>
-        <p:nvSpPr>
-          <p:cNvPr id="4" name="Text Placeholder 3">
-            <a:extLst>
-              <a:ext uri="{FF2B5EF4-FFF2-40B4-BE49-F238E27FC236}">
-                <a16:creationId xmlns:a16="http://schemas.microsoft.com/office/drawing/2014/main" id="{9FE819F6-E0A6-7C58-BE90-059D26D52AB8}"/>
-              </a:ext>
-            </a:extLst>
-          </p:cNvPr>
-          <p:cNvSpPr>
-            <a:spLocks noGrp="1"/>
-          </p:cNvSpPr>
-          <p:nvPr>
-            <p:ph type="body" sz="quarter" idx="16"/>
-          </p:nvPr>
-        </p:nvSpPr>
-        <p:spPr/>
-        <p:txBody>
-          <a:bodyPr/>
-          <a:lstStyle/>
-          <a:p>
-            <a:endParaRPr lang="en-US"/>
-          </a:p>
-        </p:txBody>
-      </p:sp>
-      <p:sp>
-        <p:nvSpPr>
-          <p:cNvPr id="5" name="Title 4">
-            <a:extLst>
-              <a:ext uri="{FF2B5EF4-FFF2-40B4-BE49-F238E27FC236}">
-                <a16:creationId xmlns:a16="http://schemas.microsoft.com/office/drawing/2014/main" id="{920350B5-D9C9-CB49-D452-CA19A07B0B22}"/>
-              </a:ext>
-            </a:extLst>
-          </p:cNvPr>
-          <p:cNvSpPr>
-            <a:spLocks noGrp="1"/>
-          </p:cNvSpPr>
-          <p:nvPr>
-            <p:ph type="title"/>
-          </p:nvPr>
-        </p:nvSpPr>
-        <p:spPr/>
-        <p:txBody>
-          <a:bodyPr/>
-          <a:lstStyle/>
-          <a:p>
-            <a:r>
-              <a:rPr lang="en-US" dirty="0" err="1"/>
-              <a:t>Dataframes</a:t>
-            </a:r>
-            <a:r>
-              <a:rPr lang="en-US" dirty="0"/>
-              <a:t> behind the scene</a:t>
-            </a:r>
-          </a:p>
-        </p:txBody>
-      </p:sp>
-      <p:sp>
-        <p:nvSpPr>
-          <p:cNvPr id="6" name="Content Placeholder 5">
-            <a:extLst>
-              <a:ext uri="{FF2B5EF4-FFF2-40B4-BE49-F238E27FC236}">
-                <a16:creationId xmlns:a16="http://schemas.microsoft.com/office/drawing/2014/main" id="{02A47CE1-7014-8961-A712-C0F1A2B9FADD}"/>
-              </a:ext>
-            </a:extLst>
-          </p:cNvPr>
-          <p:cNvSpPr>
-            <a:spLocks noGrp="1"/>
-          </p:cNvSpPr>
-          <p:nvPr>
-            <p:ph idx="1"/>
-          </p:nvPr>
-        </p:nvSpPr>
-        <p:spPr>
-          <a:xfrm>
-            <a:off x="893763" y="8293666"/>
-            <a:ext cx="11217275" cy="491559"/>
-          </a:xfrm>
-        </p:spPr>
-        <p:txBody>
-          <a:bodyPr anchor="ctr">
-            <a:normAutofit/>
-          </a:bodyPr>
-          <a:lstStyle/>
-          <a:p>
-            <a:pPr marL="0" indent="0">
-              <a:buNone/>
-            </a:pPr>
-            <a:r>
-              <a:rPr lang="en-US" sz="1800" dirty="0"/>
-              <a:t>Ref: </a:t>
-            </a:r>
-            <a:r>
-              <a:rPr lang="en-US" sz="1800" dirty="0">
-                <a:hlinkClick r:id="rId2"/>
-              </a:rPr>
-              <a:t>Spark APIs</a:t>
-            </a:r>
-            <a:endParaRPr lang="en-US" sz="1800" dirty="0"/>
-          </a:p>
-        </p:txBody>
-      </p:sp>
-      <p:pic>
-        <p:nvPicPr>
-          <p:cNvPr id="8" name="Picture 7">
-            <a:extLst>
-              <a:ext uri="{FF2B5EF4-FFF2-40B4-BE49-F238E27FC236}">
-                <a16:creationId xmlns:a16="http://schemas.microsoft.com/office/drawing/2014/main" id="{E8BE5E09-535A-BBAC-0612-CCD098AD4560}"/>
-              </a:ext>
-            </a:extLst>
-          </p:cNvPr>
-          <p:cNvPicPr>
-            <a:picLocks noChangeAspect="1"/>
-          </p:cNvPicPr>
-          <p:nvPr/>
-        </p:nvPicPr>
-        <p:blipFill>
-          <a:blip r:embed="rId3"/>
-          <a:stretch>
-            <a:fillRect/>
-          </a:stretch>
-        </p:blipFill>
-        <p:spPr>
-          <a:xfrm>
-            <a:off x="0" y="3245973"/>
-            <a:ext cx="13004800" cy="3261654"/>
-          </a:xfrm>
-          <a:prstGeom prst="rect">
-            <a:avLst/>
-          </a:prstGeom>
-        </p:spPr>
-      </p:pic>
-      <p:sp>
-        <p:nvSpPr>
-          <p:cNvPr id="7" name="Speech Bubble: Rectangle 6">
-            <a:extLst>
-              <a:ext uri="{FF2B5EF4-FFF2-40B4-BE49-F238E27FC236}">
-                <a16:creationId xmlns:a16="http://schemas.microsoft.com/office/drawing/2014/main" id="{119FA4AA-68FD-4006-F1BD-E52E4FCF9925}"/>
-              </a:ext>
-            </a:extLst>
-          </p:cNvPr>
-          <p:cNvSpPr/>
-          <p:nvPr/>
-        </p:nvSpPr>
-        <p:spPr>
-          <a:xfrm>
-            <a:off x="6325744" y="5744001"/>
-            <a:ext cx="1453487" cy="570081"/>
-          </a:xfrm>
-          <a:prstGeom prst="wedgeRectCallout">
-            <a:avLst>
-              <a:gd name="adj1" fmla="val -45246"/>
-              <a:gd name="adj2" fmla="val -98310"/>
-            </a:avLst>
-          </a:prstGeom>
-          <a:solidFill>
-            <a:schemeClr val="bg1"/>
-          </a:solidFill>
-        </p:spPr>
-        <p:style>
-          <a:lnRef idx="2">
-            <a:schemeClr val="accent1">
-              <a:shade val="50000"/>
-            </a:schemeClr>
-          </a:lnRef>
-          <a:fillRef idx="1">
-            <a:schemeClr val="accent1"/>
-          </a:fillRef>
-          <a:effectRef idx="0">
-            <a:schemeClr val="accent1"/>
-          </a:effectRef>
-          <a:fontRef idx="minor">
-            <a:schemeClr val="lt1"/>
-          </a:fontRef>
-        </p:style>
-        <p:txBody>
-          <a:bodyPr rtlCol="0" anchor="ctr"/>
-          <a:lstStyle/>
-          <a:p>
-            <a:pPr algn="ctr"/>
-            <a:r>
-              <a:rPr lang="en-US" b="0" dirty="0" err="1">
-                <a:solidFill>
-                  <a:schemeClr val="tx1"/>
-                </a:solidFill>
-                <a:latin typeface="Avenir Black"/>
-              </a:rPr>
-              <a:t>Eg</a:t>
-            </a:r>
-            <a:r>
-              <a:rPr lang="en-US" b="0" dirty="0">
-                <a:solidFill>
-                  <a:schemeClr val="tx1"/>
-                </a:solidFill>
-                <a:latin typeface="Avenir Black"/>
-              </a:rPr>
-              <a:t> filters first</a:t>
-            </a:r>
-          </a:p>
-        </p:txBody>
-      </p:sp>
-      <p:sp>
-        <p:nvSpPr>
-          <p:cNvPr id="9" name="Speech Bubble: Rectangle 8">
-            <a:extLst>
-              <a:ext uri="{FF2B5EF4-FFF2-40B4-BE49-F238E27FC236}">
-                <a16:creationId xmlns:a16="http://schemas.microsoft.com/office/drawing/2014/main" id="{5C01638E-4767-D9FB-D25C-2D59BA4BA3CE}"/>
-              </a:ext>
-            </a:extLst>
-          </p:cNvPr>
-          <p:cNvSpPr/>
-          <p:nvPr/>
-        </p:nvSpPr>
-        <p:spPr>
-          <a:xfrm>
-            <a:off x="9059630" y="3013042"/>
-            <a:ext cx="1758720" cy="570081"/>
-          </a:xfrm>
-          <a:prstGeom prst="wedgeRectCallout">
-            <a:avLst>
-              <a:gd name="adj1" fmla="val -37265"/>
-              <a:gd name="adj2" fmla="val 93210"/>
-            </a:avLst>
-          </a:prstGeom>
-          <a:solidFill>
-            <a:schemeClr val="bg1"/>
-          </a:solidFill>
-        </p:spPr>
-        <p:style>
-          <a:lnRef idx="2">
-            <a:schemeClr val="accent1">
-              <a:shade val="50000"/>
-            </a:schemeClr>
-          </a:lnRef>
-          <a:fillRef idx="1">
-            <a:schemeClr val="accent1"/>
-          </a:fillRef>
-          <a:effectRef idx="0">
-            <a:schemeClr val="accent1"/>
-          </a:effectRef>
-          <a:fontRef idx="minor">
-            <a:schemeClr val="lt1"/>
-          </a:fontRef>
-        </p:style>
-        <p:txBody>
-          <a:bodyPr rtlCol="0" anchor="ctr"/>
-          <a:lstStyle/>
-          <a:p>
-            <a:pPr algn="ctr"/>
-            <a:r>
-              <a:rPr lang="en-US" b="0" dirty="0">
-                <a:solidFill>
-                  <a:schemeClr val="tx1"/>
-                </a:solidFill>
-                <a:latin typeface="Avenir Black"/>
-              </a:rPr>
-              <a:t>Most efficient?</a:t>
-            </a:r>
-          </a:p>
-        </p:txBody>
-      </p:sp>
-      <p:sp>
-        <p:nvSpPr>
-          <p:cNvPr id="10" name="TextBox 9">
-            <a:extLst>
-              <a:ext uri="{FF2B5EF4-FFF2-40B4-BE49-F238E27FC236}">
-                <a16:creationId xmlns:a16="http://schemas.microsoft.com/office/drawing/2014/main" id="{C0ABBF26-9148-3B52-24A5-690DC5776026}"/>
-              </a:ext>
-            </a:extLst>
-          </p:cNvPr>
-          <p:cNvSpPr txBox="1"/>
-          <p:nvPr/>
-        </p:nvSpPr>
-        <p:spPr>
-          <a:xfrm flipH="1">
-            <a:off x="2925397" y="2306472"/>
-            <a:ext cx="4533104" cy="369332"/>
-          </a:xfrm>
-          <a:prstGeom prst="rect">
-            <a:avLst/>
-          </a:prstGeom>
-          <a:noFill/>
-        </p:spPr>
-        <p:txBody>
-          <a:bodyPr wrap="square" rtlCol="0">
-            <a:spAutoFit/>
-          </a:bodyPr>
-          <a:lstStyle/>
-          <a:p>
-            <a:r>
-              <a:rPr lang="en-US" dirty="0" err="1">
-                <a:highlight>
-                  <a:srgbClr val="FFFF00"/>
-                </a:highlight>
-              </a:rPr>
-              <a:t>Spostare</a:t>
-            </a:r>
-            <a:r>
-              <a:rPr lang="en-US" dirty="0">
-                <a:highlight>
-                  <a:srgbClr val="FFFF00"/>
-                </a:highlight>
-              </a:rPr>
-              <a:t> in </a:t>
-            </a:r>
-            <a:r>
-              <a:rPr lang="en-US" dirty="0" err="1">
-                <a:highlight>
-                  <a:srgbClr val="FFFF00"/>
-                </a:highlight>
-              </a:rPr>
-              <a:t>altro</a:t>
-            </a:r>
-            <a:r>
-              <a:rPr lang="en-US" dirty="0">
-                <a:highlight>
-                  <a:srgbClr val="FFFF00"/>
-                </a:highlight>
-              </a:rPr>
-              <a:t> set di slide?</a:t>
-            </a:r>
-          </a:p>
-        </p:txBody>
-      </p:sp>
-    </p:spTree>
-    <p:extLst>
-      <p:ext uri="{BB962C8B-B14F-4D97-AF65-F5344CB8AC3E}">
-        <p14:creationId xmlns:p14="http://schemas.microsoft.com/office/powerpoint/2010/main" val="2596552061"/>
-      </p:ext>
-    </p:extLst>
-  </p:cSld>
-  <p:clrMapOvr>
-    <a:masterClrMapping/>
-  </p:clrMapOvr>
-</p:sld>
-</file>
-
 <file path=ppt/slides/slide2.xml><?xml version="1.0" encoding="utf-8"?>
 <p:sld xmlns:a="http://schemas.openxmlformats.org/drawingml/2006/main" xmlns:r="http://schemas.openxmlformats.org/officeDocument/2006/relationships" xmlns:p="http://schemas.openxmlformats.org/presentationml/2006/main">
   <p:cSld>
@@ -4182,48 +3861,11 @@
             </a:r>
             <a:r>
               <a:rPr lang="en-US" sz="1600" dirty="0">
-                <a:hlinkClick r:id="rId2"/>
+                <a:hlinkClick r:id="rId3"/>
               </a:rPr>
               <a:t>Spark Architecture in 3 minutes</a:t>
             </a:r>
             <a:endParaRPr lang="en-US" sz="1600" dirty="0"/>
-          </a:p>
-        </p:txBody>
-      </p:sp>
-      <p:sp>
-        <p:nvSpPr>
-          <p:cNvPr id="7" name="TextBox 6">
-            <a:extLst>
-              <a:ext uri="{FF2B5EF4-FFF2-40B4-BE49-F238E27FC236}">
-                <a16:creationId xmlns:a16="http://schemas.microsoft.com/office/drawing/2014/main" id="{9041E340-70D0-7231-7794-114BA4DCF10A}"/>
-              </a:ext>
-            </a:extLst>
-          </p:cNvPr>
-          <p:cNvSpPr txBox="1"/>
-          <p:nvPr/>
-        </p:nvSpPr>
-        <p:spPr>
-          <a:xfrm>
-            <a:off x="2341330" y="2906278"/>
-            <a:ext cx="1804337" cy="646331"/>
-          </a:xfrm>
-          <a:prstGeom prst="rect">
-            <a:avLst/>
-          </a:prstGeom>
-          <a:solidFill>
-            <a:srgbClr val="FFFF00"/>
-          </a:solidFill>
-        </p:spPr>
-        <p:txBody>
-          <a:bodyPr wrap="square" rtlCol="0">
-            <a:spAutoFit/>
-          </a:bodyPr>
-          <a:lstStyle/>
-          <a:p>
-            <a:r>
-              <a:rPr lang="en-US" dirty="0"/>
-              <a:t>Example as in video</a:t>
-            </a:r>
           </a:p>
         </p:txBody>
       </p:sp>
@@ -4405,42 +4047,69 @@
           </a:p>
         </p:txBody>
       </p:sp>
-      <p:pic>
-        <p:nvPicPr>
-          <p:cNvPr id="9" name="Picture 8">
+      <p:sp>
+        <p:nvSpPr>
+          <p:cNvPr id="7" name="Rectangle 6">
             <a:extLst>
               <a:ext uri="{FF2B5EF4-FFF2-40B4-BE49-F238E27FC236}">
-                <a16:creationId xmlns:a16="http://schemas.microsoft.com/office/drawing/2014/main" id="{4F0C6B81-AF38-7017-2035-EF273655CAA7}"/>
+                <a16:creationId xmlns:a16="http://schemas.microsoft.com/office/drawing/2014/main" id="{FA7F332B-5BA4-0FFC-1B40-5438E516CAE9}"/>
               </a:ext>
             </a:extLst>
           </p:cNvPr>
-          <p:cNvPicPr>
-            <a:picLocks noChangeAspect="1"/>
-          </p:cNvPicPr>
+          <p:cNvSpPr/>
           <p:nvPr/>
-        </p:nvPicPr>
-        <p:blipFill>
-          <a:blip r:embed="rId3"/>
-          <a:stretch>
-            <a:fillRect/>
-          </a:stretch>
-        </p:blipFill>
+        </p:nvSpPr>
         <p:spPr>
           <a:xfrm>
-            <a:off x="3152219" y="3145070"/>
-            <a:ext cx="4523433" cy="2618166"/>
+            <a:off x="968991" y="2524836"/>
+            <a:ext cx="10699845" cy="5738883"/>
           </a:xfrm>
           <a:prstGeom prst="rect">
             <a:avLst/>
           </a:prstGeom>
+          <a:noFill/>
+          <a:ln w="28575">
+            <a:solidFill>
+              <a:schemeClr val="tx1"/>
+            </a:solidFill>
+          </a:ln>
         </p:spPr>
-      </p:pic>
+        <p:style>
+          <a:lnRef idx="2">
+            <a:schemeClr val="accent1">
+              <a:shade val="50000"/>
+            </a:schemeClr>
+          </a:lnRef>
+          <a:fillRef idx="1">
+            <a:schemeClr val="accent1"/>
+          </a:fillRef>
+          <a:effectRef idx="0">
+            <a:schemeClr val="accent1"/>
+          </a:effectRef>
+          <a:fontRef idx="minor">
+            <a:schemeClr val="lt1"/>
+          </a:fontRef>
+        </p:style>
+        <p:txBody>
+          <a:bodyPr rtlCol="0" anchor="t"/>
+          <a:lstStyle/>
+          <a:p>
+            <a:pPr algn="l"/>
+            <a:endParaRPr lang="en-US" sz="2400" b="0" dirty="0">
+              <a:solidFill>
+                <a:schemeClr val="tx1"/>
+              </a:solidFill>
+              <a:latin typeface="Avenir Black"/>
+            </a:endParaRPr>
+          </a:p>
+        </p:txBody>
+      </p:sp>
       <p:sp>
         <p:nvSpPr>
-          <p:cNvPr id="10" name="TextBox 9">
+          <p:cNvPr id="8" name="TextBox 7">
             <a:extLst>
               <a:ext uri="{FF2B5EF4-FFF2-40B4-BE49-F238E27FC236}">
-                <a16:creationId xmlns:a16="http://schemas.microsoft.com/office/drawing/2014/main" id="{BEB114C6-ED32-EC7F-A2BF-A0E027E833D1}"/>
+                <a16:creationId xmlns:a16="http://schemas.microsoft.com/office/drawing/2014/main" id="{8D9FC02E-3369-2F5F-A6F8-D5CAA6CAD9A2}"/>
               </a:ext>
             </a:extLst>
           </p:cNvPr>
@@ -4449,30 +4118,2500 @@
         </p:nvSpPr>
         <p:spPr>
           <a:xfrm>
-            <a:off x="2341330" y="2906278"/>
-            <a:ext cx="1804337" cy="369332"/>
+            <a:off x="968991" y="2129051"/>
+            <a:ext cx="920445" cy="400110"/>
           </a:xfrm>
           <a:prstGeom prst="rect">
             <a:avLst/>
           </a:prstGeom>
-          <a:solidFill>
-            <a:srgbClr val="FFFF00"/>
-          </a:solidFill>
+          <a:noFill/>
         </p:spPr>
         <p:txBody>
-          <a:bodyPr wrap="square" rtlCol="0">
+          <a:bodyPr wrap="none" rtlCol="0">
             <a:spAutoFit/>
           </a:bodyPr>
           <a:lstStyle/>
           <a:p>
             <a:r>
-              <a:rPr lang="en-US" dirty="0" err="1"/>
-              <a:t>rifare</a:t>
+              <a:rPr lang="en-US" sz="2000" b="0" dirty="0">
+                <a:latin typeface="Avenir Black"/>
+              </a:rPr>
+              <a:t>Cluster</a:t>
             </a:r>
-            <a:endParaRPr lang="en-US" dirty="0"/>
           </a:p>
         </p:txBody>
       </p:sp>
+      <p:grpSp>
+        <p:nvGrpSpPr>
+          <p:cNvPr id="72" name="Group 71">
+            <a:extLst>
+              <a:ext uri="{FF2B5EF4-FFF2-40B4-BE49-F238E27FC236}">
+                <a16:creationId xmlns:a16="http://schemas.microsoft.com/office/drawing/2014/main" id="{9E744ED4-1A74-6CA8-0140-FB83891B4640}"/>
+              </a:ext>
+            </a:extLst>
+          </p:cNvPr>
+          <p:cNvGrpSpPr/>
+          <p:nvPr/>
+        </p:nvGrpSpPr>
+        <p:grpSpPr>
+          <a:xfrm>
+            <a:off x="1134640" y="2829262"/>
+            <a:ext cx="10348371" cy="5136628"/>
+            <a:chOff x="1134640" y="2829262"/>
+            <a:chExt cx="10348371" cy="5136628"/>
+          </a:xfrm>
+        </p:grpSpPr>
+        <p:sp>
+          <p:nvSpPr>
+            <p:cNvPr id="16" name="TextBox 15">
+              <a:extLst>
+                <a:ext uri="{FF2B5EF4-FFF2-40B4-BE49-F238E27FC236}">
+                  <a16:creationId xmlns:a16="http://schemas.microsoft.com/office/drawing/2014/main" id="{98B98A53-DA90-077D-C6C6-C046CF228FBB}"/>
+                </a:ext>
+              </a:extLst>
+            </p:cNvPr>
+            <p:cNvSpPr txBox="1"/>
+            <p:nvPr/>
+          </p:nvSpPr>
+          <p:spPr>
+            <a:xfrm>
+              <a:off x="1161008" y="2829262"/>
+              <a:ext cx="934871" cy="400110"/>
+            </a:xfrm>
+            <a:prstGeom prst="rect">
+              <a:avLst/>
+            </a:prstGeom>
+            <a:noFill/>
+          </p:spPr>
+          <p:txBody>
+            <a:bodyPr wrap="none" rtlCol="0">
+              <a:spAutoFit/>
+            </a:bodyPr>
+            <a:lstStyle/>
+            <a:p>
+              <a:r>
+                <a:rPr lang="en-US" sz="2000" b="0" dirty="0">
+                  <a:latin typeface="Avenir Black"/>
+                </a:rPr>
+                <a:t>Node 1</a:t>
+              </a:r>
+            </a:p>
+          </p:txBody>
+        </p:sp>
+        <p:sp>
+          <p:nvSpPr>
+            <p:cNvPr id="17" name="TextBox 16">
+              <a:extLst>
+                <a:ext uri="{FF2B5EF4-FFF2-40B4-BE49-F238E27FC236}">
+                  <a16:creationId xmlns:a16="http://schemas.microsoft.com/office/drawing/2014/main" id="{63F17F15-A290-FD24-2554-16DE6FE8CA90}"/>
+                </a:ext>
+              </a:extLst>
+            </p:cNvPr>
+            <p:cNvSpPr txBox="1"/>
+            <p:nvPr/>
+          </p:nvSpPr>
+          <p:spPr>
+            <a:xfrm>
+              <a:off x="3779637" y="2829262"/>
+              <a:ext cx="934871" cy="400110"/>
+            </a:xfrm>
+            <a:prstGeom prst="rect">
+              <a:avLst/>
+            </a:prstGeom>
+            <a:noFill/>
+          </p:spPr>
+          <p:txBody>
+            <a:bodyPr wrap="none" rtlCol="0">
+              <a:spAutoFit/>
+            </a:bodyPr>
+            <a:lstStyle/>
+            <a:p>
+              <a:r>
+                <a:rPr lang="en-US" sz="2000" b="0" dirty="0">
+                  <a:latin typeface="Avenir Black"/>
+                </a:rPr>
+                <a:t>Node 2</a:t>
+              </a:r>
+            </a:p>
+          </p:txBody>
+        </p:sp>
+        <p:sp>
+          <p:nvSpPr>
+            <p:cNvPr id="18" name="TextBox 17">
+              <a:extLst>
+                <a:ext uri="{FF2B5EF4-FFF2-40B4-BE49-F238E27FC236}">
+                  <a16:creationId xmlns:a16="http://schemas.microsoft.com/office/drawing/2014/main" id="{87494D8A-C457-D94A-9EE9-674D61C7FFD7}"/>
+                </a:ext>
+              </a:extLst>
+            </p:cNvPr>
+            <p:cNvSpPr txBox="1"/>
+            <p:nvPr/>
+          </p:nvSpPr>
+          <p:spPr>
+            <a:xfrm>
+              <a:off x="6414922" y="2829262"/>
+              <a:ext cx="934871" cy="400110"/>
+            </a:xfrm>
+            <a:prstGeom prst="rect">
+              <a:avLst/>
+            </a:prstGeom>
+            <a:noFill/>
+          </p:spPr>
+          <p:txBody>
+            <a:bodyPr wrap="none" rtlCol="0">
+              <a:spAutoFit/>
+            </a:bodyPr>
+            <a:lstStyle/>
+            <a:p>
+              <a:r>
+                <a:rPr lang="en-US" sz="2000" b="0" dirty="0">
+                  <a:latin typeface="Avenir Black"/>
+                </a:rPr>
+                <a:t>Node 3</a:t>
+              </a:r>
+            </a:p>
+          </p:txBody>
+        </p:sp>
+        <p:sp>
+          <p:nvSpPr>
+            <p:cNvPr id="19" name="TextBox 18">
+              <a:extLst>
+                <a:ext uri="{FF2B5EF4-FFF2-40B4-BE49-F238E27FC236}">
+                  <a16:creationId xmlns:a16="http://schemas.microsoft.com/office/drawing/2014/main" id="{60666A9E-922D-98C0-3979-8E210163B328}"/>
+                </a:ext>
+              </a:extLst>
+            </p:cNvPr>
+            <p:cNvSpPr txBox="1"/>
+            <p:nvPr/>
+          </p:nvSpPr>
+          <p:spPr>
+            <a:xfrm>
+              <a:off x="9069632" y="2829262"/>
+              <a:ext cx="934871" cy="400110"/>
+            </a:xfrm>
+            <a:prstGeom prst="rect">
+              <a:avLst/>
+            </a:prstGeom>
+            <a:noFill/>
+          </p:spPr>
+          <p:txBody>
+            <a:bodyPr wrap="none" rtlCol="0">
+              <a:spAutoFit/>
+            </a:bodyPr>
+            <a:lstStyle/>
+            <a:p>
+              <a:r>
+                <a:rPr lang="en-US" sz="2000" b="0" dirty="0">
+                  <a:latin typeface="Avenir Black"/>
+                </a:rPr>
+                <a:t>Node 4</a:t>
+              </a:r>
+            </a:p>
+          </p:txBody>
+        </p:sp>
+        <p:sp>
+          <p:nvSpPr>
+            <p:cNvPr id="12" name="Rectangle 11">
+              <a:extLst>
+                <a:ext uri="{FF2B5EF4-FFF2-40B4-BE49-F238E27FC236}">
+                  <a16:creationId xmlns:a16="http://schemas.microsoft.com/office/drawing/2014/main" id="{6CC463B1-A028-F81E-E1D2-C302B555E38C}"/>
+                </a:ext>
+              </a:extLst>
+            </p:cNvPr>
+            <p:cNvSpPr/>
+            <p:nvPr/>
+          </p:nvSpPr>
+          <p:spPr>
+            <a:xfrm>
+              <a:off x="1134640" y="3289258"/>
+              <a:ext cx="2413379" cy="4676632"/>
+            </a:xfrm>
+            <a:prstGeom prst="rect">
+              <a:avLst/>
+            </a:prstGeom>
+            <a:noFill/>
+            <a:ln w="28575">
+              <a:solidFill>
+                <a:schemeClr val="tx1"/>
+              </a:solidFill>
+            </a:ln>
+          </p:spPr>
+          <p:style>
+            <a:lnRef idx="2">
+              <a:schemeClr val="accent1">
+                <a:shade val="50000"/>
+              </a:schemeClr>
+            </a:lnRef>
+            <a:fillRef idx="1">
+              <a:schemeClr val="accent1"/>
+            </a:fillRef>
+            <a:effectRef idx="0">
+              <a:schemeClr val="accent1"/>
+            </a:effectRef>
+            <a:fontRef idx="minor">
+              <a:schemeClr val="lt1"/>
+            </a:fontRef>
+          </p:style>
+          <p:txBody>
+            <a:bodyPr rtlCol="0" anchor="t"/>
+            <a:lstStyle/>
+            <a:p>
+              <a:pPr algn="l"/>
+              <a:endParaRPr lang="en-US" sz="2400" b="0" dirty="0">
+                <a:solidFill>
+                  <a:schemeClr val="tx1"/>
+                </a:solidFill>
+                <a:latin typeface="Avenir Black"/>
+              </a:endParaRPr>
+            </a:p>
+          </p:txBody>
+        </p:sp>
+        <p:sp>
+          <p:nvSpPr>
+            <p:cNvPr id="13" name="Rectangle 12">
+              <a:extLst>
+                <a:ext uri="{FF2B5EF4-FFF2-40B4-BE49-F238E27FC236}">
+                  <a16:creationId xmlns:a16="http://schemas.microsoft.com/office/drawing/2014/main" id="{A6910B6C-34AD-9F57-E1C2-F3CDB7553066}"/>
+                </a:ext>
+              </a:extLst>
+            </p:cNvPr>
+            <p:cNvSpPr/>
+            <p:nvPr/>
+          </p:nvSpPr>
+          <p:spPr>
+            <a:xfrm>
+              <a:off x="3779637" y="3289258"/>
+              <a:ext cx="2413379" cy="4676632"/>
+            </a:xfrm>
+            <a:prstGeom prst="rect">
+              <a:avLst/>
+            </a:prstGeom>
+            <a:noFill/>
+            <a:ln w="28575">
+              <a:solidFill>
+                <a:schemeClr val="tx1"/>
+              </a:solidFill>
+            </a:ln>
+          </p:spPr>
+          <p:style>
+            <a:lnRef idx="2">
+              <a:schemeClr val="accent1">
+                <a:shade val="50000"/>
+              </a:schemeClr>
+            </a:lnRef>
+            <a:fillRef idx="1">
+              <a:schemeClr val="accent1"/>
+            </a:fillRef>
+            <a:effectRef idx="0">
+              <a:schemeClr val="accent1"/>
+            </a:effectRef>
+            <a:fontRef idx="minor">
+              <a:schemeClr val="lt1"/>
+            </a:fontRef>
+          </p:style>
+          <p:txBody>
+            <a:bodyPr rtlCol="0" anchor="t"/>
+            <a:lstStyle/>
+            <a:p>
+              <a:pPr algn="l"/>
+              <a:endParaRPr lang="en-US" sz="2400" b="0" dirty="0">
+                <a:solidFill>
+                  <a:schemeClr val="tx1"/>
+                </a:solidFill>
+                <a:latin typeface="Avenir Black"/>
+              </a:endParaRPr>
+            </a:p>
+          </p:txBody>
+        </p:sp>
+        <p:sp>
+          <p:nvSpPr>
+            <p:cNvPr id="14" name="Rectangle 13">
+              <a:extLst>
+                <a:ext uri="{FF2B5EF4-FFF2-40B4-BE49-F238E27FC236}">
+                  <a16:creationId xmlns:a16="http://schemas.microsoft.com/office/drawing/2014/main" id="{C3EE64CB-EB9F-012D-81EB-D098C90EB335}"/>
+                </a:ext>
+              </a:extLst>
+            </p:cNvPr>
+            <p:cNvSpPr/>
+            <p:nvPr/>
+          </p:nvSpPr>
+          <p:spPr>
+            <a:xfrm>
+              <a:off x="6424634" y="3289258"/>
+              <a:ext cx="2413379" cy="4676632"/>
+            </a:xfrm>
+            <a:prstGeom prst="rect">
+              <a:avLst/>
+            </a:prstGeom>
+            <a:noFill/>
+            <a:ln w="28575">
+              <a:solidFill>
+                <a:schemeClr val="tx1"/>
+              </a:solidFill>
+            </a:ln>
+          </p:spPr>
+          <p:style>
+            <a:lnRef idx="2">
+              <a:schemeClr val="accent1">
+                <a:shade val="50000"/>
+              </a:schemeClr>
+            </a:lnRef>
+            <a:fillRef idx="1">
+              <a:schemeClr val="accent1"/>
+            </a:fillRef>
+            <a:effectRef idx="0">
+              <a:schemeClr val="accent1"/>
+            </a:effectRef>
+            <a:fontRef idx="minor">
+              <a:schemeClr val="lt1"/>
+            </a:fontRef>
+          </p:style>
+          <p:txBody>
+            <a:bodyPr rtlCol="0" anchor="t"/>
+            <a:lstStyle/>
+            <a:p>
+              <a:pPr algn="l"/>
+              <a:endParaRPr lang="en-US" sz="2400" b="0" dirty="0">
+                <a:solidFill>
+                  <a:schemeClr val="tx1"/>
+                </a:solidFill>
+                <a:latin typeface="Avenir Black"/>
+              </a:endParaRPr>
+            </a:p>
+          </p:txBody>
+        </p:sp>
+        <p:sp>
+          <p:nvSpPr>
+            <p:cNvPr id="15" name="Rectangle 14">
+              <a:extLst>
+                <a:ext uri="{FF2B5EF4-FFF2-40B4-BE49-F238E27FC236}">
+                  <a16:creationId xmlns:a16="http://schemas.microsoft.com/office/drawing/2014/main" id="{82F039FF-4FA6-F7BA-D36B-2EAD55888F40}"/>
+                </a:ext>
+              </a:extLst>
+            </p:cNvPr>
+            <p:cNvSpPr/>
+            <p:nvPr/>
+          </p:nvSpPr>
+          <p:spPr>
+            <a:xfrm>
+              <a:off x="9069632" y="3289258"/>
+              <a:ext cx="2413379" cy="4676632"/>
+            </a:xfrm>
+            <a:prstGeom prst="rect">
+              <a:avLst/>
+            </a:prstGeom>
+            <a:noFill/>
+            <a:ln w="28575">
+              <a:solidFill>
+                <a:schemeClr val="tx1"/>
+              </a:solidFill>
+            </a:ln>
+          </p:spPr>
+          <p:style>
+            <a:lnRef idx="2">
+              <a:schemeClr val="accent1">
+                <a:shade val="50000"/>
+              </a:schemeClr>
+            </a:lnRef>
+            <a:fillRef idx="1">
+              <a:schemeClr val="accent1"/>
+            </a:fillRef>
+            <a:effectRef idx="0">
+              <a:schemeClr val="accent1"/>
+            </a:effectRef>
+            <a:fontRef idx="minor">
+              <a:schemeClr val="lt1"/>
+            </a:fontRef>
+          </p:style>
+          <p:txBody>
+            <a:bodyPr rtlCol="0" anchor="t"/>
+            <a:lstStyle/>
+            <a:p>
+              <a:pPr algn="l"/>
+              <a:endParaRPr lang="en-US" sz="2400" b="0" dirty="0">
+                <a:solidFill>
+                  <a:schemeClr val="tx1"/>
+                </a:solidFill>
+                <a:latin typeface="Avenir Black"/>
+              </a:endParaRPr>
+            </a:p>
+          </p:txBody>
+        </p:sp>
+      </p:grpSp>
+      <p:grpSp>
+        <p:nvGrpSpPr>
+          <p:cNvPr id="73" name="Group 72">
+            <a:extLst>
+              <a:ext uri="{FF2B5EF4-FFF2-40B4-BE49-F238E27FC236}">
+                <a16:creationId xmlns:a16="http://schemas.microsoft.com/office/drawing/2014/main" id="{814B07C0-26FD-2E92-0F44-917FAC0269D6}"/>
+              </a:ext>
+            </a:extLst>
+          </p:cNvPr>
+          <p:cNvGrpSpPr/>
+          <p:nvPr/>
+        </p:nvGrpSpPr>
+        <p:grpSpPr>
+          <a:xfrm>
+            <a:off x="9180959" y="3445419"/>
+            <a:ext cx="2183642" cy="1731083"/>
+            <a:chOff x="9180959" y="3445419"/>
+            <a:chExt cx="2183642" cy="1731083"/>
+          </a:xfrm>
+        </p:grpSpPr>
+        <p:sp>
+          <p:nvSpPr>
+            <p:cNvPr id="33" name="TextBox 32">
+              <a:extLst>
+                <a:ext uri="{FF2B5EF4-FFF2-40B4-BE49-F238E27FC236}">
+                  <a16:creationId xmlns:a16="http://schemas.microsoft.com/office/drawing/2014/main" id="{9F23A9FC-3119-E902-8617-947B88996AB6}"/>
+                </a:ext>
+              </a:extLst>
+            </p:cNvPr>
+            <p:cNvSpPr txBox="1"/>
+            <p:nvPr/>
+          </p:nvSpPr>
+          <p:spPr>
+            <a:xfrm>
+              <a:off x="9284031" y="3445419"/>
+              <a:ext cx="824265" cy="400110"/>
+            </a:xfrm>
+            <a:prstGeom prst="rect">
+              <a:avLst/>
+            </a:prstGeom>
+            <a:noFill/>
+          </p:spPr>
+          <p:txBody>
+            <a:bodyPr wrap="none" rtlCol="0">
+              <a:spAutoFit/>
+            </a:bodyPr>
+            <a:lstStyle/>
+            <a:p>
+              <a:r>
+                <a:rPr lang="en-US" sz="2000" b="0" dirty="0">
+                  <a:latin typeface="Avenir Black"/>
+                </a:rPr>
+                <a:t>Driver</a:t>
+              </a:r>
+            </a:p>
+          </p:txBody>
+        </p:sp>
+        <p:sp>
+          <p:nvSpPr>
+            <p:cNvPr id="34" name="Rectangle 33">
+              <a:extLst>
+                <a:ext uri="{FF2B5EF4-FFF2-40B4-BE49-F238E27FC236}">
+                  <a16:creationId xmlns:a16="http://schemas.microsoft.com/office/drawing/2014/main" id="{CA12398B-0B19-0986-162A-1B7790C89FC2}"/>
+                </a:ext>
+              </a:extLst>
+            </p:cNvPr>
+            <p:cNvSpPr/>
+            <p:nvPr/>
+          </p:nvSpPr>
+          <p:spPr>
+            <a:xfrm>
+              <a:off x="9180959" y="3835021"/>
+              <a:ext cx="2183642" cy="1341481"/>
+            </a:xfrm>
+            <a:prstGeom prst="rect">
+              <a:avLst/>
+            </a:prstGeom>
+            <a:noFill/>
+            <a:ln w="28575">
+              <a:solidFill>
+                <a:schemeClr val="tx1"/>
+              </a:solidFill>
+            </a:ln>
+          </p:spPr>
+          <p:style>
+            <a:lnRef idx="2">
+              <a:schemeClr val="accent1">
+                <a:shade val="50000"/>
+              </a:schemeClr>
+            </a:lnRef>
+            <a:fillRef idx="1">
+              <a:schemeClr val="accent1"/>
+            </a:fillRef>
+            <a:effectRef idx="0">
+              <a:schemeClr val="accent1"/>
+            </a:effectRef>
+            <a:fontRef idx="minor">
+              <a:schemeClr val="lt1"/>
+            </a:fontRef>
+          </p:style>
+          <p:txBody>
+            <a:bodyPr rtlCol="0" anchor="t"/>
+            <a:lstStyle/>
+            <a:p>
+              <a:pPr algn="l"/>
+              <a:endParaRPr lang="en-US" sz="2400" b="0" dirty="0">
+                <a:solidFill>
+                  <a:schemeClr val="tx1"/>
+                </a:solidFill>
+                <a:latin typeface="Avenir Black"/>
+              </a:endParaRPr>
+            </a:p>
+          </p:txBody>
+        </p:sp>
+      </p:grpSp>
+      <p:grpSp>
+        <p:nvGrpSpPr>
+          <p:cNvPr id="71" name="Group 70">
+            <a:extLst>
+              <a:ext uri="{FF2B5EF4-FFF2-40B4-BE49-F238E27FC236}">
+                <a16:creationId xmlns:a16="http://schemas.microsoft.com/office/drawing/2014/main" id="{9DB62862-BF6C-52E2-91BE-26E36DCC783F}"/>
+              </a:ext>
+            </a:extLst>
+          </p:cNvPr>
+          <p:cNvGrpSpPr/>
+          <p:nvPr/>
+        </p:nvGrpSpPr>
+        <p:grpSpPr>
+          <a:xfrm>
+            <a:off x="1245893" y="3445419"/>
+            <a:ext cx="7441393" cy="3642998"/>
+            <a:chOff x="1245893" y="3445419"/>
+            <a:chExt cx="7441393" cy="3642998"/>
+          </a:xfrm>
+        </p:grpSpPr>
+        <p:grpSp>
+          <p:nvGrpSpPr>
+            <p:cNvPr id="35" name="Group 34">
+              <a:extLst>
+                <a:ext uri="{FF2B5EF4-FFF2-40B4-BE49-F238E27FC236}">
+                  <a16:creationId xmlns:a16="http://schemas.microsoft.com/office/drawing/2014/main" id="{E96E776C-D101-FB05-1A6E-FBE212C7D360}"/>
+                </a:ext>
+              </a:extLst>
+            </p:cNvPr>
+            <p:cNvGrpSpPr/>
+            <p:nvPr/>
+          </p:nvGrpSpPr>
+          <p:grpSpPr>
+            <a:xfrm>
+              <a:off x="1245893" y="3445419"/>
+              <a:ext cx="2183642" cy="1731083"/>
+              <a:chOff x="1245893" y="3445419"/>
+              <a:chExt cx="2183642" cy="1731083"/>
+            </a:xfrm>
+          </p:grpSpPr>
+          <p:sp>
+            <p:nvSpPr>
+              <p:cNvPr id="21" name="TextBox 20">
+                <a:extLst>
+                  <a:ext uri="{FF2B5EF4-FFF2-40B4-BE49-F238E27FC236}">
+                    <a16:creationId xmlns:a16="http://schemas.microsoft.com/office/drawing/2014/main" id="{54A48114-823E-62AA-CE94-8AE65D178B6B}"/>
+                  </a:ext>
+                </a:extLst>
+              </p:cNvPr>
+              <p:cNvSpPr txBox="1"/>
+              <p:nvPr/>
+            </p:nvSpPr>
+            <p:spPr>
+              <a:xfrm>
+                <a:off x="1257271" y="3445419"/>
+                <a:ext cx="1103187" cy="562787"/>
+              </a:xfrm>
+              <a:prstGeom prst="rect">
+                <a:avLst/>
+              </a:prstGeom>
+              <a:noFill/>
+            </p:spPr>
+            <p:txBody>
+              <a:bodyPr wrap="none" rtlCol="0">
+                <a:spAutoFit/>
+              </a:bodyPr>
+              <a:lstStyle/>
+              <a:p>
+                <a:r>
+                  <a:rPr lang="en-US" sz="2000" b="0" dirty="0">
+                    <a:latin typeface="Avenir Black"/>
+                  </a:rPr>
+                  <a:t>Executor</a:t>
+                </a:r>
+              </a:p>
+            </p:txBody>
+          </p:sp>
+          <p:sp>
+            <p:nvSpPr>
+              <p:cNvPr id="20" name="Rectangle 19">
+                <a:extLst>
+                  <a:ext uri="{FF2B5EF4-FFF2-40B4-BE49-F238E27FC236}">
+                    <a16:creationId xmlns:a16="http://schemas.microsoft.com/office/drawing/2014/main" id="{093F8B17-1EDE-EF6A-A612-9FFA13DF2114}"/>
+                  </a:ext>
+                </a:extLst>
+              </p:cNvPr>
+              <p:cNvSpPr/>
+              <p:nvPr/>
+            </p:nvSpPr>
+            <p:spPr>
+              <a:xfrm>
+                <a:off x="1245893" y="3835021"/>
+                <a:ext cx="2183642" cy="1341481"/>
+              </a:xfrm>
+              <a:prstGeom prst="rect">
+                <a:avLst/>
+              </a:prstGeom>
+              <a:noFill/>
+              <a:ln w="28575">
+                <a:solidFill>
+                  <a:schemeClr val="tx1"/>
+                </a:solidFill>
+              </a:ln>
+            </p:spPr>
+            <p:style>
+              <a:lnRef idx="2">
+                <a:schemeClr val="accent1">
+                  <a:shade val="50000"/>
+                </a:schemeClr>
+              </a:lnRef>
+              <a:fillRef idx="1">
+                <a:schemeClr val="accent1"/>
+              </a:fillRef>
+              <a:effectRef idx="0">
+                <a:schemeClr val="accent1"/>
+              </a:effectRef>
+              <a:fontRef idx="minor">
+                <a:schemeClr val="lt1"/>
+              </a:fontRef>
+            </p:style>
+            <p:txBody>
+              <a:bodyPr rtlCol="0" anchor="t"/>
+              <a:lstStyle/>
+              <a:p>
+                <a:pPr algn="l"/>
+                <a:endParaRPr lang="en-US" sz="2400" b="0" dirty="0">
+                  <a:solidFill>
+                    <a:schemeClr val="tx1"/>
+                  </a:solidFill>
+                  <a:latin typeface="Avenir Black"/>
+                </a:endParaRPr>
+              </a:p>
+            </p:txBody>
+          </p:sp>
+          <p:sp>
+            <p:nvSpPr>
+              <p:cNvPr id="29" name="TextBox 28">
+                <a:extLst>
+                  <a:ext uri="{FF2B5EF4-FFF2-40B4-BE49-F238E27FC236}">
+                    <a16:creationId xmlns:a16="http://schemas.microsoft.com/office/drawing/2014/main" id="{3A4BBC37-2E59-A9BB-E0FA-A6B8839F2672}"/>
+                  </a:ext>
+                </a:extLst>
+              </p:cNvPr>
+              <p:cNvSpPr txBox="1"/>
+              <p:nvPr/>
+            </p:nvSpPr>
+            <p:spPr>
+              <a:xfrm>
+                <a:off x="1383362" y="3840606"/>
+                <a:ext cx="673582" cy="400110"/>
+              </a:xfrm>
+              <a:prstGeom prst="rect">
+                <a:avLst/>
+              </a:prstGeom>
+              <a:noFill/>
+            </p:spPr>
+            <p:txBody>
+              <a:bodyPr wrap="none" rtlCol="0">
+                <a:spAutoFit/>
+              </a:bodyPr>
+              <a:lstStyle/>
+              <a:p>
+                <a:r>
+                  <a:rPr lang="en-US" sz="2000" b="0" dirty="0">
+                    <a:latin typeface="Avenir Black"/>
+                  </a:rPr>
+                  <a:t>Core</a:t>
+                </a:r>
+              </a:p>
+            </p:txBody>
+          </p:sp>
+          <p:sp>
+            <p:nvSpPr>
+              <p:cNvPr id="30" name="Rectangle 29">
+                <a:extLst>
+                  <a:ext uri="{FF2B5EF4-FFF2-40B4-BE49-F238E27FC236}">
+                    <a16:creationId xmlns:a16="http://schemas.microsoft.com/office/drawing/2014/main" id="{BC095773-B8AB-4287-CE81-639BC2A07468}"/>
+                  </a:ext>
+                </a:extLst>
+              </p:cNvPr>
+              <p:cNvSpPr/>
+              <p:nvPr/>
+            </p:nvSpPr>
+            <p:spPr>
+              <a:xfrm>
+                <a:off x="2755764" y="4240716"/>
+                <a:ext cx="510197" cy="692949"/>
+              </a:xfrm>
+              <a:prstGeom prst="rect">
+                <a:avLst/>
+              </a:prstGeom>
+              <a:noFill/>
+              <a:ln w="28575">
+                <a:solidFill>
+                  <a:schemeClr val="tx1"/>
+                </a:solidFill>
+              </a:ln>
+            </p:spPr>
+            <p:style>
+              <a:lnRef idx="2">
+                <a:schemeClr val="accent1">
+                  <a:shade val="50000"/>
+                </a:schemeClr>
+              </a:lnRef>
+              <a:fillRef idx="1">
+                <a:schemeClr val="accent1"/>
+              </a:fillRef>
+              <a:effectRef idx="0">
+                <a:schemeClr val="accent1"/>
+              </a:effectRef>
+              <a:fontRef idx="minor">
+                <a:schemeClr val="lt1"/>
+              </a:fontRef>
+            </p:style>
+            <p:txBody>
+              <a:bodyPr rtlCol="0" anchor="t"/>
+              <a:lstStyle/>
+              <a:p>
+                <a:pPr algn="l"/>
+                <a:endParaRPr lang="en-US" sz="2400" b="0" dirty="0">
+                  <a:solidFill>
+                    <a:schemeClr val="tx1"/>
+                  </a:solidFill>
+                  <a:latin typeface="Avenir Black"/>
+                </a:endParaRPr>
+              </a:p>
+            </p:txBody>
+          </p:sp>
+          <p:sp>
+            <p:nvSpPr>
+              <p:cNvPr id="31" name="Rectangle 30">
+                <a:extLst>
+                  <a:ext uri="{FF2B5EF4-FFF2-40B4-BE49-F238E27FC236}">
+                    <a16:creationId xmlns:a16="http://schemas.microsoft.com/office/drawing/2014/main" id="{CC2744D0-01AE-D10F-499E-195548A67F0B}"/>
+                  </a:ext>
+                </a:extLst>
+              </p:cNvPr>
+              <p:cNvSpPr/>
+              <p:nvPr/>
+            </p:nvSpPr>
+            <p:spPr>
+              <a:xfrm>
+                <a:off x="1493176" y="4240716"/>
+                <a:ext cx="510197" cy="692949"/>
+              </a:xfrm>
+              <a:prstGeom prst="rect">
+                <a:avLst/>
+              </a:prstGeom>
+              <a:noFill/>
+              <a:ln w="28575">
+                <a:solidFill>
+                  <a:schemeClr val="tx1"/>
+                </a:solidFill>
+              </a:ln>
+            </p:spPr>
+            <p:style>
+              <a:lnRef idx="2">
+                <a:schemeClr val="accent1">
+                  <a:shade val="50000"/>
+                </a:schemeClr>
+              </a:lnRef>
+              <a:fillRef idx="1">
+                <a:schemeClr val="accent1"/>
+              </a:fillRef>
+              <a:effectRef idx="0">
+                <a:schemeClr val="accent1"/>
+              </a:effectRef>
+              <a:fontRef idx="minor">
+                <a:schemeClr val="lt1"/>
+              </a:fontRef>
+            </p:style>
+            <p:txBody>
+              <a:bodyPr rtlCol="0" anchor="t"/>
+              <a:lstStyle/>
+              <a:p>
+                <a:pPr algn="l"/>
+                <a:endParaRPr lang="en-US" sz="2400" b="0" dirty="0">
+                  <a:solidFill>
+                    <a:schemeClr val="tx1"/>
+                  </a:solidFill>
+                  <a:latin typeface="Avenir Black"/>
+                </a:endParaRPr>
+              </a:p>
+            </p:txBody>
+          </p:sp>
+          <p:sp>
+            <p:nvSpPr>
+              <p:cNvPr id="32" name="Rectangle 31">
+                <a:extLst>
+                  <a:ext uri="{FF2B5EF4-FFF2-40B4-BE49-F238E27FC236}">
+                    <a16:creationId xmlns:a16="http://schemas.microsoft.com/office/drawing/2014/main" id="{ED9AE3FE-DD3F-5220-A9D6-FFA5D04EA92D}"/>
+                  </a:ext>
+                </a:extLst>
+              </p:cNvPr>
+              <p:cNvSpPr/>
+              <p:nvPr/>
+            </p:nvSpPr>
+            <p:spPr>
+              <a:xfrm>
+                <a:off x="2124470" y="4240716"/>
+                <a:ext cx="510197" cy="692949"/>
+              </a:xfrm>
+              <a:prstGeom prst="rect">
+                <a:avLst/>
+              </a:prstGeom>
+              <a:noFill/>
+              <a:ln w="28575">
+                <a:solidFill>
+                  <a:schemeClr val="tx1"/>
+                </a:solidFill>
+              </a:ln>
+            </p:spPr>
+            <p:style>
+              <a:lnRef idx="2">
+                <a:schemeClr val="accent1">
+                  <a:shade val="50000"/>
+                </a:schemeClr>
+              </a:lnRef>
+              <a:fillRef idx="1">
+                <a:schemeClr val="accent1"/>
+              </a:fillRef>
+              <a:effectRef idx="0">
+                <a:schemeClr val="accent1"/>
+              </a:effectRef>
+              <a:fontRef idx="minor">
+                <a:schemeClr val="lt1"/>
+              </a:fontRef>
+            </p:style>
+            <p:txBody>
+              <a:bodyPr rtlCol="0" anchor="t"/>
+              <a:lstStyle/>
+              <a:p>
+                <a:pPr algn="l"/>
+                <a:endParaRPr lang="en-US" sz="2400" b="0" dirty="0">
+                  <a:solidFill>
+                    <a:schemeClr val="tx1"/>
+                  </a:solidFill>
+                  <a:latin typeface="Avenir Black"/>
+                </a:endParaRPr>
+              </a:p>
+            </p:txBody>
+          </p:sp>
+        </p:grpSp>
+        <p:grpSp>
+          <p:nvGrpSpPr>
+            <p:cNvPr id="36" name="Group 35">
+              <a:extLst>
+                <a:ext uri="{FF2B5EF4-FFF2-40B4-BE49-F238E27FC236}">
+                  <a16:creationId xmlns:a16="http://schemas.microsoft.com/office/drawing/2014/main" id="{640711EA-2E6A-0A93-748D-B1D8514380DA}"/>
+                </a:ext>
+              </a:extLst>
+            </p:cNvPr>
+            <p:cNvGrpSpPr/>
+            <p:nvPr/>
+          </p:nvGrpSpPr>
+          <p:grpSpPr>
+            <a:xfrm>
+              <a:off x="1245893" y="5357334"/>
+              <a:ext cx="2183642" cy="1731083"/>
+              <a:chOff x="1245893" y="3445419"/>
+              <a:chExt cx="2183642" cy="1731083"/>
+            </a:xfrm>
+          </p:grpSpPr>
+          <p:sp>
+            <p:nvSpPr>
+              <p:cNvPr id="37" name="TextBox 36">
+                <a:extLst>
+                  <a:ext uri="{FF2B5EF4-FFF2-40B4-BE49-F238E27FC236}">
+                    <a16:creationId xmlns:a16="http://schemas.microsoft.com/office/drawing/2014/main" id="{F33EE8CF-925E-CD90-5A7C-FC3C2DB203F0}"/>
+                  </a:ext>
+                </a:extLst>
+              </p:cNvPr>
+              <p:cNvSpPr txBox="1"/>
+              <p:nvPr/>
+            </p:nvSpPr>
+            <p:spPr>
+              <a:xfrm>
+                <a:off x="1257271" y="3445419"/>
+                <a:ext cx="1103187" cy="562787"/>
+              </a:xfrm>
+              <a:prstGeom prst="rect">
+                <a:avLst/>
+              </a:prstGeom>
+              <a:noFill/>
+            </p:spPr>
+            <p:txBody>
+              <a:bodyPr wrap="none" rtlCol="0">
+                <a:spAutoFit/>
+              </a:bodyPr>
+              <a:lstStyle/>
+              <a:p>
+                <a:r>
+                  <a:rPr lang="en-US" sz="2000" b="0" dirty="0">
+                    <a:latin typeface="Avenir Black"/>
+                  </a:rPr>
+                  <a:t>Executor</a:t>
+                </a:r>
+              </a:p>
+            </p:txBody>
+          </p:sp>
+          <p:sp>
+            <p:nvSpPr>
+              <p:cNvPr id="38" name="Rectangle 37">
+                <a:extLst>
+                  <a:ext uri="{FF2B5EF4-FFF2-40B4-BE49-F238E27FC236}">
+                    <a16:creationId xmlns:a16="http://schemas.microsoft.com/office/drawing/2014/main" id="{58740253-C06E-DD49-6D35-195D5E58A5F6}"/>
+                  </a:ext>
+                </a:extLst>
+              </p:cNvPr>
+              <p:cNvSpPr/>
+              <p:nvPr/>
+            </p:nvSpPr>
+            <p:spPr>
+              <a:xfrm>
+                <a:off x="1245893" y="3835021"/>
+                <a:ext cx="2183642" cy="1341481"/>
+              </a:xfrm>
+              <a:prstGeom prst="rect">
+                <a:avLst/>
+              </a:prstGeom>
+              <a:noFill/>
+              <a:ln w="28575">
+                <a:solidFill>
+                  <a:schemeClr val="tx1"/>
+                </a:solidFill>
+              </a:ln>
+            </p:spPr>
+            <p:style>
+              <a:lnRef idx="2">
+                <a:schemeClr val="accent1">
+                  <a:shade val="50000"/>
+                </a:schemeClr>
+              </a:lnRef>
+              <a:fillRef idx="1">
+                <a:schemeClr val="accent1"/>
+              </a:fillRef>
+              <a:effectRef idx="0">
+                <a:schemeClr val="accent1"/>
+              </a:effectRef>
+              <a:fontRef idx="minor">
+                <a:schemeClr val="lt1"/>
+              </a:fontRef>
+            </p:style>
+            <p:txBody>
+              <a:bodyPr rtlCol="0" anchor="t"/>
+              <a:lstStyle/>
+              <a:p>
+                <a:pPr algn="l"/>
+                <a:endParaRPr lang="en-US" sz="2400" b="0" dirty="0">
+                  <a:solidFill>
+                    <a:schemeClr val="tx1"/>
+                  </a:solidFill>
+                  <a:latin typeface="Avenir Black"/>
+                </a:endParaRPr>
+              </a:p>
+            </p:txBody>
+          </p:sp>
+          <p:sp>
+            <p:nvSpPr>
+              <p:cNvPr id="39" name="TextBox 38">
+                <a:extLst>
+                  <a:ext uri="{FF2B5EF4-FFF2-40B4-BE49-F238E27FC236}">
+                    <a16:creationId xmlns:a16="http://schemas.microsoft.com/office/drawing/2014/main" id="{6CBE9F30-33FD-A828-CDCF-F5F22222AABC}"/>
+                  </a:ext>
+                </a:extLst>
+              </p:cNvPr>
+              <p:cNvSpPr txBox="1"/>
+              <p:nvPr/>
+            </p:nvSpPr>
+            <p:spPr>
+              <a:xfrm>
+                <a:off x="1383362" y="3840606"/>
+                <a:ext cx="673582" cy="400110"/>
+              </a:xfrm>
+              <a:prstGeom prst="rect">
+                <a:avLst/>
+              </a:prstGeom>
+              <a:noFill/>
+            </p:spPr>
+            <p:txBody>
+              <a:bodyPr wrap="none" rtlCol="0">
+                <a:spAutoFit/>
+              </a:bodyPr>
+              <a:lstStyle/>
+              <a:p>
+                <a:r>
+                  <a:rPr lang="en-US" sz="2000" b="0" dirty="0">
+                    <a:latin typeface="Avenir Black"/>
+                  </a:rPr>
+                  <a:t>Core</a:t>
+                </a:r>
+              </a:p>
+            </p:txBody>
+          </p:sp>
+          <p:sp>
+            <p:nvSpPr>
+              <p:cNvPr id="40" name="Rectangle 39">
+                <a:extLst>
+                  <a:ext uri="{FF2B5EF4-FFF2-40B4-BE49-F238E27FC236}">
+                    <a16:creationId xmlns:a16="http://schemas.microsoft.com/office/drawing/2014/main" id="{04A4845D-27B7-B436-33C3-36D61524C9AB}"/>
+                  </a:ext>
+                </a:extLst>
+              </p:cNvPr>
+              <p:cNvSpPr/>
+              <p:nvPr/>
+            </p:nvSpPr>
+            <p:spPr>
+              <a:xfrm>
+                <a:off x="2755764" y="4240716"/>
+                <a:ext cx="510197" cy="692949"/>
+              </a:xfrm>
+              <a:prstGeom prst="rect">
+                <a:avLst/>
+              </a:prstGeom>
+              <a:noFill/>
+              <a:ln w="28575">
+                <a:solidFill>
+                  <a:schemeClr val="tx1"/>
+                </a:solidFill>
+              </a:ln>
+            </p:spPr>
+            <p:style>
+              <a:lnRef idx="2">
+                <a:schemeClr val="accent1">
+                  <a:shade val="50000"/>
+                </a:schemeClr>
+              </a:lnRef>
+              <a:fillRef idx="1">
+                <a:schemeClr val="accent1"/>
+              </a:fillRef>
+              <a:effectRef idx="0">
+                <a:schemeClr val="accent1"/>
+              </a:effectRef>
+              <a:fontRef idx="minor">
+                <a:schemeClr val="lt1"/>
+              </a:fontRef>
+            </p:style>
+            <p:txBody>
+              <a:bodyPr rtlCol="0" anchor="t"/>
+              <a:lstStyle/>
+              <a:p>
+                <a:pPr algn="l"/>
+                <a:endParaRPr lang="en-US" sz="2400" b="0" dirty="0">
+                  <a:solidFill>
+                    <a:schemeClr val="tx1"/>
+                  </a:solidFill>
+                  <a:latin typeface="Avenir Black"/>
+                </a:endParaRPr>
+              </a:p>
+            </p:txBody>
+          </p:sp>
+          <p:sp>
+            <p:nvSpPr>
+              <p:cNvPr id="41" name="Rectangle 40">
+                <a:extLst>
+                  <a:ext uri="{FF2B5EF4-FFF2-40B4-BE49-F238E27FC236}">
+                    <a16:creationId xmlns:a16="http://schemas.microsoft.com/office/drawing/2014/main" id="{C3B20979-DC1C-1EAE-5536-5E635A696E42}"/>
+                  </a:ext>
+                </a:extLst>
+              </p:cNvPr>
+              <p:cNvSpPr/>
+              <p:nvPr/>
+            </p:nvSpPr>
+            <p:spPr>
+              <a:xfrm>
+                <a:off x="1493176" y="4240716"/>
+                <a:ext cx="510197" cy="692949"/>
+              </a:xfrm>
+              <a:prstGeom prst="rect">
+                <a:avLst/>
+              </a:prstGeom>
+              <a:noFill/>
+              <a:ln w="28575">
+                <a:solidFill>
+                  <a:schemeClr val="tx1"/>
+                </a:solidFill>
+              </a:ln>
+            </p:spPr>
+            <p:style>
+              <a:lnRef idx="2">
+                <a:schemeClr val="accent1">
+                  <a:shade val="50000"/>
+                </a:schemeClr>
+              </a:lnRef>
+              <a:fillRef idx="1">
+                <a:schemeClr val="accent1"/>
+              </a:fillRef>
+              <a:effectRef idx="0">
+                <a:schemeClr val="accent1"/>
+              </a:effectRef>
+              <a:fontRef idx="minor">
+                <a:schemeClr val="lt1"/>
+              </a:fontRef>
+            </p:style>
+            <p:txBody>
+              <a:bodyPr rtlCol="0" anchor="t"/>
+              <a:lstStyle/>
+              <a:p>
+                <a:pPr algn="l"/>
+                <a:endParaRPr lang="en-US" sz="2400" b="0" dirty="0">
+                  <a:solidFill>
+                    <a:schemeClr val="tx1"/>
+                  </a:solidFill>
+                  <a:latin typeface="Avenir Black"/>
+                </a:endParaRPr>
+              </a:p>
+            </p:txBody>
+          </p:sp>
+          <p:sp>
+            <p:nvSpPr>
+              <p:cNvPr id="42" name="Rectangle 41">
+                <a:extLst>
+                  <a:ext uri="{FF2B5EF4-FFF2-40B4-BE49-F238E27FC236}">
+                    <a16:creationId xmlns:a16="http://schemas.microsoft.com/office/drawing/2014/main" id="{93CCBF8D-8453-2B38-64B3-EBEEA89CD45D}"/>
+                  </a:ext>
+                </a:extLst>
+              </p:cNvPr>
+              <p:cNvSpPr/>
+              <p:nvPr/>
+            </p:nvSpPr>
+            <p:spPr>
+              <a:xfrm>
+                <a:off x="2124470" y="4240716"/>
+                <a:ext cx="510197" cy="692949"/>
+              </a:xfrm>
+              <a:prstGeom prst="rect">
+                <a:avLst/>
+              </a:prstGeom>
+              <a:noFill/>
+              <a:ln w="28575">
+                <a:solidFill>
+                  <a:schemeClr val="tx1"/>
+                </a:solidFill>
+              </a:ln>
+            </p:spPr>
+            <p:style>
+              <a:lnRef idx="2">
+                <a:schemeClr val="accent1">
+                  <a:shade val="50000"/>
+                </a:schemeClr>
+              </a:lnRef>
+              <a:fillRef idx="1">
+                <a:schemeClr val="accent1"/>
+              </a:fillRef>
+              <a:effectRef idx="0">
+                <a:schemeClr val="accent1"/>
+              </a:effectRef>
+              <a:fontRef idx="minor">
+                <a:schemeClr val="lt1"/>
+              </a:fontRef>
+            </p:style>
+            <p:txBody>
+              <a:bodyPr rtlCol="0" anchor="t"/>
+              <a:lstStyle/>
+              <a:p>
+                <a:pPr algn="l"/>
+                <a:endParaRPr lang="en-US" sz="2400" b="0" dirty="0">
+                  <a:solidFill>
+                    <a:schemeClr val="tx1"/>
+                  </a:solidFill>
+                  <a:latin typeface="Avenir Black"/>
+                </a:endParaRPr>
+              </a:p>
+            </p:txBody>
+          </p:sp>
+        </p:grpSp>
+        <p:grpSp>
+          <p:nvGrpSpPr>
+            <p:cNvPr id="43" name="Group 42">
+              <a:extLst>
+                <a:ext uri="{FF2B5EF4-FFF2-40B4-BE49-F238E27FC236}">
+                  <a16:creationId xmlns:a16="http://schemas.microsoft.com/office/drawing/2014/main" id="{7A5971E7-B925-C6C7-F880-35815E1D678E}"/>
+                </a:ext>
+              </a:extLst>
+            </p:cNvPr>
+            <p:cNvGrpSpPr/>
+            <p:nvPr/>
+          </p:nvGrpSpPr>
+          <p:grpSpPr>
+            <a:xfrm>
+              <a:off x="3890891" y="3445419"/>
+              <a:ext cx="2183642" cy="1731083"/>
+              <a:chOff x="1245893" y="3445419"/>
+              <a:chExt cx="2183642" cy="1731083"/>
+            </a:xfrm>
+          </p:grpSpPr>
+          <p:sp>
+            <p:nvSpPr>
+              <p:cNvPr id="44" name="TextBox 43">
+                <a:extLst>
+                  <a:ext uri="{FF2B5EF4-FFF2-40B4-BE49-F238E27FC236}">
+                    <a16:creationId xmlns:a16="http://schemas.microsoft.com/office/drawing/2014/main" id="{208B6980-0A6A-2B86-E84B-0682C51B116C}"/>
+                  </a:ext>
+                </a:extLst>
+              </p:cNvPr>
+              <p:cNvSpPr txBox="1"/>
+              <p:nvPr/>
+            </p:nvSpPr>
+            <p:spPr>
+              <a:xfrm>
+                <a:off x="1257271" y="3445419"/>
+                <a:ext cx="1103187" cy="562787"/>
+              </a:xfrm>
+              <a:prstGeom prst="rect">
+                <a:avLst/>
+              </a:prstGeom>
+              <a:noFill/>
+            </p:spPr>
+            <p:txBody>
+              <a:bodyPr wrap="none" rtlCol="0">
+                <a:spAutoFit/>
+              </a:bodyPr>
+              <a:lstStyle/>
+              <a:p>
+                <a:r>
+                  <a:rPr lang="en-US" sz="2000" b="0" dirty="0">
+                    <a:latin typeface="Avenir Black"/>
+                  </a:rPr>
+                  <a:t>Executor</a:t>
+                </a:r>
+              </a:p>
+            </p:txBody>
+          </p:sp>
+          <p:sp>
+            <p:nvSpPr>
+              <p:cNvPr id="45" name="Rectangle 44">
+                <a:extLst>
+                  <a:ext uri="{FF2B5EF4-FFF2-40B4-BE49-F238E27FC236}">
+                    <a16:creationId xmlns:a16="http://schemas.microsoft.com/office/drawing/2014/main" id="{C31AA61D-9621-BE91-2522-7486C0825969}"/>
+                  </a:ext>
+                </a:extLst>
+              </p:cNvPr>
+              <p:cNvSpPr/>
+              <p:nvPr/>
+            </p:nvSpPr>
+            <p:spPr>
+              <a:xfrm>
+                <a:off x="1245893" y="3835021"/>
+                <a:ext cx="2183642" cy="1341481"/>
+              </a:xfrm>
+              <a:prstGeom prst="rect">
+                <a:avLst/>
+              </a:prstGeom>
+              <a:noFill/>
+              <a:ln w="28575">
+                <a:solidFill>
+                  <a:schemeClr val="tx1"/>
+                </a:solidFill>
+              </a:ln>
+            </p:spPr>
+            <p:style>
+              <a:lnRef idx="2">
+                <a:schemeClr val="accent1">
+                  <a:shade val="50000"/>
+                </a:schemeClr>
+              </a:lnRef>
+              <a:fillRef idx="1">
+                <a:schemeClr val="accent1"/>
+              </a:fillRef>
+              <a:effectRef idx="0">
+                <a:schemeClr val="accent1"/>
+              </a:effectRef>
+              <a:fontRef idx="minor">
+                <a:schemeClr val="lt1"/>
+              </a:fontRef>
+            </p:style>
+            <p:txBody>
+              <a:bodyPr rtlCol="0" anchor="t"/>
+              <a:lstStyle/>
+              <a:p>
+                <a:pPr algn="l"/>
+                <a:endParaRPr lang="en-US" sz="2400" b="0" dirty="0">
+                  <a:solidFill>
+                    <a:schemeClr val="tx1"/>
+                  </a:solidFill>
+                  <a:latin typeface="Avenir Black"/>
+                </a:endParaRPr>
+              </a:p>
+            </p:txBody>
+          </p:sp>
+          <p:sp>
+            <p:nvSpPr>
+              <p:cNvPr id="46" name="TextBox 45">
+                <a:extLst>
+                  <a:ext uri="{FF2B5EF4-FFF2-40B4-BE49-F238E27FC236}">
+                    <a16:creationId xmlns:a16="http://schemas.microsoft.com/office/drawing/2014/main" id="{171A0EA8-CF46-C398-69A0-E7FB1E7966B2}"/>
+                  </a:ext>
+                </a:extLst>
+              </p:cNvPr>
+              <p:cNvSpPr txBox="1"/>
+              <p:nvPr/>
+            </p:nvSpPr>
+            <p:spPr>
+              <a:xfrm>
+                <a:off x="1383362" y="3840606"/>
+                <a:ext cx="673582" cy="400110"/>
+              </a:xfrm>
+              <a:prstGeom prst="rect">
+                <a:avLst/>
+              </a:prstGeom>
+              <a:noFill/>
+            </p:spPr>
+            <p:txBody>
+              <a:bodyPr wrap="none" rtlCol="0">
+                <a:spAutoFit/>
+              </a:bodyPr>
+              <a:lstStyle/>
+              <a:p>
+                <a:r>
+                  <a:rPr lang="en-US" sz="2000" b="0" dirty="0">
+                    <a:latin typeface="Avenir Black"/>
+                  </a:rPr>
+                  <a:t>Core</a:t>
+                </a:r>
+              </a:p>
+            </p:txBody>
+          </p:sp>
+          <p:sp>
+            <p:nvSpPr>
+              <p:cNvPr id="47" name="Rectangle 46">
+                <a:extLst>
+                  <a:ext uri="{FF2B5EF4-FFF2-40B4-BE49-F238E27FC236}">
+                    <a16:creationId xmlns:a16="http://schemas.microsoft.com/office/drawing/2014/main" id="{3D70768C-C0FB-6264-438D-5AA8FBBADF31}"/>
+                  </a:ext>
+                </a:extLst>
+              </p:cNvPr>
+              <p:cNvSpPr/>
+              <p:nvPr/>
+            </p:nvSpPr>
+            <p:spPr>
+              <a:xfrm>
+                <a:off x="2755764" y="4240716"/>
+                <a:ext cx="510197" cy="692949"/>
+              </a:xfrm>
+              <a:prstGeom prst="rect">
+                <a:avLst/>
+              </a:prstGeom>
+              <a:noFill/>
+              <a:ln w="28575">
+                <a:solidFill>
+                  <a:schemeClr val="tx1"/>
+                </a:solidFill>
+              </a:ln>
+            </p:spPr>
+            <p:style>
+              <a:lnRef idx="2">
+                <a:schemeClr val="accent1">
+                  <a:shade val="50000"/>
+                </a:schemeClr>
+              </a:lnRef>
+              <a:fillRef idx="1">
+                <a:schemeClr val="accent1"/>
+              </a:fillRef>
+              <a:effectRef idx="0">
+                <a:schemeClr val="accent1"/>
+              </a:effectRef>
+              <a:fontRef idx="minor">
+                <a:schemeClr val="lt1"/>
+              </a:fontRef>
+            </p:style>
+            <p:txBody>
+              <a:bodyPr rtlCol="0" anchor="t"/>
+              <a:lstStyle/>
+              <a:p>
+                <a:pPr algn="l"/>
+                <a:endParaRPr lang="en-US" sz="2400" b="0" dirty="0">
+                  <a:solidFill>
+                    <a:schemeClr val="tx1"/>
+                  </a:solidFill>
+                  <a:latin typeface="Avenir Black"/>
+                </a:endParaRPr>
+              </a:p>
+            </p:txBody>
+          </p:sp>
+          <p:sp>
+            <p:nvSpPr>
+              <p:cNvPr id="48" name="Rectangle 47">
+                <a:extLst>
+                  <a:ext uri="{FF2B5EF4-FFF2-40B4-BE49-F238E27FC236}">
+                    <a16:creationId xmlns:a16="http://schemas.microsoft.com/office/drawing/2014/main" id="{2EFBB5FD-A848-09BD-7B02-918013BB873B}"/>
+                  </a:ext>
+                </a:extLst>
+              </p:cNvPr>
+              <p:cNvSpPr/>
+              <p:nvPr/>
+            </p:nvSpPr>
+            <p:spPr>
+              <a:xfrm>
+                <a:off x="1493176" y="4240716"/>
+                <a:ext cx="510197" cy="692949"/>
+              </a:xfrm>
+              <a:prstGeom prst="rect">
+                <a:avLst/>
+              </a:prstGeom>
+              <a:noFill/>
+              <a:ln w="28575">
+                <a:solidFill>
+                  <a:schemeClr val="tx1"/>
+                </a:solidFill>
+              </a:ln>
+            </p:spPr>
+            <p:style>
+              <a:lnRef idx="2">
+                <a:schemeClr val="accent1">
+                  <a:shade val="50000"/>
+                </a:schemeClr>
+              </a:lnRef>
+              <a:fillRef idx="1">
+                <a:schemeClr val="accent1"/>
+              </a:fillRef>
+              <a:effectRef idx="0">
+                <a:schemeClr val="accent1"/>
+              </a:effectRef>
+              <a:fontRef idx="minor">
+                <a:schemeClr val="lt1"/>
+              </a:fontRef>
+            </p:style>
+            <p:txBody>
+              <a:bodyPr rtlCol="0" anchor="t"/>
+              <a:lstStyle/>
+              <a:p>
+                <a:pPr algn="l"/>
+                <a:endParaRPr lang="en-US" sz="2400" b="0" dirty="0">
+                  <a:solidFill>
+                    <a:schemeClr val="tx1"/>
+                  </a:solidFill>
+                  <a:latin typeface="Avenir Black"/>
+                </a:endParaRPr>
+              </a:p>
+            </p:txBody>
+          </p:sp>
+          <p:sp>
+            <p:nvSpPr>
+              <p:cNvPr id="49" name="Rectangle 48">
+                <a:extLst>
+                  <a:ext uri="{FF2B5EF4-FFF2-40B4-BE49-F238E27FC236}">
+                    <a16:creationId xmlns:a16="http://schemas.microsoft.com/office/drawing/2014/main" id="{56A86BEA-2AD1-476C-8109-5937D8F16486}"/>
+                  </a:ext>
+                </a:extLst>
+              </p:cNvPr>
+              <p:cNvSpPr/>
+              <p:nvPr/>
+            </p:nvSpPr>
+            <p:spPr>
+              <a:xfrm>
+                <a:off x="2124470" y="4240716"/>
+                <a:ext cx="510197" cy="692949"/>
+              </a:xfrm>
+              <a:prstGeom prst="rect">
+                <a:avLst/>
+              </a:prstGeom>
+              <a:noFill/>
+              <a:ln w="28575">
+                <a:solidFill>
+                  <a:schemeClr val="tx1"/>
+                </a:solidFill>
+              </a:ln>
+            </p:spPr>
+            <p:style>
+              <a:lnRef idx="2">
+                <a:schemeClr val="accent1">
+                  <a:shade val="50000"/>
+                </a:schemeClr>
+              </a:lnRef>
+              <a:fillRef idx="1">
+                <a:schemeClr val="accent1"/>
+              </a:fillRef>
+              <a:effectRef idx="0">
+                <a:schemeClr val="accent1"/>
+              </a:effectRef>
+              <a:fontRef idx="minor">
+                <a:schemeClr val="lt1"/>
+              </a:fontRef>
+            </p:style>
+            <p:txBody>
+              <a:bodyPr rtlCol="0" anchor="t"/>
+              <a:lstStyle/>
+              <a:p>
+                <a:pPr algn="l"/>
+                <a:endParaRPr lang="en-US" sz="2400" b="0" dirty="0">
+                  <a:solidFill>
+                    <a:schemeClr val="tx1"/>
+                  </a:solidFill>
+                  <a:latin typeface="Avenir Black"/>
+                </a:endParaRPr>
+              </a:p>
+            </p:txBody>
+          </p:sp>
+        </p:grpSp>
+        <p:grpSp>
+          <p:nvGrpSpPr>
+            <p:cNvPr id="50" name="Group 49">
+              <a:extLst>
+                <a:ext uri="{FF2B5EF4-FFF2-40B4-BE49-F238E27FC236}">
+                  <a16:creationId xmlns:a16="http://schemas.microsoft.com/office/drawing/2014/main" id="{287FB0EA-DB08-132E-6E32-1F45D2A8EE10}"/>
+                </a:ext>
+              </a:extLst>
+            </p:cNvPr>
+            <p:cNvGrpSpPr/>
+            <p:nvPr/>
+          </p:nvGrpSpPr>
+          <p:grpSpPr>
+            <a:xfrm>
+              <a:off x="3890891" y="5357334"/>
+              <a:ext cx="2183642" cy="1731083"/>
+              <a:chOff x="1245893" y="3445419"/>
+              <a:chExt cx="2183642" cy="1731083"/>
+            </a:xfrm>
+          </p:grpSpPr>
+          <p:sp>
+            <p:nvSpPr>
+              <p:cNvPr id="51" name="TextBox 50">
+                <a:extLst>
+                  <a:ext uri="{FF2B5EF4-FFF2-40B4-BE49-F238E27FC236}">
+                    <a16:creationId xmlns:a16="http://schemas.microsoft.com/office/drawing/2014/main" id="{7D13652A-C633-13C8-6C14-AEE7136E2A11}"/>
+                  </a:ext>
+                </a:extLst>
+              </p:cNvPr>
+              <p:cNvSpPr txBox="1"/>
+              <p:nvPr/>
+            </p:nvSpPr>
+            <p:spPr>
+              <a:xfrm>
+                <a:off x="1257271" y="3445419"/>
+                <a:ext cx="1103187" cy="562787"/>
+              </a:xfrm>
+              <a:prstGeom prst="rect">
+                <a:avLst/>
+              </a:prstGeom>
+              <a:noFill/>
+            </p:spPr>
+            <p:txBody>
+              <a:bodyPr wrap="none" rtlCol="0">
+                <a:spAutoFit/>
+              </a:bodyPr>
+              <a:lstStyle/>
+              <a:p>
+                <a:r>
+                  <a:rPr lang="en-US" sz="2000" b="0" dirty="0">
+                    <a:latin typeface="Avenir Black"/>
+                  </a:rPr>
+                  <a:t>Executor</a:t>
+                </a:r>
+              </a:p>
+            </p:txBody>
+          </p:sp>
+          <p:sp>
+            <p:nvSpPr>
+              <p:cNvPr id="52" name="Rectangle 51">
+                <a:extLst>
+                  <a:ext uri="{FF2B5EF4-FFF2-40B4-BE49-F238E27FC236}">
+                    <a16:creationId xmlns:a16="http://schemas.microsoft.com/office/drawing/2014/main" id="{DDA9256B-02D8-C9EB-E2B5-43C060BB3EAA}"/>
+                  </a:ext>
+                </a:extLst>
+              </p:cNvPr>
+              <p:cNvSpPr/>
+              <p:nvPr/>
+            </p:nvSpPr>
+            <p:spPr>
+              <a:xfrm>
+                <a:off x="1245893" y="3835021"/>
+                <a:ext cx="2183642" cy="1341481"/>
+              </a:xfrm>
+              <a:prstGeom prst="rect">
+                <a:avLst/>
+              </a:prstGeom>
+              <a:noFill/>
+              <a:ln w="28575">
+                <a:solidFill>
+                  <a:schemeClr val="tx1"/>
+                </a:solidFill>
+              </a:ln>
+            </p:spPr>
+            <p:style>
+              <a:lnRef idx="2">
+                <a:schemeClr val="accent1">
+                  <a:shade val="50000"/>
+                </a:schemeClr>
+              </a:lnRef>
+              <a:fillRef idx="1">
+                <a:schemeClr val="accent1"/>
+              </a:fillRef>
+              <a:effectRef idx="0">
+                <a:schemeClr val="accent1"/>
+              </a:effectRef>
+              <a:fontRef idx="minor">
+                <a:schemeClr val="lt1"/>
+              </a:fontRef>
+            </p:style>
+            <p:txBody>
+              <a:bodyPr rtlCol="0" anchor="t"/>
+              <a:lstStyle/>
+              <a:p>
+                <a:pPr algn="l"/>
+                <a:endParaRPr lang="en-US" sz="2400" b="0" dirty="0">
+                  <a:solidFill>
+                    <a:schemeClr val="tx1"/>
+                  </a:solidFill>
+                  <a:latin typeface="Avenir Black"/>
+                </a:endParaRPr>
+              </a:p>
+            </p:txBody>
+          </p:sp>
+          <p:sp>
+            <p:nvSpPr>
+              <p:cNvPr id="53" name="TextBox 52">
+                <a:extLst>
+                  <a:ext uri="{FF2B5EF4-FFF2-40B4-BE49-F238E27FC236}">
+                    <a16:creationId xmlns:a16="http://schemas.microsoft.com/office/drawing/2014/main" id="{D95AC27D-A822-547F-8368-4882A88D0CF3}"/>
+                  </a:ext>
+                </a:extLst>
+              </p:cNvPr>
+              <p:cNvSpPr txBox="1"/>
+              <p:nvPr/>
+            </p:nvSpPr>
+            <p:spPr>
+              <a:xfrm>
+                <a:off x="1383362" y="3840606"/>
+                <a:ext cx="673582" cy="400110"/>
+              </a:xfrm>
+              <a:prstGeom prst="rect">
+                <a:avLst/>
+              </a:prstGeom>
+              <a:noFill/>
+            </p:spPr>
+            <p:txBody>
+              <a:bodyPr wrap="none" rtlCol="0">
+                <a:spAutoFit/>
+              </a:bodyPr>
+              <a:lstStyle/>
+              <a:p>
+                <a:r>
+                  <a:rPr lang="en-US" sz="2000" b="0" dirty="0">
+                    <a:latin typeface="Avenir Black"/>
+                  </a:rPr>
+                  <a:t>Core</a:t>
+                </a:r>
+              </a:p>
+            </p:txBody>
+          </p:sp>
+          <p:sp>
+            <p:nvSpPr>
+              <p:cNvPr id="54" name="Rectangle 53">
+                <a:extLst>
+                  <a:ext uri="{FF2B5EF4-FFF2-40B4-BE49-F238E27FC236}">
+                    <a16:creationId xmlns:a16="http://schemas.microsoft.com/office/drawing/2014/main" id="{7EDC33AC-4852-9073-96A6-57DF8E1F14E1}"/>
+                  </a:ext>
+                </a:extLst>
+              </p:cNvPr>
+              <p:cNvSpPr/>
+              <p:nvPr/>
+            </p:nvSpPr>
+            <p:spPr>
+              <a:xfrm>
+                <a:off x="2755764" y="4240716"/>
+                <a:ext cx="510197" cy="692949"/>
+              </a:xfrm>
+              <a:prstGeom prst="rect">
+                <a:avLst/>
+              </a:prstGeom>
+              <a:noFill/>
+              <a:ln w="28575">
+                <a:solidFill>
+                  <a:schemeClr val="tx1"/>
+                </a:solidFill>
+              </a:ln>
+            </p:spPr>
+            <p:style>
+              <a:lnRef idx="2">
+                <a:schemeClr val="accent1">
+                  <a:shade val="50000"/>
+                </a:schemeClr>
+              </a:lnRef>
+              <a:fillRef idx="1">
+                <a:schemeClr val="accent1"/>
+              </a:fillRef>
+              <a:effectRef idx="0">
+                <a:schemeClr val="accent1"/>
+              </a:effectRef>
+              <a:fontRef idx="minor">
+                <a:schemeClr val="lt1"/>
+              </a:fontRef>
+            </p:style>
+            <p:txBody>
+              <a:bodyPr rtlCol="0" anchor="t"/>
+              <a:lstStyle/>
+              <a:p>
+                <a:pPr algn="l"/>
+                <a:endParaRPr lang="en-US" sz="2400" b="0" dirty="0">
+                  <a:solidFill>
+                    <a:schemeClr val="tx1"/>
+                  </a:solidFill>
+                  <a:latin typeface="Avenir Black"/>
+                </a:endParaRPr>
+              </a:p>
+            </p:txBody>
+          </p:sp>
+          <p:sp>
+            <p:nvSpPr>
+              <p:cNvPr id="55" name="Rectangle 54">
+                <a:extLst>
+                  <a:ext uri="{FF2B5EF4-FFF2-40B4-BE49-F238E27FC236}">
+                    <a16:creationId xmlns:a16="http://schemas.microsoft.com/office/drawing/2014/main" id="{BD399F0B-55E1-7BAC-7461-A856E4AD5A1D}"/>
+                  </a:ext>
+                </a:extLst>
+              </p:cNvPr>
+              <p:cNvSpPr/>
+              <p:nvPr/>
+            </p:nvSpPr>
+            <p:spPr>
+              <a:xfrm>
+                <a:off x="1493176" y="4240716"/>
+                <a:ext cx="510197" cy="692949"/>
+              </a:xfrm>
+              <a:prstGeom prst="rect">
+                <a:avLst/>
+              </a:prstGeom>
+              <a:noFill/>
+              <a:ln w="28575">
+                <a:solidFill>
+                  <a:schemeClr val="tx1"/>
+                </a:solidFill>
+              </a:ln>
+            </p:spPr>
+            <p:style>
+              <a:lnRef idx="2">
+                <a:schemeClr val="accent1">
+                  <a:shade val="50000"/>
+                </a:schemeClr>
+              </a:lnRef>
+              <a:fillRef idx="1">
+                <a:schemeClr val="accent1"/>
+              </a:fillRef>
+              <a:effectRef idx="0">
+                <a:schemeClr val="accent1"/>
+              </a:effectRef>
+              <a:fontRef idx="minor">
+                <a:schemeClr val="lt1"/>
+              </a:fontRef>
+            </p:style>
+            <p:txBody>
+              <a:bodyPr rtlCol="0" anchor="t"/>
+              <a:lstStyle/>
+              <a:p>
+                <a:pPr algn="l"/>
+                <a:endParaRPr lang="en-US" sz="2400" b="0" dirty="0">
+                  <a:solidFill>
+                    <a:schemeClr val="tx1"/>
+                  </a:solidFill>
+                  <a:latin typeface="Avenir Black"/>
+                </a:endParaRPr>
+              </a:p>
+            </p:txBody>
+          </p:sp>
+          <p:sp>
+            <p:nvSpPr>
+              <p:cNvPr id="56" name="Rectangle 55">
+                <a:extLst>
+                  <a:ext uri="{FF2B5EF4-FFF2-40B4-BE49-F238E27FC236}">
+                    <a16:creationId xmlns:a16="http://schemas.microsoft.com/office/drawing/2014/main" id="{69362F87-8CA8-97FD-F435-FFCD317B093C}"/>
+                  </a:ext>
+                </a:extLst>
+              </p:cNvPr>
+              <p:cNvSpPr/>
+              <p:nvPr/>
+            </p:nvSpPr>
+            <p:spPr>
+              <a:xfrm>
+                <a:off x="2124470" y="4240716"/>
+                <a:ext cx="510197" cy="692949"/>
+              </a:xfrm>
+              <a:prstGeom prst="rect">
+                <a:avLst/>
+              </a:prstGeom>
+              <a:noFill/>
+              <a:ln w="28575">
+                <a:solidFill>
+                  <a:schemeClr val="tx1"/>
+                </a:solidFill>
+              </a:ln>
+            </p:spPr>
+            <p:style>
+              <a:lnRef idx="2">
+                <a:schemeClr val="accent1">
+                  <a:shade val="50000"/>
+                </a:schemeClr>
+              </a:lnRef>
+              <a:fillRef idx="1">
+                <a:schemeClr val="accent1"/>
+              </a:fillRef>
+              <a:effectRef idx="0">
+                <a:schemeClr val="accent1"/>
+              </a:effectRef>
+              <a:fontRef idx="minor">
+                <a:schemeClr val="lt1"/>
+              </a:fontRef>
+            </p:style>
+            <p:txBody>
+              <a:bodyPr rtlCol="0" anchor="t"/>
+              <a:lstStyle/>
+              <a:p>
+                <a:pPr algn="l"/>
+                <a:endParaRPr lang="en-US" sz="2400" b="0" dirty="0">
+                  <a:solidFill>
+                    <a:schemeClr val="tx1"/>
+                  </a:solidFill>
+                  <a:latin typeface="Avenir Black"/>
+                </a:endParaRPr>
+              </a:p>
+            </p:txBody>
+          </p:sp>
+        </p:grpSp>
+        <p:grpSp>
+          <p:nvGrpSpPr>
+            <p:cNvPr id="57" name="Group 56">
+              <a:extLst>
+                <a:ext uri="{FF2B5EF4-FFF2-40B4-BE49-F238E27FC236}">
+                  <a16:creationId xmlns:a16="http://schemas.microsoft.com/office/drawing/2014/main" id="{6FFEE798-9CE9-AB28-2E1C-DA0D000D30E6}"/>
+                </a:ext>
+              </a:extLst>
+            </p:cNvPr>
+            <p:cNvGrpSpPr/>
+            <p:nvPr/>
+          </p:nvGrpSpPr>
+          <p:grpSpPr>
+            <a:xfrm>
+              <a:off x="6503644" y="3445419"/>
+              <a:ext cx="2183642" cy="1731083"/>
+              <a:chOff x="1245893" y="3445419"/>
+              <a:chExt cx="2183642" cy="1731083"/>
+            </a:xfrm>
+          </p:grpSpPr>
+          <p:sp>
+            <p:nvSpPr>
+              <p:cNvPr id="58" name="TextBox 57">
+                <a:extLst>
+                  <a:ext uri="{FF2B5EF4-FFF2-40B4-BE49-F238E27FC236}">
+                    <a16:creationId xmlns:a16="http://schemas.microsoft.com/office/drawing/2014/main" id="{71E47B59-7974-83CB-5D06-9E87B5E843C8}"/>
+                  </a:ext>
+                </a:extLst>
+              </p:cNvPr>
+              <p:cNvSpPr txBox="1"/>
+              <p:nvPr/>
+            </p:nvSpPr>
+            <p:spPr>
+              <a:xfrm>
+                <a:off x="1257271" y="3445419"/>
+                <a:ext cx="1103187" cy="562787"/>
+              </a:xfrm>
+              <a:prstGeom prst="rect">
+                <a:avLst/>
+              </a:prstGeom>
+              <a:noFill/>
+            </p:spPr>
+            <p:txBody>
+              <a:bodyPr wrap="none" rtlCol="0">
+                <a:spAutoFit/>
+              </a:bodyPr>
+              <a:lstStyle/>
+              <a:p>
+                <a:r>
+                  <a:rPr lang="en-US" sz="2000" b="0" dirty="0">
+                    <a:latin typeface="Avenir Black"/>
+                  </a:rPr>
+                  <a:t>Executor</a:t>
+                </a:r>
+              </a:p>
+            </p:txBody>
+          </p:sp>
+          <p:sp>
+            <p:nvSpPr>
+              <p:cNvPr id="59" name="Rectangle 58">
+                <a:extLst>
+                  <a:ext uri="{FF2B5EF4-FFF2-40B4-BE49-F238E27FC236}">
+                    <a16:creationId xmlns:a16="http://schemas.microsoft.com/office/drawing/2014/main" id="{F439A885-7127-42C8-95B9-DA20B863FF69}"/>
+                  </a:ext>
+                </a:extLst>
+              </p:cNvPr>
+              <p:cNvSpPr/>
+              <p:nvPr/>
+            </p:nvSpPr>
+            <p:spPr>
+              <a:xfrm>
+                <a:off x="1245893" y="3835021"/>
+                <a:ext cx="2183642" cy="1341481"/>
+              </a:xfrm>
+              <a:prstGeom prst="rect">
+                <a:avLst/>
+              </a:prstGeom>
+              <a:noFill/>
+              <a:ln w="28575">
+                <a:solidFill>
+                  <a:schemeClr val="tx1"/>
+                </a:solidFill>
+              </a:ln>
+            </p:spPr>
+            <p:style>
+              <a:lnRef idx="2">
+                <a:schemeClr val="accent1">
+                  <a:shade val="50000"/>
+                </a:schemeClr>
+              </a:lnRef>
+              <a:fillRef idx="1">
+                <a:schemeClr val="accent1"/>
+              </a:fillRef>
+              <a:effectRef idx="0">
+                <a:schemeClr val="accent1"/>
+              </a:effectRef>
+              <a:fontRef idx="minor">
+                <a:schemeClr val="lt1"/>
+              </a:fontRef>
+            </p:style>
+            <p:txBody>
+              <a:bodyPr rtlCol="0" anchor="t"/>
+              <a:lstStyle/>
+              <a:p>
+                <a:pPr algn="l"/>
+                <a:endParaRPr lang="en-US" sz="2400" b="0" dirty="0">
+                  <a:solidFill>
+                    <a:schemeClr val="tx1"/>
+                  </a:solidFill>
+                  <a:latin typeface="Avenir Black"/>
+                </a:endParaRPr>
+              </a:p>
+            </p:txBody>
+          </p:sp>
+          <p:sp>
+            <p:nvSpPr>
+              <p:cNvPr id="60" name="TextBox 59">
+                <a:extLst>
+                  <a:ext uri="{FF2B5EF4-FFF2-40B4-BE49-F238E27FC236}">
+                    <a16:creationId xmlns:a16="http://schemas.microsoft.com/office/drawing/2014/main" id="{930BE569-D2D4-AA58-A2C6-0D044628F9C2}"/>
+                  </a:ext>
+                </a:extLst>
+              </p:cNvPr>
+              <p:cNvSpPr txBox="1"/>
+              <p:nvPr/>
+            </p:nvSpPr>
+            <p:spPr>
+              <a:xfrm>
+                <a:off x="1383362" y="3840606"/>
+                <a:ext cx="673582" cy="400110"/>
+              </a:xfrm>
+              <a:prstGeom prst="rect">
+                <a:avLst/>
+              </a:prstGeom>
+              <a:noFill/>
+            </p:spPr>
+            <p:txBody>
+              <a:bodyPr wrap="none" rtlCol="0">
+                <a:spAutoFit/>
+              </a:bodyPr>
+              <a:lstStyle/>
+              <a:p>
+                <a:r>
+                  <a:rPr lang="en-US" sz="2000" b="0" dirty="0">
+                    <a:latin typeface="Avenir Black"/>
+                  </a:rPr>
+                  <a:t>Core</a:t>
+                </a:r>
+              </a:p>
+            </p:txBody>
+          </p:sp>
+          <p:sp>
+            <p:nvSpPr>
+              <p:cNvPr id="61" name="Rectangle 60">
+                <a:extLst>
+                  <a:ext uri="{FF2B5EF4-FFF2-40B4-BE49-F238E27FC236}">
+                    <a16:creationId xmlns:a16="http://schemas.microsoft.com/office/drawing/2014/main" id="{32372D7A-319E-CAE1-7988-5FE9C1F93E08}"/>
+                  </a:ext>
+                </a:extLst>
+              </p:cNvPr>
+              <p:cNvSpPr/>
+              <p:nvPr/>
+            </p:nvSpPr>
+            <p:spPr>
+              <a:xfrm>
+                <a:off x="2755764" y="4240716"/>
+                <a:ext cx="510197" cy="692949"/>
+              </a:xfrm>
+              <a:prstGeom prst="rect">
+                <a:avLst/>
+              </a:prstGeom>
+              <a:noFill/>
+              <a:ln w="28575">
+                <a:solidFill>
+                  <a:schemeClr val="tx1"/>
+                </a:solidFill>
+              </a:ln>
+            </p:spPr>
+            <p:style>
+              <a:lnRef idx="2">
+                <a:schemeClr val="accent1">
+                  <a:shade val="50000"/>
+                </a:schemeClr>
+              </a:lnRef>
+              <a:fillRef idx="1">
+                <a:schemeClr val="accent1"/>
+              </a:fillRef>
+              <a:effectRef idx="0">
+                <a:schemeClr val="accent1"/>
+              </a:effectRef>
+              <a:fontRef idx="minor">
+                <a:schemeClr val="lt1"/>
+              </a:fontRef>
+            </p:style>
+            <p:txBody>
+              <a:bodyPr rtlCol="0" anchor="t"/>
+              <a:lstStyle/>
+              <a:p>
+                <a:pPr algn="l"/>
+                <a:endParaRPr lang="en-US" sz="2400" b="0" dirty="0">
+                  <a:solidFill>
+                    <a:schemeClr val="tx1"/>
+                  </a:solidFill>
+                  <a:latin typeface="Avenir Black"/>
+                </a:endParaRPr>
+              </a:p>
+            </p:txBody>
+          </p:sp>
+          <p:sp>
+            <p:nvSpPr>
+              <p:cNvPr id="62" name="Rectangle 61">
+                <a:extLst>
+                  <a:ext uri="{FF2B5EF4-FFF2-40B4-BE49-F238E27FC236}">
+                    <a16:creationId xmlns:a16="http://schemas.microsoft.com/office/drawing/2014/main" id="{91020D34-DF9A-02CB-2E6B-F044C3AF61E8}"/>
+                  </a:ext>
+                </a:extLst>
+              </p:cNvPr>
+              <p:cNvSpPr/>
+              <p:nvPr/>
+            </p:nvSpPr>
+            <p:spPr>
+              <a:xfrm>
+                <a:off x="1493176" y="4240716"/>
+                <a:ext cx="510197" cy="692949"/>
+              </a:xfrm>
+              <a:prstGeom prst="rect">
+                <a:avLst/>
+              </a:prstGeom>
+              <a:noFill/>
+              <a:ln w="28575">
+                <a:solidFill>
+                  <a:schemeClr val="tx1"/>
+                </a:solidFill>
+              </a:ln>
+            </p:spPr>
+            <p:style>
+              <a:lnRef idx="2">
+                <a:schemeClr val="accent1">
+                  <a:shade val="50000"/>
+                </a:schemeClr>
+              </a:lnRef>
+              <a:fillRef idx="1">
+                <a:schemeClr val="accent1"/>
+              </a:fillRef>
+              <a:effectRef idx="0">
+                <a:schemeClr val="accent1"/>
+              </a:effectRef>
+              <a:fontRef idx="minor">
+                <a:schemeClr val="lt1"/>
+              </a:fontRef>
+            </p:style>
+            <p:txBody>
+              <a:bodyPr rtlCol="0" anchor="t"/>
+              <a:lstStyle/>
+              <a:p>
+                <a:pPr algn="l"/>
+                <a:endParaRPr lang="en-US" sz="2400" b="0" dirty="0">
+                  <a:solidFill>
+                    <a:schemeClr val="tx1"/>
+                  </a:solidFill>
+                  <a:latin typeface="Avenir Black"/>
+                </a:endParaRPr>
+              </a:p>
+            </p:txBody>
+          </p:sp>
+          <p:sp>
+            <p:nvSpPr>
+              <p:cNvPr id="63" name="Rectangle 62">
+                <a:extLst>
+                  <a:ext uri="{FF2B5EF4-FFF2-40B4-BE49-F238E27FC236}">
+                    <a16:creationId xmlns:a16="http://schemas.microsoft.com/office/drawing/2014/main" id="{7EADDEB5-1BA1-4E2A-9D67-61D6EA76D438}"/>
+                  </a:ext>
+                </a:extLst>
+              </p:cNvPr>
+              <p:cNvSpPr/>
+              <p:nvPr/>
+            </p:nvSpPr>
+            <p:spPr>
+              <a:xfrm>
+                <a:off x="2124470" y="4240716"/>
+                <a:ext cx="510197" cy="692949"/>
+              </a:xfrm>
+              <a:prstGeom prst="rect">
+                <a:avLst/>
+              </a:prstGeom>
+              <a:noFill/>
+              <a:ln w="28575">
+                <a:solidFill>
+                  <a:schemeClr val="tx1"/>
+                </a:solidFill>
+              </a:ln>
+            </p:spPr>
+            <p:style>
+              <a:lnRef idx="2">
+                <a:schemeClr val="accent1">
+                  <a:shade val="50000"/>
+                </a:schemeClr>
+              </a:lnRef>
+              <a:fillRef idx="1">
+                <a:schemeClr val="accent1"/>
+              </a:fillRef>
+              <a:effectRef idx="0">
+                <a:schemeClr val="accent1"/>
+              </a:effectRef>
+              <a:fontRef idx="minor">
+                <a:schemeClr val="lt1"/>
+              </a:fontRef>
+            </p:style>
+            <p:txBody>
+              <a:bodyPr rtlCol="0" anchor="t"/>
+              <a:lstStyle/>
+              <a:p>
+                <a:pPr algn="l"/>
+                <a:endParaRPr lang="en-US" sz="2400" b="0" dirty="0">
+                  <a:solidFill>
+                    <a:schemeClr val="tx1"/>
+                  </a:solidFill>
+                  <a:latin typeface="Avenir Black"/>
+                </a:endParaRPr>
+              </a:p>
+            </p:txBody>
+          </p:sp>
+        </p:grpSp>
+        <p:grpSp>
+          <p:nvGrpSpPr>
+            <p:cNvPr id="64" name="Group 63">
+              <a:extLst>
+                <a:ext uri="{FF2B5EF4-FFF2-40B4-BE49-F238E27FC236}">
+                  <a16:creationId xmlns:a16="http://schemas.microsoft.com/office/drawing/2014/main" id="{6307F371-53C0-0EBA-558E-3ABEFA553B92}"/>
+                </a:ext>
+              </a:extLst>
+            </p:cNvPr>
+            <p:cNvGrpSpPr/>
+            <p:nvPr/>
+          </p:nvGrpSpPr>
+          <p:grpSpPr>
+            <a:xfrm>
+              <a:off x="6503644" y="5357334"/>
+              <a:ext cx="2183642" cy="1731083"/>
+              <a:chOff x="1245893" y="3445419"/>
+              <a:chExt cx="2183642" cy="1731083"/>
+            </a:xfrm>
+          </p:grpSpPr>
+          <p:sp>
+            <p:nvSpPr>
+              <p:cNvPr id="65" name="TextBox 64">
+                <a:extLst>
+                  <a:ext uri="{FF2B5EF4-FFF2-40B4-BE49-F238E27FC236}">
+                    <a16:creationId xmlns:a16="http://schemas.microsoft.com/office/drawing/2014/main" id="{A5AB50CB-5DF0-890F-53B7-AD4C1A07B0D8}"/>
+                  </a:ext>
+                </a:extLst>
+              </p:cNvPr>
+              <p:cNvSpPr txBox="1"/>
+              <p:nvPr/>
+            </p:nvSpPr>
+            <p:spPr>
+              <a:xfrm>
+                <a:off x="1257271" y="3445419"/>
+                <a:ext cx="1103187" cy="562787"/>
+              </a:xfrm>
+              <a:prstGeom prst="rect">
+                <a:avLst/>
+              </a:prstGeom>
+              <a:noFill/>
+            </p:spPr>
+            <p:txBody>
+              <a:bodyPr wrap="none" rtlCol="0">
+                <a:spAutoFit/>
+              </a:bodyPr>
+              <a:lstStyle/>
+              <a:p>
+                <a:r>
+                  <a:rPr lang="en-US" sz="2000" b="0" dirty="0">
+                    <a:latin typeface="Avenir Black"/>
+                  </a:rPr>
+                  <a:t>Executor</a:t>
+                </a:r>
+              </a:p>
+            </p:txBody>
+          </p:sp>
+          <p:sp>
+            <p:nvSpPr>
+              <p:cNvPr id="66" name="Rectangle 65">
+                <a:extLst>
+                  <a:ext uri="{FF2B5EF4-FFF2-40B4-BE49-F238E27FC236}">
+                    <a16:creationId xmlns:a16="http://schemas.microsoft.com/office/drawing/2014/main" id="{2DD7CC16-71D9-C7A2-5AEC-70A4AE47F9B8}"/>
+                  </a:ext>
+                </a:extLst>
+              </p:cNvPr>
+              <p:cNvSpPr/>
+              <p:nvPr/>
+            </p:nvSpPr>
+            <p:spPr>
+              <a:xfrm>
+                <a:off x="1245893" y="3835021"/>
+                <a:ext cx="2183642" cy="1341481"/>
+              </a:xfrm>
+              <a:prstGeom prst="rect">
+                <a:avLst/>
+              </a:prstGeom>
+              <a:noFill/>
+              <a:ln w="28575">
+                <a:solidFill>
+                  <a:schemeClr val="tx1"/>
+                </a:solidFill>
+              </a:ln>
+            </p:spPr>
+            <p:style>
+              <a:lnRef idx="2">
+                <a:schemeClr val="accent1">
+                  <a:shade val="50000"/>
+                </a:schemeClr>
+              </a:lnRef>
+              <a:fillRef idx="1">
+                <a:schemeClr val="accent1"/>
+              </a:fillRef>
+              <a:effectRef idx="0">
+                <a:schemeClr val="accent1"/>
+              </a:effectRef>
+              <a:fontRef idx="minor">
+                <a:schemeClr val="lt1"/>
+              </a:fontRef>
+            </p:style>
+            <p:txBody>
+              <a:bodyPr rtlCol="0" anchor="t"/>
+              <a:lstStyle/>
+              <a:p>
+                <a:pPr algn="l"/>
+                <a:endParaRPr lang="en-US" sz="2400" b="0" dirty="0">
+                  <a:solidFill>
+                    <a:schemeClr val="tx1"/>
+                  </a:solidFill>
+                  <a:latin typeface="Avenir Black"/>
+                </a:endParaRPr>
+              </a:p>
+            </p:txBody>
+          </p:sp>
+          <p:sp>
+            <p:nvSpPr>
+              <p:cNvPr id="67" name="TextBox 66">
+                <a:extLst>
+                  <a:ext uri="{FF2B5EF4-FFF2-40B4-BE49-F238E27FC236}">
+                    <a16:creationId xmlns:a16="http://schemas.microsoft.com/office/drawing/2014/main" id="{FDFF9D6E-9111-BA78-59EA-46F0C71472FA}"/>
+                  </a:ext>
+                </a:extLst>
+              </p:cNvPr>
+              <p:cNvSpPr txBox="1"/>
+              <p:nvPr/>
+            </p:nvSpPr>
+            <p:spPr>
+              <a:xfrm>
+                <a:off x="1383362" y="3840606"/>
+                <a:ext cx="673582" cy="400110"/>
+              </a:xfrm>
+              <a:prstGeom prst="rect">
+                <a:avLst/>
+              </a:prstGeom>
+              <a:noFill/>
+            </p:spPr>
+            <p:txBody>
+              <a:bodyPr wrap="none" rtlCol="0">
+                <a:spAutoFit/>
+              </a:bodyPr>
+              <a:lstStyle/>
+              <a:p>
+                <a:r>
+                  <a:rPr lang="en-US" sz="2000" b="0" dirty="0">
+                    <a:latin typeface="Avenir Black"/>
+                  </a:rPr>
+                  <a:t>Core</a:t>
+                </a:r>
+              </a:p>
+            </p:txBody>
+          </p:sp>
+          <p:sp>
+            <p:nvSpPr>
+              <p:cNvPr id="68" name="Rectangle 67">
+                <a:extLst>
+                  <a:ext uri="{FF2B5EF4-FFF2-40B4-BE49-F238E27FC236}">
+                    <a16:creationId xmlns:a16="http://schemas.microsoft.com/office/drawing/2014/main" id="{EE69225C-B7F7-2F75-EAAE-D46172502731}"/>
+                  </a:ext>
+                </a:extLst>
+              </p:cNvPr>
+              <p:cNvSpPr/>
+              <p:nvPr/>
+            </p:nvSpPr>
+            <p:spPr>
+              <a:xfrm>
+                <a:off x="2755764" y="4240716"/>
+                <a:ext cx="510197" cy="692949"/>
+              </a:xfrm>
+              <a:prstGeom prst="rect">
+                <a:avLst/>
+              </a:prstGeom>
+              <a:noFill/>
+              <a:ln w="28575">
+                <a:solidFill>
+                  <a:schemeClr val="tx1"/>
+                </a:solidFill>
+              </a:ln>
+            </p:spPr>
+            <p:style>
+              <a:lnRef idx="2">
+                <a:schemeClr val="accent1">
+                  <a:shade val="50000"/>
+                </a:schemeClr>
+              </a:lnRef>
+              <a:fillRef idx="1">
+                <a:schemeClr val="accent1"/>
+              </a:fillRef>
+              <a:effectRef idx="0">
+                <a:schemeClr val="accent1"/>
+              </a:effectRef>
+              <a:fontRef idx="minor">
+                <a:schemeClr val="lt1"/>
+              </a:fontRef>
+            </p:style>
+            <p:txBody>
+              <a:bodyPr rtlCol="0" anchor="t"/>
+              <a:lstStyle/>
+              <a:p>
+                <a:pPr algn="l"/>
+                <a:endParaRPr lang="en-US" sz="2400" b="0" dirty="0">
+                  <a:solidFill>
+                    <a:schemeClr val="tx1"/>
+                  </a:solidFill>
+                  <a:latin typeface="Avenir Black"/>
+                </a:endParaRPr>
+              </a:p>
+            </p:txBody>
+          </p:sp>
+          <p:sp>
+            <p:nvSpPr>
+              <p:cNvPr id="69" name="Rectangle 68">
+                <a:extLst>
+                  <a:ext uri="{FF2B5EF4-FFF2-40B4-BE49-F238E27FC236}">
+                    <a16:creationId xmlns:a16="http://schemas.microsoft.com/office/drawing/2014/main" id="{F1C0C52D-7280-EB10-C821-A08E63A98A03}"/>
+                  </a:ext>
+                </a:extLst>
+              </p:cNvPr>
+              <p:cNvSpPr/>
+              <p:nvPr/>
+            </p:nvSpPr>
+            <p:spPr>
+              <a:xfrm>
+                <a:off x="1493176" y="4240716"/>
+                <a:ext cx="510197" cy="692949"/>
+              </a:xfrm>
+              <a:prstGeom prst="rect">
+                <a:avLst/>
+              </a:prstGeom>
+              <a:noFill/>
+              <a:ln w="28575">
+                <a:solidFill>
+                  <a:schemeClr val="tx1"/>
+                </a:solidFill>
+              </a:ln>
+            </p:spPr>
+            <p:style>
+              <a:lnRef idx="2">
+                <a:schemeClr val="accent1">
+                  <a:shade val="50000"/>
+                </a:schemeClr>
+              </a:lnRef>
+              <a:fillRef idx="1">
+                <a:schemeClr val="accent1"/>
+              </a:fillRef>
+              <a:effectRef idx="0">
+                <a:schemeClr val="accent1"/>
+              </a:effectRef>
+              <a:fontRef idx="minor">
+                <a:schemeClr val="lt1"/>
+              </a:fontRef>
+            </p:style>
+            <p:txBody>
+              <a:bodyPr rtlCol="0" anchor="t"/>
+              <a:lstStyle/>
+              <a:p>
+                <a:pPr algn="l"/>
+                <a:endParaRPr lang="en-US" sz="2400" b="0" dirty="0">
+                  <a:solidFill>
+                    <a:schemeClr val="tx1"/>
+                  </a:solidFill>
+                  <a:latin typeface="Avenir Black"/>
+                </a:endParaRPr>
+              </a:p>
+            </p:txBody>
+          </p:sp>
+          <p:sp>
+            <p:nvSpPr>
+              <p:cNvPr id="70" name="Rectangle 69">
+                <a:extLst>
+                  <a:ext uri="{FF2B5EF4-FFF2-40B4-BE49-F238E27FC236}">
+                    <a16:creationId xmlns:a16="http://schemas.microsoft.com/office/drawing/2014/main" id="{26F86B05-46DE-698E-F761-ADBF23108A10}"/>
+                  </a:ext>
+                </a:extLst>
+              </p:cNvPr>
+              <p:cNvSpPr/>
+              <p:nvPr/>
+            </p:nvSpPr>
+            <p:spPr>
+              <a:xfrm>
+                <a:off x="2124470" y="4240716"/>
+                <a:ext cx="510197" cy="692949"/>
+              </a:xfrm>
+              <a:prstGeom prst="rect">
+                <a:avLst/>
+              </a:prstGeom>
+              <a:noFill/>
+              <a:ln w="28575">
+                <a:solidFill>
+                  <a:schemeClr val="tx1"/>
+                </a:solidFill>
+              </a:ln>
+            </p:spPr>
+            <p:style>
+              <a:lnRef idx="2">
+                <a:schemeClr val="accent1">
+                  <a:shade val="50000"/>
+                </a:schemeClr>
+              </a:lnRef>
+              <a:fillRef idx="1">
+                <a:schemeClr val="accent1"/>
+              </a:fillRef>
+              <a:effectRef idx="0">
+                <a:schemeClr val="accent1"/>
+              </a:effectRef>
+              <a:fontRef idx="minor">
+                <a:schemeClr val="lt1"/>
+              </a:fontRef>
+            </p:style>
+            <p:txBody>
+              <a:bodyPr rtlCol="0" anchor="t"/>
+              <a:lstStyle/>
+              <a:p>
+                <a:pPr algn="l"/>
+                <a:endParaRPr lang="en-US" sz="2400" b="0" dirty="0">
+                  <a:solidFill>
+                    <a:schemeClr val="tx1"/>
+                  </a:solidFill>
+                  <a:latin typeface="Avenir Black"/>
+                </a:endParaRPr>
+              </a:p>
+            </p:txBody>
+          </p:sp>
+        </p:grpSp>
+      </p:grpSp>
     </p:spTree>
     <p:extLst>
       <p:ext uri="{BB962C8B-B14F-4D97-AF65-F5344CB8AC3E}">
@@ -4483,6 +6622,171 @@
   <p:clrMapOvr>
     <a:masterClrMapping/>
   </p:clrMapOvr>
+  <p:timing>
+    <p:tnLst>
+      <p:par>
+        <p:cTn id="1" dur="indefinite" restart="never" nodeType="tmRoot">
+          <p:childTnLst>
+            <p:seq concurrent="1" nextAc="seek">
+              <p:cTn id="2" dur="indefinite" nodeType="mainSeq">
+                <p:childTnLst>
+                  <p:par>
+                    <p:cTn id="3" fill="hold">
+                      <p:stCondLst>
+                        <p:cond delay="indefinite"/>
+                      </p:stCondLst>
+                      <p:childTnLst>
+                        <p:par>
+                          <p:cTn id="4" fill="hold">
+                            <p:stCondLst>
+                              <p:cond delay="0"/>
+                            </p:stCondLst>
+                            <p:childTnLst>
+                              <p:par>
+                                <p:cTn id="5" presetID="1" presetClass="entr" presetSubtype="0" fill="hold" nodeType="clickEffect">
+                                  <p:stCondLst>
+                                    <p:cond delay="0"/>
+                                  </p:stCondLst>
+                                  <p:childTnLst>
+                                    <p:set>
+                                      <p:cBhvr>
+                                        <p:cTn id="6" dur="1" fill="hold">
+                                          <p:stCondLst>
+                                            <p:cond delay="0"/>
+                                          </p:stCondLst>
+                                        </p:cTn>
+                                        <p:tgtEl>
+                                          <p:spTgt spid="72"/>
+                                        </p:tgtEl>
+                                        <p:attrNameLst>
+                                          <p:attrName>style.visibility</p:attrName>
+                                        </p:attrNameLst>
+                                      </p:cBhvr>
+                                      <p:to>
+                                        <p:strVal val="visible"/>
+                                      </p:to>
+                                    </p:set>
+                                  </p:childTnLst>
+                                </p:cTn>
+                              </p:par>
+                            </p:childTnLst>
+                          </p:cTn>
+                        </p:par>
+                      </p:childTnLst>
+                    </p:cTn>
+                  </p:par>
+                  <p:par>
+                    <p:cTn id="7" fill="hold">
+                      <p:stCondLst>
+                        <p:cond delay="indefinite"/>
+                      </p:stCondLst>
+                      <p:childTnLst>
+                        <p:par>
+                          <p:cTn id="8" fill="hold">
+                            <p:stCondLst>
+                              <p:cond delay="0"/>
+                            </p:stCondLst>
+                            <p:childTnLst>
+                              <p:par>
+                                <p:cTn id="9" presetID="1" presetClass="entr" presetSubtype="0" fill="hold" nodeType="clickEffect">
+                                  <p:stCondLst>
+                                    <p:cond delay="0"/>
+                                  </p:stCondLst>
+                                  <p:childTnLst>
+                                    <p:set>
+                                      <p:cBhvr>
+                                        <p:cTn id="10" dur="1" fill="hold">
+                                          <p:stCondLst>
+                                            <p:cond delay="0"/>
+                                          </p:stCondLst>
+                                        </p:cTn>
+                                        <p:tgtEl>
+                                          <p:spTgt spid="71"/>
+                                        </p:tgtEl>
+                                        <p:attrNameLst>
+                                          <p:attrName>style.visibility</p:attrName>
+                                        </p:attrNameLst>
+                                      </p:cBhvr>
+                                      <p:to>
+                                        <p:strVal val="visible"/>
+                                      </p:to>
+                                    </p:set>
+                                  </p:childTnLst>
+                                </p:cTn>
+                              </p:par>
+                            </p:childTnLst>
+                          </p:cTn>
+                        </p:par>
+                      </p:childTnLst>
+                    </p:cTn>
+                  </p:par>
+                  <p:par>
+                    <p:cTn id="11" fill="hold">
+                      <p:stCondLst>
+                        <p:cond delay="indefinite"/>
+                      </p:stCondLst>
+                      <p:childTnLst>
+                        <p:par>
+                          <p:cTn id="12" fill="hold">
+                            <p:stCondLst>
+                              <p:cond delay="0"/>
+                            </p:stCondLst>
+                            <p:childTnLst>
+                              <p:par>
+                                <p:cTn id="13" presetID="1" presetClass="entr" presetSubtype="0" fill="hold" nodeType="clickEffect">
+                                  <p:stCondLst>
+                                    <p:cond delay="0"/>
+                                  </p:stCondLst>
+                                  <p:childTnLst>
+                                    <p:set>
+                                      <p:cBhvr>
+                                        <p:cTn id="14" dur="1" fill="hold">
+                                          <p:stCondLst>
+                                            <p:cond delay="0"/>
+                                          </p:stCondLst>
+                                        </p:cTn>
+                                        <p:tgtEl>
+                                          <p:spTgt spid="73"/>
+                                        </p:tgtEl>
+                                        <p:attrNameLst>
+                                          <p:attrName>style.visibility</p:attrName>
+                                        </p:attrNameLst>
+                                      </p:cBhvr>
+                                      <p:to>
+                                        <p:strVal val="visible"/>
+                                      </p:to>
+                                    </p:set>
+                                  </p:childTnLst>
+                                </p:cTn>
+                              </p:par>
+                            </p:childTnLst>
+                          </p:cTn>
+                        </p:par>
+                      </p:childTnLst>
+                    </p:cTn>
+                  </p:par>
+                </p:childTnLst>
+              </p:cTn>
+              <p:prevCondLst>
+                <p:cond evt="onPrev" delay="0">
+                  <p:tgtEl>
+                    <p:sldTgt/>
+                  </p:tgtEl>
+                </p:cond>
+              </p:prevCondLst>
+              <p:nextCondLst>
+                <p:cond evt="onNext" delay="0">
+                  <p:tgtEl>
+                    <p:sldTgt/>
+                  </p:tgtEl>
+                </p:cond>
+              </p:nextCondLst>
+            </p:seq>
+          </p:childTnLst>
+        </p:cTn>
+      </p:par>
+    </p:tnLst>
+  </p:timing>
 </p:sld>
 </file>
 

--- a/training-spark/1_Spark.pptx
+++ b/training-spark/1_Spark.pptx
@@ -440,7 +440,7 @@
           <a:p>
             <a:fld id="{154C1C9F-968B-45D4-9FBD-EA39F2175159}" type="datetimeFigureOut">
               <a:rPr lang="en-US" smtClean="0"/>
-              <a:t>2022-09-03</a:t>
+              <a:t>2022-09-11</a:t>
             </a:fld>
             <a:endParaRPr lang="en-US"/>
           </a:p>
@@ -1809,7 +1809,7 @@
           <a:p>
             <a:fld id="{0F1B7D9C-4F60-C246-8CA4-396C0346DE33}" type="datetimeFigureOut">
               <a:rPr lang="it-IT" smtClean="0"/>
-              <a:t>03/09/2022</a:t>
+              <a:t>11/09/2022</a:t>
             </a:fld>
             <a:endParaRPr lang="it-IT"/>
           </a:p>
@@ -2464,7 +2464,7 @@
           <a:p>
             <a:fld id="{A2FF5F4A-4507-894B-98D1-9441DD15C475}" type="datetimeFigureOut">
               <a:rPr lang="it-IT" smtClean="0"/>
-              <a:t>03/09/2022</a:t>
+              <a:t>11/09/2022</a:t>
             </a:fld>
             <a:endParaRPr lang="it-IT" dirty="0"/>
           </a:p>
@@ -7521,155 +7521,36 @@
           </a:p>
         </p:txBody>
       </p:sp>
-      <p:grpSp>
-        <p:nvGrpSpPr>
-          <p:cNvPr id="13" name="Group 12">
-            <a:extLst>
-              <a:ext uri="{FF2B5EF4-FFF2-40B4-BE49-F238E27FC236}">
-                <a16:creationId xmlns:a16="http://schemas.microsoft.com/office/drawing/2014/main" id="{8214DA3D-4639-598B-3783-9C973681C870}"/>
-              </a:ext>
-            </a:extLst>
-          </p:cNvPr>
-          <p:cNvGrpSpPr/>
+      <p:pic>
+        <p:nvPicPr>
+          <p:cNvPr id="9" name="Picture 8">
+            <a:extLst>
+              <a:ext uri="{FF2B5EF4-FFF2-40B4-BE49-F238E27FC236}">
+                <a16:creationId xmlns:a16="http://schemas.microsoft.com/office/drawing/2014/main" id="{0371ABC0-174C-DC46-5EDB-5617C4F4FE83}"/>
+              </a:ext>
+            </a:extLst>
+          </p:cNvPr>
+          <p:cNvPicPr>
+            <a:picLocks noChangeAspect="1"/>
+          </p:cNvPicPr>
           <p:nvPr/>
-        </p:nvGrpSpPr>
-        <p:grpSpPr>
+        </p:nvPicPr>
+        <p:blipFill>
+          <a:blip r:embed="rId4"/>
+          <a:stretch>
+            <a:fillRect/>
+          </a:stretch>
+        </p:blipFill>
+        <p:spPr>
           <a:xfrm>
-            <a:off x="3210796" y="2405063"/>
-            <a:ext cx="4657139" cy="2873480"/>
-            <a:chOff x="2903721" y="1321471"/>
-            <a:chExt cx="7589297" cy="4682638"/>
+            <a:off x="3094790" y="2037410"/>
+            <a:ext cx="5974147" cy="3508174"/>
           </a:xfrm>
-        </p:grpSpPr>
-        <p:pic>
-          <p:nvPicPr>
-            <p:cNvPr id="9" name="Picture 8">
-              <a:extLst>
-                <a:ext uri="{FF2B5EF4-FFF2-40B4-BE49-F238E27FC236}">
-                  <a16:creationId xmlns:a16="http://schemas.microsoft.com/office/drawing/2014/main" id="{0371ABC0-174C-DC46-5EDB-5617C4F4FE83}"/>
-                </a:ext>
-              </a:extLst>
-            </p:cNvPr>
-            <p:cNvPicPr>
-              <a:picLocks noChangeAspect="1"/>
-            </p:cNvPicPr>
-            <p:nvPr/>
-          </p:nvPicPr>
-          <p:blipFill>
-            <a:blip r:embed="rId4"/>
-            <a:stretch>
-              <a:fillRect/>
-            </a:stretch>
-          </p:blipFill>
-          <p:spPr>
-            <a:xfrm>
-              <a:off x="2903721" y="1321471"/>
-              <a:ext cx="7589297" cy="4456632"/>
-            </a:xfrm>
-            <a:prstGeom prst="rect">
-              <a:avLst/>
-            </a:prstGeom>
-          </p:spPr>
-        </p:pic>
-        <p:sp>
-          <p:nvSpPr>
-            <p:cNvPr id="10" name="Rectangle 9">
-              <a:extLst>
-                <a:ext uri="{FF2B5EF4-FFF2-40B4-BE49-F238E27FC236}">
-                  <a16:creationId xmlns:a16="http://schemas.microsoft.com/office/drawing/2014/main" id="{8BC6A5A3-3A66-C6D4-4EED-56366A68FC04}"/>
-                </a:ext>
-              </a:extLst>
-            </p:cNvPr>
-            <p:cNvSpPr/>
-            <p:nvPr/>
-          </p:nvSpPr>
-          <p:spPr>
-            <a:xfrm>
-              <a:off x="3548418" y="4707572"/>
-              <a:ext cx="1549021" cy="1296537"/>
-            </a:xfrm>
-            <a:prstGeom prst="rect">
-              <a:avLst/>
-            </a:prstGeom>
-          </p:spPr>
-          <p:style>
-            <a:lnRef idx="2">
-              <a:schemeClr val="accent1">
-                <a:shade val="50000"/>
-              </a:schemeClr>
-            </a:lnRef>
-            <a:fillRef idx="1">
-              <a:schemeClr val="accent1"/>
-            </a:fillRef>
-            <a:effectRef idx="0">
-              <a:schemeClr val="accent1"/>
-            </a:effectRef>
-            <a:fontRef idx="minor">
-              <a:schemeClr val="lt1"/>
-            </a:fontRef>
-          </p:style>
-          <p:txBody>
-            <a:bodyPr rtlCol="0" anchor="ctr"/>
-            <a:lstStyle/>
-            <a:p>
-              <a:pPr algn="ctr"/>
-              <a:r>
-                <a:rPr lang="en-US" dirty="0"/>
-                <a:t>Application 2</a:t>
-              </a:r>
-            </a:p>
-          </p:txBody>
-        </p:sp>
-        <p:sp>
-          <p:nvSpPr>
-            <p:cNvPr id="11" name="Rectangle 10">
-              <a:extLst>
-                <a:ext uri="{FF2B5EF4-FFF2-40B4-BE49-F238E27FC236}">
-                  <a16:creationId xmlns:a16="http://schemas.microsoft.com/office/drawing/2014/main" id="{6F2A5EBE-63A9-DEF6-19EE-A772F181EF5C}"/>
-                </a:ext>
-              </a:extLst>
-            </p:cNvPr>
-            <p:cNvSpPr/>
-            <p:nvPr/>
-          </p:nvSpPr>
-          <p:spPr>
-            <a:xfrm>
-              <a:off x="7306317" y="3579527"/>
-              <a:ext cx="1280183" cy="604844"/>
-            </a:xfrm>
-            <a:prstGeom prst="rect">
-              <a:avLst/>
-            </a:prstGeom>
-          </p:spPr>
-          <p:style>
-            <a:lnRef idx="2">
-              <a:schemeClr val="accent1">
-                <a:shade val="50000"/>
-              </a:schemeClr>
-            </a:lnRef>
-            <a:fillRef idx="1">
-              <a:schemeClr val="accent1"/>
-            </a:fillRef>
-            <a:effectRef idx="0">
-              <a:schemeClr val="accent1"/>
-            </a:effectRef>
-            <a:fontRef idx="minor">
-              <a:schemeClr val="lt1"/>
-            </a:fontRef>
-          </p:style>
-          <p:txBody>
-            <a:bodyPr rtlCol="0" anchor="ctr"/>
-            <a:lstStyle/>
-            <a:p>
-              <a:pPr algn="ctr"/>
-              <a:r>
-                <a:rPr lang="en-US" dirty="0"/>
-                <a:t>Executor 2</a:t>
-              </a:r>
-            </a:p>
-          </p:txBody>
-        </p:sp>
-      </p:grpSp>
+          <a:prstGeom prst="rect">
+            <a:avLst/>
+          </a:prstGeom>
+        </p:spPr>
+      </p:pic>
       <p:sp>
         <p:nvSpPr>
           <p:cNvPr id="6" name="Content Placeholder 5">
@@ -7703,7 +7584,7 @@
             </a:pPr>
             <a:r>
               <a:rPr lang="en-US" dirty="0"/>
-              <a:t>Each application gets its own executor processes</a:t>
+              <a:t>Each application gets its own executor processes, which stay up for the duration of the whole application and run tasks in multiple threads.</a:t>
             </a:r>
           </a:p>
           <a:p>
@@ -7723,47 +7604,306 @@
           </a:p>
         </p:txBody>
       </p:sp>
+      <p:pic>
+        <p:nvPicPr>
+          <p:cNvPr id="18" name="Picture 17">
+            <a:extLst>
+              <a:ext uri="{FF2B5EF4-FFF2-40B4-BE49-F238E27FC236}">
+                <a16:creationId xmlns:a16="http://schemas.microsoft.com/office/drawing/2014/main" id="{E0A0AE69-7A56-E794-7438-4C0588140BB4}"/>
+              </a:ext>
+            </a:extLst>
+          </p:cNvPr>
+          <p:cNvPicPr>
+            <a:picLocks noChangeAspect="1"/>
+          </p:cNvPicPr>
+          <p:nvPr/>
+        </p:nvPicPr>
+        <p:blipFill>
+          <a:blip r:embed="rId5"/>
+          <a:stretch>
+            <a:fillRect/>
+          </a:stretch>
+        </p:blipFill>
+        <p:spPr>
+          <a:xfrm>
+            <a:off x="9981402" y="3001374"/>
+            <a:ext cx="1413356" cy="1148351"/>
+          </a:xfrm>
+          <a:prstGeom prst="rect">
+            <a:avLst/>
+          </a:prstGeom>
+        </p:spPr>
+      </p:pic>
       <p:sp>
         <p:nvSpPr>
-          <p:cNvPr id="14" name="TextBox 13">
-            <a:extLst>
-              <a:ext uri="{FF2B5EF4-FFF2-40B4-BE49-F238E27FC236}">
-                <a16:creationId xmlns:a16="http://schemas.microsoft.com/office/drawing/2014/main" id="{1255DCEA-D707-4527-40B0-4EDBD5355DE2}"/>
-              </a:ext>
-            </a:extLst>
-          </p:cNvPr>
-          <p:cNvSpPr txBox="1"/>
+          <p:cNvPr id="20" name="Speech Bubble: Rectangle 19">
+            <a:extLst>
+              <a:ext uri="{FF2B5EF4-FFF2-40B4-BE49-F238E27FC236}">
+                <a16:creationId xmlns:a16="http://schemas.microsoft.com/office/drawing/2014/main" id="{56D45132-A8B9-FC2C-5F00-737977F6066C}"/>
+              </a:ext>
+            </a:extLst>
+          </p:cNvPr>
+          <p:cNvSpPr/>
           <p:nvPr/>
         </p:nvSpPr>
         <p:spPr>
           <a:xfrm>
-            <a:off x="6516806" y="3262860"/>
-            <a:ext cx="1351129" cy="369332"/>
+            <a:off x="10332066" y="2606647"/>
+            <a:ext cx="1895475" cy="334816"/>
           </a:xfrm>
-          <a:prstGeom prst="rect">
+          <a:prstGeom prst="wedgeRectCallout">
+            <a:avLst>
+              <a:gd name="adj1" fmla="val -38113"/>
+              <a:gd name="adj2" fmla="val 82371"/>
+            </a:avLst>
+          </a:prstGeom>
+        </p:spPr>
+        <p:style>
+          <a:lnRef idx="2">
+            <a:schemeClr val="dk1"/>
+          </a:lnRef>
+          <a:fillRef idx="1">
+            <a:schemeClr val="lt1"/>
+          </a:fillRef>
+          <a:effectRef idx="0">
+            <a:schemeClr val="dk1"/>
+          </a:effectRef>
+          <a:fontRef idx="minor">
+            <a:schemeClr val="dk1"/>
+          </a:fontRef>
+        </p:style>
+        <p:txBody>
+          <a:bodyPr rtlCol="0" anchor="ctr"/>
+          <a:lstStyle/>
+          <a:p>
+            <a:pPr algn="ctr"/>
+            <a:r>
+              <a:rPr lang="en-US" b="0" dirty="0">
+                <a:latin typeface="Avenir Black"/>
+              </a:rPr>
+              <a:t>A 2</a:t>
+            </a:r>
+            <a:r>
+              <a:rPr lang="en-US" b="0" baseline="30000" dirty="0">
+                <a:latin typeface="Avenir Black"/>
+              </a:rPr>
+              <a:t>nd</a:t>
+            </a:r>
+            <a:r>
+              <a:rPr lang="en-US" b="0" dirty="0">
+                <a:latin typeface="Avenir Black"/>
+              </a:rPr>
+              <a:t> application</a:t>
+            </a:r>
+            <a:endParaRPr lang="en-US" dirty="0">
+              <a:latin typeface="Avenir Black"/>
+            </a:endParaRPr>
+          </a:p>
+        </p:txBody>
+      </p:sp>
+      <p:cxnSp>
+        <p:nvCxnSpPr>
+          <p:cNvPr id="22" name="Connector: Elbow 21">
+            <a:extLst>
+              <a:ext uri="{FF2B5EF4-FFF2-40B4-BE49-F238E27FC236}">
+                <a16:creationId xmlns:a16="http://schemas.microsoft.com/office/drawing/2014/main" id="{3CE10017-92F6-64A3-9374-1C2588B981CA}"/>
+              </a:ext>
+            </a:extLst>
+          </p:cNvPr>
+          <p:cNvCxnSpPr>
+            <a:cxnSpLocks/>
+            <a:stCxn id="18" idx="1"/>
+          </p:cNvCxnSpPr>
+          <p:nvPr/>
+        </p:nvCxnSpPr>
+        <p:spPr>
+          <a:xfrm rot="10800000">
+            <a:off x="7117308" y="2576520"/>
+            <a:ext cx="2864094" cy="999031"/>
+          </a:xfrm>
+          <a:prstGeom prst="bentConnector3">
             <a:avLst/>
           </a:prstGeom>
-          <a:noFill/>
+          <a:ln w="38100">
+            <a:solidFill>
+              <a:schemeClr val="accent5">
+                <a:lumMod val="75000"/>
+              </a:schemeClr>
+            </a:solidFill>
+            <a:tailEnd type="triangle"/>
+          </a:ln>
         </p:spPr>
+        <p:style>
+          <a:lnRef idx="1">
+            <a:schemeClr val="accent1"/>
+          </a:lnRef>
+          <a:fillRef idx="0">
+            <a:schemeClr val="accent1"/>
+          </a:fillRef>
+          <a:effectRef idx="0">
+            <a:schemeClr val="accent1"/>
+          </a:effectRef>
+          <a:fontRef idx="minor">
+            <a:schemeClr val="tx1"/>
+          </a:fontRef>
+        </p:style>
+      </p:cxnSp>
+      <p:cxnSp>
+        <p:nvCxnSpPr>
+          <p:cNvPr id="24" name="Connector: Elbow 23">
+            <a:extLst>
+              <a:ext uri="{FF2B5EF4-FFF2-40B4-BE49-F238E27FC236}">
+                <a16:creationId xmlns:a16="http://schemas.microsoft.com/office/drawing/2014/main" id="{7D402C8D-C70D-BBED-A7EC-D09A12C10688}"/>
+              </a:ext>
+            </a:extLst>
+          </p:cNvPr>
+          <p:cNvCxnSpPr>
+            <a:cxnSpLocks/>
+            <a:stCxn id="18" idx="1"/>
+          </p:cNvCxnSpPr>
+          <p:nvPr/>
+        </p:nvCxnSpPr>
+        <p:spPr>
+          <a:xfrm rot="10800000" flipV="1">
+            <a:off x="7117308" y="3575550"/>
+            <a:ext cx="2864094" cy="517606"/>
+          </a:xfrm>
+          <a:prstGeom prst="bentConnector3">
+            <a:avLst/>
+          </a:prstGeom>
+          <a:ln w="38100">
+            <a:solidFill>
+              <a:schemeClr val="accent5">
+                <a:lumMod val="75000"/>
+              </a:schemeClr>
+            </a:solidFill>
+            <a:tailEnd type="triangle"/>
+          </a:ln>
+        </p:spPr>
+        <p:style>
+          <a:lnRef idx="1">
+            <a:schemeClr val="accent1"/>
+          </a:lnRef>
+          <a:fillRef idx="0">
+            <a:schemeClr val="accent1"/>
+          </a:fillRef>
+          <a:effectRef idx="0">
+            <a:schemeClr val="accent1"/>
+          </a:effectRef>
+          <a:fontRef idx="minor">
+            <a:schemeClr val="tx1"/>
+          </a:fontRef>
+        </p:style>
+      </p:cxnSp>
+      <p:sp>
+        <p:nvSpPr>
+          <p:cNvPr id="27" name="Oval 26">
+            <a:extLst>
+              <a:ext uri="{FF2B5EF4-FFF2-40B4-BE49-F238E27FC236}">
+                <a16:creationId xmlns:a16="http://schemas.microsoft.com/office/drawing/2014/main" id="{5228B875-5537-376A-8588-139B91F6D5E7}"/>
+              </a:ext>
+            </a:extLst>
+          </p:cNvPr>
+          <p:cNvSpPr/>
+          <p:nvPr/>
+        </p:nvSpPr>
+        <p:spPr>
+          <a:xfrm>
+            <a:off x="6846094" y="2454010"/>
+            <a:ext cx="245020" cy="245020"/>
+          </a:xfrm>
+          <a:prstGeom prst="ellipse">
+            <a:avLst/>
+          </a:prstGeom>
+          <a:pattFill prst="wdUpDiag">
+            <a:fgClr>
+              <a:schemeClr val="bg1">
+                <a:lumMod val="75000"/>
+              </a:schemeClr>
+            </a:fgClr>
+            <a:bgClr>
+              <a:schemeClr val="bg1"/>
+            </a:bgClr>
+          </a:pattFill>
+        </p:spPr>
+        <p:style>
+          <a:lnRef idx="2">
+            <a:schemeClr val="accent1">
+              <a:shade val="50000"/>
+            </a:schemeClr>
+          </a:lnRef>
+          <a:fillRef idx="1">
+            <a:schemeClr val="accent1"/>
+          </a:fillRef>
+          <a:effectRef idx="0">
+            <a:schemeClr val="accent1"/>
+          </a:effectRef>
+          <a:fontRef idx="minor">
+            <a:schemeClr val="lt1"/>
+          </a:fontRef>
+        </p:style>
         <p:txBody>
-          <a:bodyPr wrap="square" rtlCol="0">
-            <a:spAutoFit/>
-          </a:bodyPr>
+          <a:bodyPr rtlCol="0" anchor="ctr"/>
           <a:lstStyle/>
           <a:p>
-            <a:r>
-              <a:rPr lang="en-US" dirty="0" err="1">
-                <a:highlight>
-                  <a:srgbClr val="FFFF00"/>
-                </a:highlight>
-              </a:rPr>
-              <a:t>rifare</a:t>
-            </a:r>
-            <a:endParaRPr lang="en-US" dirty="0">
-              <a:highlight>
-                <a:srgbClr val="FFFF00"/>
-              </a:highlight>
-            </a:endParaRPr>
+            <a:pPr algn="ctr"/>
+            <a:endParaRPr lang="en-US"/>
+          </a:p>
+        </p:txBody>
+      </p:sp>
+      <p:sp>
+        <p:nvSpPr>
+          <p:cNvPr id="28" name="Oval 27">
+            <a:extLst>
+              <a:ext uri="{FF2B5EF4-FFF2-40B4-BE49-F238E27FC236}">
+                <a16:creationId xmlns:a16="http://schemas.microsoft.com/office/drawing/2014/main" id="{A677D16C-F1FF-AFF5-6942-7F370EC4B0FB}"/>
+              </a:ext>
+            </a:extLst>
+          </p:cNvPr>
+          <p:cNvSpPr/>
+          <p:nvPr/>
+        </p:nvSpPr>
+        <p:spPr>
+          <a:xfrm>
+            <a:off x="6846094" y="3970647"/>
+            <a:ext cx="245020" cy="245020"/>
+          </a:xfrm>
+          <a:prstGeom prst="ellipse">
+            <a:avLst/>
+          </a:prstGeom>
+          <a:pattFill prst="wdUpDiag">
+            <a:fgClr>
+              <a:schemeClr val="bg1">
+                <a:lumMod val="75000"/>
+              </a:schemeClr>
+            </a:fgClr>
+            <a:bgClr>
+              <a:schemeClr val="bg1"/>
+            </a:bgClr>
+          </a:pattFill>
+        </p:spPr>
+        <p:style>
+          <a:lnRef idx="2">
+            <a:schemeClr val="accent1">
+              <a:shade val="50000"/>
+            </a:schemeClr>
+          </a:lnRef>
+          <a:fillRef idx="1">
+            <a:schemeClr val="accent1"/>
+          </a:fillRef>
+          <a:effectRef idx="0">
+            <a:schemeClr val="accent1"/>
+          </a:effectRef>
+          <a:fontRef idx="minor">
+            <a:schemeClr val="lt1"/>
+          </a:fontRef>
+        </p:style>
+        <p:txBody>
+          <a:bodyPr rtlCol="0" anchor="ctr"/>
+          <a:lstStyle/>
+          <a:p>
+            <a:pPr algn="ctr"/>
+            <a:endParaRPr lang="en-US"/>
           </a:p>
         </p:txBody>
       </p:sp>
